--- a/Lectures/week 4/week 4 - Advanced Retrieval Models.pptx
+++ b/Lectures/week 4/week 4 - Advanced Retrieval Models.pptx
@@ -5384,15 +5384,7 @@
           <a:bodyPr/>
           <a:lstStyle/>
           <a:p>
-            <a:r>
-              <a:rPr lang="en-US" dirty="0"/>
-              <a:t>One of the key drawbacks</a:t>
-            </a:r>
-            <a:r>
-              <a:rPr lang="en-US" baseline="0" dirty="0"/>
-              <a:t> of the vector space retrieval model is the lack of interpretability of the similarity values. This gave rise to the development of probabilistic retrieval models, that attempt to “compute” relevance as a probability.</a:t>
-            </a:r>
-            <a:endParaRPr lang="en-US" dirty="0"/>
+            <a:endParaRPr lang="en-GB"/>
           </a:p>
         </p:txBody>
       </p:sp>
@@ -5403,7 +5395,7 @@
             <a:spLocks noGrp="1"/>
           </p:cNvSpPr>
           <p:nvPr>
-            <p:ph type="sldNum" sz="quarter" idx="10"/>
+            <p:ph type="sldNum" sz="quarter" idx="5"/>
           </p:nvPr>
         </p:nvSpPr>
         <p:spPr/>
@@ -5411,15 +5403,10 @@
           <a:bodyPr/>
           <a:lstStyle/>
           <a:p>
-            <a:pPr>
-              <a:defRPr/>
-            </a:pPr>
-            <a:fld id="{14727734-ABCF-234D-B636-C5B0C95204C2}" type="slidenum">
+            <a:fld id="{E6C47E0B-2958-48CC-BA4E-C350203CF107}" type="slidenum">
               <a:rPr lang="en-US" smtClean="0"/>
-              <a:pPr>
-                <a:defRPr/>
-              </a:pPr>
-              <a:t>2</a:t>
+              <a:pPr/>
+              <a:t>1</a:t>
             </a:fld>
             <a:endParaRPr lang="en-US"/>
           </a:p>
@@ -5428,7 +5415,7 @@
     </p:spTree>
     <p:extLst>
       <p:ext uri="{BB962C8B-B14F-4D97-AF65-F5344CB8AC3E}">
-        <p14:creationId xmlns:p14="http://schemas.microsoft.com/office/powerpoint/2010/main" val="2615335175"/>
+        <p14:creationId xmlns:p14="http://schemas.microsoft.com/office/powerpoint/2010/main" val="2618167551"/>
       </p:ext>
     </p:extLst>
   </p:cSld>
@@ -5439,6 +5426,324 @@
 </file>
 
 <file path=ppt/notesSlides/notesSlide10.xml><?xml version="1.0" encoding="utf-8"?>
+<p:notes xmlns:a="http://schemas.openxmlformats.org/drawingml/2006/main" xmlns:r="http://schemas.openxmlformats.org/officeDocument/2006/relationships" xmlns:p="http://schemas.openxmlformats.org/presentationml/2006/main">
+  <p:cSld>
+    <p:spTree>
+      <p:nvGrpSpPr>
+        <p:cNvPr id="1" name=""/>
+        <p:cNvGrpSpPr/>
+        <p:nvPr/>
+      </p:nvGrpSpPr>
+      <p:grpSpPr>
+        <a:xfrm>
+          <a:off x="0" y="0"/>
+          <a:ext cx="0" cy="0"/>
+          <a:chOff x="0" y="0"/>
+          <a:chExt cx="0" cy="0"/>
+        </a:xfrm>
+      </p:grpSpPr>
+      <p:sp>
+        <p:nvSpPr>
+          <p:cNvPr id="2" name="Slide Image Placeholder 1"/>
+          <p:cNvSpPr>
+            <a:spLocks noGrp="1" noRot="1" noChangeAspect="1"/>
+          </p:cNvSpPr>
+          <p:nvPr>
+            <p:ph type="sldImg"/>
+          </p:nvPr>
+        </p:nvSpPr>
+        <p:spPr/>
+      </p:sp>
+      <p:sp>
+        <p:nvSpPr>
+          <p:cNvPr id="3" name="Notes Placeholder 2"/>
+          <p:cNvSpPr>
+            <a:spLocks noGrp="1"/>
+          </p:cNvSpPr>
+          <p:nvPr>
+            <p:ph type="body" idx="1"/>
+          </p:nvPr>
+        </p:nvSpPr>
+        <p:spPr/>
+        <p:txBody>
+          <a:bodyPr/>
+          <a:lstStyle/>
+          <a:p>
+            <a:endParaRPr lang="en-GB"/>
+          </a:p>
+        </p:txBody>
+      </p:sp>
+      <p:sp>
+        <p:nvSpPr>
+          <p:cNvPr id="4" name="Slide Number Placeholder 3"/>
+          <p:cNvSpPr>
+            <a:spLocks noGrp="1"/>
+          </p:cNvSpPr>
+          <p:nvPr>
+            <p:ph type="sldNum" sz="quarter" idx="5"/>
+          </p:nvPr>
+        </p:nvSpPr>
+        <p:spPr/>
+        <p:txBody>
+          <a:bodyPr/>
+          <a:lstStyle/>
+          <a:p>
+            <a:fld id="{E6C47E0B-2958-48CC-BA4E-C350203CF107}" type="slidenum">
+              <a:rPr lang="en-US" smtClean="0"/>
+              <a:pPr/>
+              <a:t>10</a:t>
+            </a:fld>
+            <a:endParaRPr lang="en-US"/>
+          </a:p>
+        </p:txBody>
+      </p:sp>
+    </p:spTree>
+    <p:extLst>
+      <p:ext uri="{BB962C8B-B14F-4D97-AF65-F5344CB8AC3E}">
+        <p14:creationId xmlns:p14="http://schemas.microsoft.com/office/powerpoint/2010/main" val="936571454"/>
+      </p:ext>
+    </p:extLst>
+  </p:cSld>
+  <p:clrMapOvr>
+    <a:masterClrMapping/>
+  </p:clrMapOvr>
+</p:notes>
+</file>
+
+<file path=ppt/notesSlides/notesSlide11.xml><?xml version="1.0" encoding="utf-8"?>
+<p:notes xmlns:a="http://schemas.openxmlformats.org/drawingml/2006/main" xmlns:r="http://schemas.openxmlformats.org/officeDocument/2006/relationships" xmlns:p="http://schemas.openxmlformats.org/presentationml/2006/main">
+  <p:cSld>
+    <p:spTree>
+      <p:nvGrpSpPr>
+        <p:cNvPr id="1" name=""/>
+        <p:cNvGrpSpPr/>
+        <p:nvPr/>
+      </p:nvGrpSpPr>
+      <p:grpSpPr>
+        <a:xfrm>
+          <a:off x="0" y="0"/>
+          <a:ext cx="0" cy="0"/>
+          <a:chOff x="0" y="0"/>
+          <a:chExt cx="0" cy="0"/>
+        </a:xfrm>
+      </p:grpSpPr>
+      <p:sp>
+        <p:nvSpPr>
+          <p:cNvPr id="2" name="Slide Image Placeholder 1"/>
+          <p:cNvSpPr>
+            <a:spLocks noGrp="1" noRot="1" noChangeAspect="1"/>
+          </p:cNvSpPr>
+          <p:nvPr>
+            <p:ph type="sldImg"/>
+          </p:nvPr>
+        </p:nvSpPr>
+        <p:spPr/>
+      </p:sp>
+      <p:sp>
+        <p:nvSpPr>
+          <p:cNvPr id="3" name="Notes Placeholder 2"/>
+          <p:cNvSpPr>
+            <a:spLocks noGrp="1"/>
+          </p:cNvSpPr>
+          <p:nvPr>
+            <p:ph type="body" idx="1"/>
+          </p:nvPr>
+        </p:nvSpPr>
+        <p:spPr/>
+        <p:txBody>
+          <a:bodyPr/>
+          <a:lstStyle/>
+          <a:p>
+            <a:r>
+              <a:rPr lang="en-US" dirty="0"/>
+              <a:t>Applying the afore mentioned</a:t>
+            </a:r>
+            <a:r>
+              <a:rPr lang="en-US" baseline="0" dirty="0"/>
+              <a:t> approach to estimate relevance of a document to a query has a practical problem: if  the query contains a term not occurring in the document the estimated probability will be unavoidably zero, since one of the factors of the product computing that probability will be zero. In other words, the query cannot be generated by the document model, thus the document is not relevant to the query. This is not only impractical, but also not meaningful from a more theoretical perspective. Since we used MLE to generate the model, we were using the statistics of one specific document, that has been generated by a potentially complex model, that may contain other terms that just were not generated for this document.</a:t>
+            </a:r>
+            <a:endParaRPr lang="en-US" dirty="0"/>
+          </a:p>
+        </p:txBody>
+      </p:sp>
+      <p:sp>
+        <p:nvSpPr>
+          <p:cNvPr id="4" name="Slide Number Placeholder 3"/>
+          <p:cNvSpPr>
+            <a:spLocks noGrp="1"/>
+          </p:cNvSpPr>
+          <p:nvPr>
+            <p:ph type="sldNum" sz="quarter" idx="10"/>
+          </p:nvPr>
+        </p:nvSpPr>
+        <p:spPr/>
+        <p:txBody>
+          <a:bodyPr/>
+          <a:lstStyle/>
+          <a:p>
+            <a:pPr>
+              <a:defRPr/>
+            </a:pPr>
+            <a:fld id="{14727734-ABCF-234D-B636-C5B0C95204C2}" type="slidenum">
+              <a:rPr lang="en-US" smtClean="0"/>
+              <a:pPr>
+                <a:defRPr/>
+              </a:pPr>
+              <a:t>11</a:t>
+            </a:fld>
+            <a:endParaRPr lang="en-US"/>
+          </a:p>
+        </p:txBody>
+      </p:sp>
+    </p:spTree>
+    <p:extLst>
+      <p:ext uri="{BB962C8B-B14F-4D97-AF65-F5344CB8AC3E}">
+        <p14:creationId xmlns:p14="http://schemas.microsoft.com/office/powerpoint/2010/main" val="1813711000"/>
+      </p:ext>
+    </p:extLst>
+  </p:cSld>
+  <p:clrMapOvr>
+    <a:masterClrMapping/>
+  </p:clrMapOvr>
+</p:notes>
+</file>
+
+<file path=ppt/notesSlides/notesSlide12.xml><?xml version="1.0" encoding="utf-8"?>
+<p:notes xmlns:a="http://schemas.openxmlformats.org/drawingml/2006/main" xmlns:r="http://schemas.openxmlformats.org/officeDocument/2006/relationships" xmlns:p="http://schemas.openxmlformats.org/presentationml/2006/main">
+  <p:cSld>
+    <p:spTree>
+      <p:nvGrpSpPr>
+        <p:cNvPr id="1" name=""/>
+        <p:cNvGrpSpPr/>
+        <p:nvPr/>
+      </p:nvGrpSpPr>
+      <p:grpSpPr>
+        <a:xfrm>
+          <a:off x="0" y="0"/>
+          <a:ext cx="0" cy="0"/>
+          <a:chOff x="0" y="0"/>
+          <a:chExt cx="0" cy="0"/>
+        </a:xfrm>
+      </p:grpSpPr>
+      <p:sp>
+        <p:nvSpPr>
+          <p:cNvPr id="2" name="Slide Image Placeholder 1"/>
+          <p:cNvSpPr>
+            <a:spLocks noGrp="1" noRot="1" noChangeAspect="1"/>
+          </p:cNvSpPr>
+          <p:nvPr>
+            <p:ph type="sldImg"/>
+          </p:nvPr>
+        </p:nvSpPr>
+        <p:spPr/>
+      </p:sp>
+      <p:sp>
+        <p:nvSpPr>
+          <p:cNvPr id="3" name="Notes Placeholder 2"/>
+          <p:cNvSpPr>
+            <a:spLocks noGrp="1"/>
+          </p:cNvSpPr>
+          <p:nvPr>
+            <p:ph type="body" idx="1"/>
+          </p:nvPr>
+        </p:nvSpPr>
+        <p:spPr/>
+        <p:txBody>
+          <a:bodyPr/>
+          <a:lstStyle/>
+          <a:p>
+            <a:r>
+              <a:rPr lang="en-US" sz="1400" kern="1200" dirty="0">
+                <a:solidFill>
+                  <a:schemeClr val="tx1"/>
+                </a:solidFill>
+                <a:effectLst/>
+                <a:latin typeface="Times New Roman" pitchFamily="18" charset="0"/>
+                <a:ea typeface="ＭＳ Ｐゴシック" pitchFamily="34" charset="-128"/>
+                <a:cs typeface="ＭＳ Ｐゴシック" charset="0"/>
+              </a:rPr>
+              <a:t>To fix the aforementioned</a:t>
+            </a:r>
+            <a:r>
+              <a:rPr lang="en-US" sz="1400" kern="1200" baseline="0" dirty="0">
+                <a:solidFill>
+                  <a:schemeClr val="tx1"/>
+                </a:solidFill>
+                <a:effectLst/>
+                <a:latin typeface="Times New Roman" pitchFamily="18" charset="0"/>
+                <a:ea typeface="ＭＳ Ｐゴシック" pitchFamily="34" charset="-128"/>
+                <a:cs typeface="ＭＳ Ｐゴシック" charset="0"/>
+              </a:rPr>
+              <a:t> problem an approach called smoothing is applied. The basic idea is to assume that in fact every term potentially could occur in the document generated by its document model, including those that are not part of the actual document; only that the probability of terms not seen in the document is presumably less likely to occur as it would be expected to occur in the overall document collection. The smoothed estimate then combines the estimated likelihood to occur in the document according to the model generated from the document, with the estimated likelihood of a term occurring in the general document collection, modeled as a generic language model using the statistics from the document collection.</a:t>
+            </a:r>
+          </a:p>
+          <a:p>
+            <a:endParaRPr lang="en-US" sz="1400" kern="1200" baseline="0" dirty="0">
+              <a:solidFill>
+                <a:schemeClr val="tx1"/>
+              </a:solidFill>
+              <a:effectLst/>
+              <a:latin typeface="Times New Roman" pitchFamily="18" charset="0"/>
+              <a:ea typeface="ＭＳ Ｐゴシック" pitchFamily="34" charset="-128"/>
+              <a:cs typeface="ＭＳ Ｐゴシック" charset="0"/>
+            </a:endParaRPr>
+          </a:p>
+          <a:p>
+            <a:endParaRPr lang="en-US" sz="1400" kern="1200" dirty="0">
+              <a:solidFill>
+                <a:schemeClr val="tx1"/>
+              </a:solidFill>
+              <a:effectLst/>
+              <a:latin typeface="Times New Roman" pitchFamily="18" charset="0"/>
+              <a:ea typeface="ＭＳ Ｐゴシック" pitchFamily="34" charset="-128"/>
+              <a:cs typeface="ＭＳ Ｐゴシック" charset="0"/>
+            </a:endParaRPr>
+          </a:p>
+        </p:txBody>
+      </p:sp>
+      <p:sp>
+        <p:nvSpPr>
+          <p:cNvPr id="4" name="Slide Number Placeholder 3"/>
+          <p:cNvSpPr>
+            <a:spLocks noGrp="1"/>
+          </p:cNvSpPr>
+          <p:nvPr>
+            <p:ph type="sldNum" sz="quarter" idx="10"/>
+          </p:nvPr>
+        </p:nvSpPr>
+        <p:spPr/>
+        <p:txBody>
+          <a:bodyPr/>
+          <a:lstStyle/>
+          <a:p>
+            <a:pPr>
+              <a:defRPr/>
+            </a:pPr>
+            <a:fld id="{14727734-ABCF-234D-B636-C5B0C95204C2}" type="slidenum">
+              <a:rPr lang="en-US" smtClean="0"/>
+              <a:pPr>
+                <a:defRPr/>
+              </a:pPr>
+              <a:t>12</a:t>
+            </a:fld>
+            <a:endParaRPr lang="en-US"/>
+          </a:p>
+        </p:txBody>
+      </p:sp>
+    </p:spTree>
+    <p:extLst>
+      <p:ext uri="{BB962C8B-B14F-4D97-AF65-F5344CB8AC3E}">
+        <p14:creationId xmlns:p14="http://schemas.microsoft.com/office/powerpoint/2010/main" val="3507213165"/>
+      </p:ext>
+    </p:extLst>
+  </p:cSld>
+  <p:clrMapOvr>
+    <a:masterClrMapping/>
+  </p:clrMapOvr>
+</p:notes>
+</file>
+
+<file path=ppt/notesSlides/notesSlide13.xml><?xml version="1.0" encoding="utf-8"?>
 <p:notes xmlns:a="http://schemas.openxmlformats.org/drawingml/2006/main" xmlns:r="http://schemas.openxmlformats.org/officeDocument/2006/relationships" xmlns:p="http://schemas.openxmlformats.org/presentationml/2006/main">
   <p:cSld>
     <p:spTree>
@@ -5615,309 +5920,6 @@
 </p:notes>
 </file>
 
-<file path=ppt/notesSlides/notesSlide11.xml><?xml version="1.0" encoding="utf-8"?>
-<p:notes xmlns:a="http://schemas.openxmlformats.org/drawingml/2006/main" xmlns:r="http://schemas.openxmlformats.org/officeDocument/2006/relationships" xmlns:p="http://schemas.openxmlformats.org/presentationml/2006/main">
-  <p:cSld>
-    <p:spTree>
-      <p:nvGrpSpPr>
-        <p:cNvPr id="1" name=""/>
-        <p:cNvGrpSpPr/>
-        <p:nvPr/>
-      </p:nvGrpSpPr>
-      <p:grpSpPr>
-        <a:xfrm>
-          <a:off x="0" y="0"/>
-          <a:ext cx="0" cy="0"/>
-          <a:chOff x="0" y="0"/>
-          <a:chExt cx="0" cy="0"/>
-        </a:xfrm>
-      </p:grpSpPr>
-      <p:sp>
-        <p:nvSpPr>
-          <p:cNvPr id="2" name="Slide Image Placeholder 1"/>
-          <p:cNvSpPr>
-            <a:spLocks noGrp="1" noRot="1" noChangeAspect="1"/>
-          </p:cNvSpPr>
-          <p:nvPr>
-            <p:ph type="sldImg"/>
-          </p:nvPr>
-        </p:nvSpPr>
-        <p:spPr/>
-      </p:sp>
-      <p:sp>
-        <p:nvSpPr>
-          <p:cNvPr id="3" name="Notes Placeholder 2"/>
-          <p:cNvSpPr>
-            <a:spLocks noGrp="1"/>
-          </p:cNvSpPr>
-          <p:nvPr>
-            <p:ph type="body" idx="1"/>
-          </p:nvPr>
-        </p:nvSpPr>
-        <p:spPr/>
-        <p:txBody>
-          <a:bodyPr/>
-          <a:lstStyle/>
-          <a:p>
-            <a:r>
-              <a:rPr lang="en-US" dirty="0"/>
-              <a:t>This</a:t>
-            </a:r>
-            <a:r>
-              <a:rPr lang="en-US" baseline="0" dirty="0"/>
-              <a:t> is a simple example illustrating the use of probabilistic retrieval. Notate that the document lengths of d1 and d2 are 7 and 6, and that the collection length is 13.</a:t>
-            </a:r>
-            <a:endParaRPr lang="en-US" dirty="0"/>
-          </a:p>
-        </p:txBody>
-      </p:sp>
-      <p:sp>
-        <p:nvSpPr>
-          <p:cNvPr id="4" name="Slide Number Placeholder 3"/>
-          <p:cNvSpPr>
-            <a:spLocks noGrp="1"/>
-          </p:cNvSpPr>
-          <p:nvPr>
-            <p:ph type="sldNum" sz="quarter" idx="10"/>
-          </p:nvPr>
-        </p:nvSpPr>
-        <p:spPr/>
-        <p:txBody>
-          <a:bodyPr/>
-          <a:lstStyle/>
-          <a:p>
-            <a:pPr>
-              <a:defRPr/>
-            </a:pPr>
-            <a:fld id="{14727734-ABCF-234D-B636-C5B0C95204C2}" type="slidenum">
-              <a:rPr lang="en-US" smtClean="0"/>
-              <a:pPr>
-                <a:defRPr/>
-              </a:pPr>
-              <a:t>14</a:t>
-            </a:fld>
-            <a:endParaRPr lang="en-US"/>
-          </a:p>
-        </p:txBody>
-      </p:sp>
-    </p:spTree>
-    <p:extLst>
-      <p:ext uri="{BB962C8B-B14F-4D97-AF65-F5344CB8AC3E}">
-        <p14:creationId xmlns:p14="http://schemas.microsoft.com/office/powerpoint/2010/main" val="1608118251"/>
-      </p:ext>
-    </p:extLst>
-  </p:cSld>
-  <p:clrMapOvr>
-    <a:masterClrMapping/>
-  </p:clrMapOvr>
-</p:notes>
-</file>
-
-<file path=ppt/notesSlides/notesSlide12.xml><?xml version="1.0" encoding="utf-8"?>
-<p:notes xmlns:a="http://schemas.openxmlformats.org/drawingml/2006/main" xmlns:r="http://schemas.openxmlformats.org/officeDocument/2006/relationships" xmlns:p="http://schemas.openxmlformats.org/presentationml/2006/main">
-  <p:cSld>
-    <p:spTree>
-      <p:nvGrpSpPr>
-        <p:cNvPr id="1" name=""/>
-        <p:cNvGrpSpPr/>
-        <p:nvPr/>
-      </p:nvGrpSpPr>
-      <p:grpSpPr>
-        <a:xfrm>
-          <a:off x="0" y="0"/>
-          <a:ext cx="0" cy="0"/>
-          <a:chOff x="0" y="0"/>
-          <a:chExt cx="0" cy="0"/>
-        </a:xfrm>
-      </p:grpSpPr>
-      <p:sp>
-        <p:nvSpPr>
-          <p:cNvPr id="2" name="Slide Image Placeholder 1"/>
-          <p:cNvSpPr>
-            <a:spLocks noGrp="1" noRot="1" noChangeAspect="1"/>
-          </p:cNvSpPr>
-          <p:nvPr>
-            <p:ph type="sldImg"/>
-          </p:nvPr>
-        </p:nvSpPr>
-        <p:spPr/>
-      </p:sp>
-      <p:sp>
-        <p:nvSpPr>
-          <p:cNvPr id="3" name="Notes Placeholder 2"/>
-          <p:cNvSpPr>
-            <a:spLocks noGrp="1"/>
-          </p:cNvSpPr>
-          <p:nvPr>
-            <p:ph type="body" idx="1"/>
-          </p:nvPr>
-        </p:nvSpPr>
-        <p:spPr/>
-        <p:txBody>
-          <a:bodyPr/>
-          <a:lstStyle/>
-          <a:p>
-            <a:r>
-              <a:rPr lang="en-US" dirty="0"/>
-              <a:t>This is a result reported from comparing vector space retrieval with probabilistic</a:t>
-            </a:r>
-            <a:r>
-              <a:rPr lang="en-US" baseline="0" dirty="0"/>
-              <a:t> retrieval. It shows that in this experiment probabilistic retrieval improves precision significantly, in particular for higher values of recall. (LM = language model).</a:t>
-            </a:r>
-            <a:endParaRPr lang="en-US" dirty="0"/>
-          </a:p>
-        </p:txBody>
-      </p:sp>
-      <p:sp>
-        <p:nvSpPr>
-          <p:cNvPr id="4" name="Slide Number Placeholder 3"/>
-          <p:cNvSpPr>
-            <a:spLocks noGrp="1"/>
-          </p:cNvSpPr>
-          <p:nvPr>
-            <p:ph type="sldNum" sz="quarter" idx="10"/>
-          </p:nvPr>
-        </p:nvSpPr>
-        <p:spPr/>
-        <p:txBody>
-          <a:bodyPr/>
-          <a:lstStyle/>
-          <a:p>
-            <a:pPr>
-              <a:defRPr/>
-            </a:pPr>
-            <a:fld id="{14727734-ABCF-234D-B636-C5B0C95204C2}" type="slidenum">
-              <a:rPr lang="en-US" smtClean="0"/>
-              <a:pPr>
-                <a:defRPr/>
-              </a:pPr>
-              <a:t>15</a:t>
-            </a:fld>
-            <a:endParaRPr lang="en-US"/>
-          </a:p>
-        </p:txBody>
-      </p:sp>
-    </p:spTree>
-    <p:extLst>
-      <p:ext uri="{BB962C8B-B14F-4D97-AF65-F5344CB8AC3E}">
-        <p14:creationId xmlns:p14="http://schemas.microsoft.com/office/powerpoint/2010/main" val="696802048"/>
-      </p:ext>
-    </p:extLst>
-  </p:cSld>
-  <p:clrMapOvr>
-    <a:masterClrMapping/>
-  </p:clrMapOvr>
-</p:notes>
-</file>
-
-<file path=ppt/notesSlides/notesSlide13.xml><?xml version="1.0" encoding="utf-8"?>
-<p:notes xmlns:a="http://schemas.openxmlformats.org/drawingml/2006/main" xmlns:r="http://schemas.openxmlformats.org/officeDocument/2006/relationships" xmlns:p="http://schemas.openxmlformats.org/presentationml/2006/main">
-  <p:cSld>
-    <p:spTree>
-      <p:nvGrpSpPr>
-        <p:cNvPr id="1" name=""/>
-        <p:cNvGrpSpPr/>
-        <p:nvPr/>
-      </p:nvGrpSpPr>
-      <p:grpSpPr>
-        <a:xfrm>
-          <a:off x="0" y="0"/>
-          <a:ext cx="0" cy="0"/>
-          <a:chOff x="0" y="0"/>
-          <a:chExt cx="0" cy="0"/>
-        </a:xfrm>
-      </p:grpSpPr>
-      <p:sp>
-        <p:nvSpPr>
-          <p:cNvPr id="2" name="Slide Image Placeholder 1"/>
-          <p:cNvSpPr>
-            <a:spLocks noGrp="1" noRot="1" noChangeAspect="1"/>
-          </p:cNvSpPr>
-          <p:nvPr>
-            <p:ph type="sldImg"/>
-          </p:nvPr>
-        </p:nvSpPr>
-        <p:spPr/>
-      </p:sp>
-      <p:sp>
-        <p:nvSpPr>
-          <p:cNvPr id="3" name="Notes Placeholder 2"/>
-          <p:cNvSpPr>
-            <a:spLocks noGrp="1"/>
-          </p:cNvSpPr>
-          <p:nvPr>
-            <p:ph type="body" idx="1"/>
-          </p:nvPr>
-        </p:nvSpPr>
-        <p:spPr/>
-        <p:txBody>
-          <a:bodyPr/>
-          <a:lstStyle/>
-          <a:p>
-            <a:r>
-              <a:rPr lang="en-US" dirty="0"/>
-              <a:t>Here</a:t>
-            </a:r>
-            <a:r>
-              <a:rPr lang="en-US" baseline="0" dirty="0"/>
-              <a:t> we compare the characteristics of the vector space model with the probabilistic retrieval model based on language models, and BM25 another model based on a probabilistic approach, that is today considered as one of the most performant retrieval models.</a:t>
-            </a:r>
-          </a:p>
-          <a:p>
-            <a:endParaRPr lang="en-US" baseline="0" dirty="0"/>
-          </a:p>
-          <a:p>
-            <a:r>
-              <a:rPr lang="en-US" baseline="0" dirty="0"/>
-              <a:t>One aspect that is taken implicitly care off in the probabilistic retrieval model based on language models is normalization for document length. For vector space retrieval specific extensions have been developed, that modify the weighting parameters with the document length. For collections with widely varying document lengths this proved to be a useful improvement. In general, the vector space model is preferred when a quick and simple solution is sought. For probabilistic models better performance can be achieved, but this depends on careful parameter tuning which requires specialized expertise.</a:t>
-            </a:r>
-            <a:endParaRPr lang="en-US" dirty="0"/>
-          </a:p>
-        </p:txBody>
-      </p:sp>
-      <p:sp>
-        <p:nvSpPr>
-          <p:cNvPr id="4" name="Slide Number Placeholder 3"/>
-          <p:cNvSpPr>
-            <a:spLocks noGrp="1"/>
-          </p:cNvSpPr>
-          <p:nvPr>
-            <p:ph type="sldNum" sz="quarter" idx="10"/>
-          </p:nvPr>
-        </p:nvSpPr>
-        <p:spPr/>
-        <p:txBody>
-          <a:bodyPr/>
-          <a:lstStyle/>
-          <a:p>
-            <a:pPr>
-              <a:defRPr/>
-            </a:pPr>
-            <a:fld id="{14727734-ABCF-234D-B636-C5B0C95204C2}" type="slidenum">
-              <a:rPr lang="en-US" smtClean="0"/>
-              <a:pPr>
-                <a:defRPr/>
-              </a:pPr>
-              <a:t>16</a:t>
-            </a:fld>
-            <a:endParaRPr lang="en-US"/>
-          </a:p>
-        </p:txBody>
-      </p:sp>
-    </p:spTree>
-    <p:extLst>
-      <p:ext uri="{BB962C8B-B14F-4D97-AF65-F5344CB8AC3E}">
-        <p14:creationId xmlns:p14="http://schemas.microsoft.com/office/powerpoint/2010/main" val="2035480379"/>
-      </p:ext>
-    </p:extLst>
-  </p:cSld>
-  <p:clrMapOvr>
-    <a:masterClrMapping/>
-  </p:clrMapOvr>
-</p:notes>
-</file>
-
 <file path=ppt/notesSlides/notesSlide14.xml><?xml version="1.0" encoding="utf-8"?>
 <p:notes xmlns:a="http://schemas.openxmlformats.org/drawingml/2006/main" xmlns:r="http://schemas.openxmlformats.org/officeDocument/2006/relationships" xmlns:p="http://schemas.openxmlformats.org/presentationml/2006/main">
   <p:cSld>
@@ -5962,7 +5964,15 @@
           <a:bodyPr/>
           <a:lstStyle/>
           <a:p>
-            <a:endParaRPr lang="en-US"/>
+            <a:r>
+              <a:rPr lang="en-US" dirty="0"/>
+              <a:t>This</a:t>
+            </a:r>
+            <a:r>
+              <a:rPr lang="en-US" baseline="0" dirty="0"/>
+              <a:t> is a simple example illustrating the use of probabilistic retrieval. Notate that the document lengths of d1 and d2 are 7 and 6, and that the collection length is 13.</a:t>
+            </a:r>
+            <a:endParaRPr lang="en-US" dirty="0"/>
           </a:p>
         </p:txBody>
       </p:sp>
@@ -5981,10 +5991,15 @@
           <a:bodyPr/>
           <a:lstStyle/>
           <a:p>
-            <a:fld id="{E6C47E0B-2958-48CC-BA4E-C350203CF107}" type="slidenum">
+            <a:pPr>
+              <a:defRPr/>
+            </a:pPr>
+            <a:fld id="{14727734-ABCF-234D-B636-C5B0C95204C2}" type="slidenum">
               <a:rPr lang="en-US" smtClean="0"/>
-              <a:pPr/>
-              <a:t>17</a:t>
+              <a:pPr>
+                <a:defRPr/>
+              </a:pPr>
+              <a:t>14</a:t>
             </a:fld>
             <a:endParaRPr lang="en-US"/>
           </a:p>
@@ -5993,7 +6008,7 @@
     </p:spTree>
     <p:extLst>
       <p:ext uri="{BB962C8B-B14F-4D97-AF65-F5344CB8AC3E}">
-        <p14:creationId xmlns:p14="http://schemas.microsoft.com/office/powerpoint/2010/main" val="198170627"/>
+        <p14:creationId xmlns:p14="http://schemas.microsoft.com/office/powerpoint/2010/main" val="1608118251"/>
       </p:ext>
     </p:extLst>
   </p:cSld>
@@ -6022,75 +6037,76 @@
       </p:grpSpPr>
       <p:sp>
         <p:nvSpPr>
-          <p:cNvPr id="29698" name="Rectangle 2"/>
+          <p:cNvPr id="2" name="Slide Image Placeholder 1"/>
           <p:cNvSpPr>
-            <a:spLocks noGrp="1" noRot="1" noChangeAspect="1" noChangeArrowheads="1" noTextEdit="1"/>
+            <a:spLocks noGrp="1" noRot="1" noChangeAspect="1"/>
           </p:cNvSpPr>
           <p:nvPr>
             <p:ph type="sldImg"/>
           </p:nvPr>
         </p:nvSpPr>
-        <p:spPr>
-          <a:xfrm>
-            <a:off x="990600" y="768350"/>
-            <a:ext cx="5118100" cy="3838575"/>
-          </a:xfrm>
-          <a:ln/>
-        </p:spPr>
-      </p:sp>
-      <p:sp>
-        <p:nvSpPr>
-          <p:cNvPr id="29699" name="Rectangle 3"/>
+        <p:spPr/>
+      </p:sp>
+      <p:sp>
+        <p:nvSpPr>
+          <p:cNvPr id="3" name="Notes Placeholder 2"/>
           <p:cNvSpPr>
-            <a:spLocks noGrp="1" noChangeArrowheads="1"/>
+            <a:spLocks noGrp="1"/>
           </p:cNvSpPr>
           <p:nvPr>
             <p:ph type="body" idx="1"/>
           </p:nvPr>
         </p:nvSpPr>
-        <p:spPr>
-          <a:noFill/>
-          <a:ln/>
-        </p:spPr>
+        <p:spPr/>
         <p:txBody>
           <a:bodyPr/>
           <a:lstStyle/>
           <a:p>
             <a:r>
-              <a:rPr lang="fr-CH" dirty="0"/>
-              <a:t>Despite its success</a:t>
-            </a:r>
-            <a:r>
-              <a:rPr lang="fr-CH" baseline="0" dirty="0"/>
-              <a:t> and widespread use </a:t>
-            </a:r>
-            <a:r>
-              <a:rPr lang="fr-CH" dirty="0"/>
-              <a:t>the vector space retrieval model suffers from</a:t>
-            </a:r>
-            <a:r>
-              <a:rPr lang="fr-CH" baseline="0" dirty="0"/>
-              <a:t> </a:t>
-            </a:r>
-            <a:r>
-              <a:rPr lang="fr-CH" dirty="0"/>
-              <a:t>some problems. The important</a:t>
-            </a:r>
-            <a:r>
-              <a:rPr lang="fr-CH" baseline="0" dirty="0"/>
-              <a:t> insight is that terms may indicate a concept a user is interested in, but there does not necessarily exist a one to one correspondence between terms and concepts. As a consequence retrieval results may contain irrelevant documents, and relevant documents may be missed.</a:t>
-            </a:r>
-            <a:endParaRPr lang="fr-CH" dirty="0"/>
-          </a:p>
-          <a:p>
-            <a:endParaRPr lang="fr-CH" dirty="0"/>
+              <a:rPr lang="en-US" dirty="0"/>
+              <a:t>This is a result reported from comparing vector space retrieval with probabilistic</a:t>
+            </a:r>
+            <a:r>
+              <a:rPr lang="en-US" baseline="0" dirty="0"/>
+              <a:t> retrieval. It shows that in this experiment probabilistic retrieval improves precision significantly, in particular for higher values of recall. (LM = language model).</a:t>
+            </a:r>
+            <a:endParaRPr lang="en-US" dirty="0"/>
+          </a:p>
+        </p:txBody>
+      </p:sp>
+      <p:sp>
+        <p:nvSpPr>
+          <p:cNvPr id="4" name="Slide Number Placeholder 3"/>
+          <p:cNvSpPr>
+            <a:spLocks noGrp="1"/>
+          </p:cNvSpPr>
+          <p:nvPr>
+            <p:ph type="sldNum" sz="quarter" idx="10"/>
+          </p:nvPr>
+        </p:nvSpPr>
+        <p:spPr/>
+        <p:txBody>
+          <a:bodyPr/>
+          <a:lstStyle/>
+          <a:p>
+            <a:pPr>
+              <a:defRPr/>
+            </a:pPr>
+            <a:fld id="{14727734-ABCF-234D-B636-C5B0C95204C2}" type="slidenum">
+              <a:rPr lang="en-US" smtClean="0"/>
+              <a:pPr>
+                <a:defRPr/>
+              </a:pPr>
+              <a:t>15</a:t>
+            </a:fld>
+            <a:endParaRPr lang="en-US"/>
           </a:p>
         </p:txBody>
       </p:sp>
     </p:spTree>
     <p:extLst>
       <p:ext uri="{BB962C8B-B14F-4D97-AF65-F5344CB8AC3E}">
-        <p14:creationId xmlns:p14="http://schemas.microsoft.com/office/powerpoint/2010/main" val="2779048721"/>
+        <p14:creationId xmlns:p14="http://schemas.microsoft.com/office/powerpoint/2010/main" val="696802048"/>
       </p:ext>
     </p:extLst>
   </p:cSld>
@@ -6127,12 +6143,7 @@
             <p:ph type="sldImg"/>
           </p:nvPr>
         </p:nvSpPr>
-        <p:spPr>
-          <a:xfrm>
-            <a:off x="992188" y="766763"/>
-            <a:ext cx="5119687" cy="3838575"/>
-          </a:xfrm>
-        </p:spPr>
+        <p:spPr/>
       </p:sp>
       <p:sp>
         <p:nvSpPr>
@@ -6149,32 +6160,24 @@
           <a:bodyPr/>
           <a:lstStyle/>
           <a:p>
-            <a:pPr marL="0" marR="0" indent="0" algn="l" defTabSz="914400" rtl="0" eaLnBrk="1" fontAlgn="base" latinLnBrk="0" hangingPunct="1">
-              <a:lnSpc>
-                <a:spcPct val="100000"/>
-              </a:lnSpc>
-              <a:spcBef>
-                <a:spcPct val="30000"/>
-              </a:spcBef>
-              <a:spcAft>
-                <a:spcPct val="0"/>
-              </a:spcAft>
-              <a:buClrTx/>
-              <a:buSzTx/>
-              <a:buFontTx/>
-              <a:buNone/>
-              <a:tabLst/>
-              <a:defRPr/>
-            </a:pPr>
-            <a:r>
-              <a:rPr lang="fr-CH" baseline="0" dirty="0"/>
-              <a:t>These problems are related to the fact that the same concepts can be expressed through many different terms (synonyms) and that the same term may have multiple meanings (homonyms). Studies show that</a:t>
-            </a:r>
-            <a:r>
-              <a:rPr lang="fr-CH" dirty="0"/>
-              <a:t> different users use the same keywords for expressing the same concepts only 20% of the time. </a:t>
-            </a:r>
-            <a:endParaRPr lang="en-GB" dirty="0"/>
+            <a:r>
+              <a:rPr lang="en-US" dirty="0"/>
+              <a:t>Here</a:t>
+            </a:r>
+            <a:r>
+              <a:rPr lang="en-US" baseline="0" dirty="0"/>
+              <a:t> we compare the characteristics of the vector space model with the probabilistic retrieval model based on language models, and BM25 another model based on a probabilistic approach, that is today considered as one of the most performant retrieval models.</a:t>
+            </a:r>
+          </a:p>
+          <a:p>
+            <a:endParaRPr lang="en-US" baseline="0" dirty="0"/>
+          </a:p>
+          <a:p>
+            <a:r>
+              <a:rPr lang="en-US" baseline="0" dirty="0"/>
+              <a:t>One aspect that is taken implicitly care off in the probabilistic retrieval model based on language models is normalization for document length. For vector space retrieval specific extensions have been developed, that modify the weighting parameters with the document length. For collections with widely varying document lengths this proved to be a useful improvement. In general, the vector space model is preferred when a quick and simple solution is sought. For probabilistic models better performance can be achieved, but this depends on careful parameter tuning which requires specialized expertise.</a:t>
+            </a:r>
+            <a:endParaRPr lang="en-US" dirty="0"/>
           </a:p>
         </p:txBody>
       </p:sp>
@@ -6193,10 +6196,15 @@
           <a:bodyPr/>
           <a:lstStyle/>
           <a:p>
-            <a:fld id="{E6C47E0B-2958-48CC-BA4E-C350203CF107}" type="slidenum">
+            <a:pPr>
+              <a:defRPr/>
+            </a:pPr>
+            <a:fld id="{14727734-ABCF-234D-B636-C5B0C95204C2}" type="slidenum">
               <a:rPr lang="en-US" smtClean="0"/>
-              <a:pPr/>
-              <a:t>19</a:t>
+              <a:pPr>
+                <a:defRPr/>
+              </a:pPr>
+              <a:t>16</a:t>
             </a:fld>
             <a:endParaRPr lang="en-US"/>
           </a:p>
@@ -6205,7 +6213,7 @@
     </p:spTree>
     <p:extLst>
       <p:ext uri="{BB962C8B-B14F-4D97-AF65-F5344CB8AC3E}">
-        <p14:creationId xmlns:p14="http://schemas.microsoft.com/office/powerpoint/2010/main" val="789211140"/>
+        <p14:creationId xmlns:p14="http://schemas.microsoft.com/office/powerpoint/2010/main" val="2035480379"/>
       </p:ext>
     </p:extLst>
   </p:cSld>
@@ -6242,12 +6250,7 @@
             <p:ph type="sldImg"/>
           </p:nvPr>
         </p:nvSpPr>
-        <p:spPr>
-          <a:xfrm>
-            <a:off x="992188" y="766763"/>
-            <a:ext cx="5119687" cy="3838575"/>
-          </a:xfrm>
-        </p:spPr>
+        <p:spPr/>
       </p:sp>
       <p:sp>
         <p:nvSpPr>
@@ -6264,23 +6267,7 @@
           <a:bodyPr/>
           <a:lstStyle/>
           <a:p>
-            <a:r>
-              <a:rPr lang="en-GB" dirty="0"/>
-              <a:t>Let’s illustrate</a:t>
-            </a:r>
-            <a:r>
-              <a:rPr lang="en-GB" baseline="0" dirty="0"/>
-              <a:t> the problem resulting from </a:t>
-            </a:r>
-            <a:r>
-              <a:rPr lang="en-GB" baseline="0" dirty="0" err="1"/>
-              <a:t>synomyms</a:t>
-            </a:r>
-            <a:r>
-              <a:rPr lang="en-GB" baseline="0" dirty="0"/>
-              <a:t> and homonyms by an example. Among these three documents at the level of terms doc1 and doc2 are (seem) highly related, whereas doc3 has no similarity with the other two documents. With human background knowledge it is however easy to see that in reality doc2 and doc3 are closely related, as they talk about mobile communications, whereas doc1 is completely unrelated to the others as it is about health and nutrition.</a:t>
-            </a:r>
-            <a:endParaRPr lang="en-GB" dirty="0"/>
+            <a:endParaRPr lang="en-US"/>
           </a:p>
         </p:txBody>
       </p:sp>
@@ -6302,7 +6289,7 @@
             <a:fld id="{E6C47E0B-2958-48CC-BA4E-C350203CF107}" type="slidenum">
               <a:rPr lang="en-US" smtClean="0"/>
               <a:pPr/>
-              <a:t>20</a:t>
+              <a:t>17</a:t>
             </a:fld>
             <a:endParaRPr lang="en-US"/>
           </a:p>
@@ -6311,7 +6298,7 @@
     </p:spTree>
     <p:extLst>
       <p:ext uri="{BB962C8B-B14F-4D97-AF65-F5344CB8AC3E}">
-        <p14:creationId xmlns:p14="http://schemas.microsoft.com/office/powerpoint/2010/main" val="2269152974"/>
+        <p14:creationId xmlns:p14="http://schemas.microsoft.com/office/powerpoint/2010/main" val="198170627"/>
       </p:ext>
     </p:extLst>
   </p:cSld>
@@ -6340,9 +6327,9 @@
       </p:grpSpPr>
       <p:sp>
         <p:nvSpPr>
-          <p:cNvPr id="2" name="Slide Image Placeholder 1"/>
+          <p:cNvPr id="29698" name="Rectangle 2"/>
           <p:cNvSpPr>
-            <a:spLocks noGrp="1" noRot="1" noChangeAspect="1"/>
+            <a:spLocks noGrp="1" noRot="1" noChangeAspect="1" noChangeArrowheads="1" noTextEdit="1"/>
           </p:cNvSpPr>
           <p:nvPr>
             <p:ph type="sldImg"/>
@@ -6350,118 +6337,65 @@
         </p:nvSpPr>
         <p:spPr>
           <a:xfrm>
-            <a:off x="992188" y="766763"/>
-            <a:ext cx="5119687" cy="3838575"/>
+            <a:off x="990600" y="768350"/>
+            <a:ext cx="5118100" cy="3838575"/>
           </a:xfrm>
+          <a:ln/>
         </p:spPr>
       </p:sp>
       <p:sp>
         <p:nvSpPr>
-          <p:cNvPr id="3" name="Notes Placeholder 2"/>
+          <p:cNvPr id="29699" name="Rectangle 3"/>
           <p:cNvSpPr>
-            <a:spLocks noGrp="1"/>
+            <a:spLocks noGrp="1" noChangeArrowheads="1"/>
           </p:cNvSpPr>
           <p:nvPr>
             <p:ph type="body" idx="1"/>
           </p:nvPr>
         </p:nvSpPr>
-        <p:spPr/>
+        <p:spPr>
+          <a:noFill/>
+          <a:ln/>
+        </p:spPr>
         <p:txBody>
           <a:bodyPr/>
           <a:lstStyle/>
           <a:p>
-            <a:pPr marL="0" marR="0" indent="0" algn="l" defTabSz="914400" rtl="0" eaLnBrk="1" fontAlgn="base" latinLnBrk="0" hangingPunct="1">
-              <a:lnSpc>
-                <a:spcPct val="100000"/>
-              </a:lnSpc>
-              <a:spcBef>
-                <a:spcPct val="30000"/>
-              </a:spcBef>
-              <a:spcAft>
-                <a:spcPct val="0"/>
-              </a:spcAft>
-              <a:buClrTx/>
-              <a:buSzTx/>
-              <a:buFontTx/>
-              <a:buNone/>
-              <a:tabLst/>
-              <a:defRPr/>
-            </a:pPr>
             <a:r>
               <a:rPr lang="fr-CH" dirty="0"/>
-              <a:t>Thus it would be an interesting to</a:t>
+              <a:t>Despite its success</a:t>
             </a:r>
             <a:r>
               <a:rPr lang="fr-CH" baseline="0" dirty="0"/>
-              <a:t> base information retrieval </a:t>
+              <a:t> and widespread use </a:t>
             </a:r>
             <a:r>
               <a:rPr lang="fr-CH" dirty="0"/>
-              <a:t>methods on</a:t>
+              <a:t>the vector space retrieval model suffers from</a:t>
             </a:r>
             <a:r>
               <a:rPr lang="fr-CH" baseline="0" dirty="0"/>
-              <a:t> the use of </a:t>
+              <a:t> </a:t>
             </a:r>
             <a:r>
               <a:rPr lang="fr-CH" dirty="0"/>
-              <a:t>concepts, instead of terms. To that end it is</a:t>
+              <a:t>some problems. The important</a:t>
             </a:r>
             <a:r>
               <a:rPr lang="fr-CH" baseline="0" dirty="0"/>
-              <a:t> first necessary to define a </a:t>
-            </a:r>
-            <a:r>
-              <a:rPr lang="fr-CH" dirty="0"/>
-              <a:t>"concept space" to which</a:t>
-            </a:r>
-            <a:r>
-              <a:rPr lang="fr-CH" baseline="0" dirty="0"/>
-              <a:t> documents and queries are mapped, and compute similarity within that concept space.</a:t>
-            </a:r>
-            <a:r>
-              <a:rPr lang="fr-CH" dirty="0"/>
-              <a:t> This idea is developed in the following. The concept space should</a:t>
-            </a:r>
-            <a:r>
-              <a:rPr lang="fr-CH" baseline="0" dirty="0"/>
-              <a:t> ideally have much lower dimension than the term space, whose dimensionality is determined by the size of the vocabulary.</a:t>
-            </a:r>
-            <a:endParaRPr lang="en-GB" dirty="0"/>
-          </a:p>
-          <a:p>
-            <a:endParaRPr lang="en-GB" dirty="0"/>
-          </a:p>
-        </p:txBody>
-      </p:sp>
-      <p:sp>
-        <p:nvSpPr>
-          <p:cNvPr id="4" name="Slide Number Placeholder 3"/>
-          <p:cNvSpPr>
-            <a:spLocks noGrp="1"/>
-          </p:cNvSpPr>
-          <p:nvPr>
-            <p:ph type="sldNum" sz="quarter" idx="10"/>
-          </p:nvPr>
-        </p:nvSpPr>
-        <p:spPr/>
-        <p:txBody>
-          <a:bodyPr/>
-          <a:lstStyle/>
-          <a:p>
-            <a:fld id="{E6C47E0B-2958-48CC-BA4E-C350203CF107}" type="slidenum">
-              <a:rPr lang="en-US" smtClean="0"/>
-              <a:pPr/>
-              <a:t>21</a:t>
-            </a:fld>
-            <a:endParaRPr lang="en-US"/>
+              <a:t> insight is that terms may indicate a concept a user is interested in, but there does not necessarily exist a one to one correspondence between terms and concepts. As a consequence retrieval results may contain irrelevant documents, and relevant documents may be missed.</a:t>
+            </a:r>
+            <a:endParaRPr lang="fr-CH" dirty="0"/>
+          </a:p>
+          <a:p>
+            <a:endParaRPr lang="fr-CH" dirty="0"/>
           </a:p>
         </p:txBody>
       </p:sp>
     </p:spTree>
     <p:extLst>
       <p:ext uri="{BB962C8B-B14F-4D97-AF65-F5344CB8AC3E}">
-        <p14:creationId xmlns:p14="http://schemas.microsoft.com/office/powerpoint/2010/main" val="636931891"/>
+        <p14:creationId xmlns:p14="http://schemas.microsoft.com/office/powerpoint/2010/main" val="2779048721"/>
       </p:ext>
     </p:extLst>
   </p:cSld>
@@ -6490,9 +6424,9 @@
       </p:grpSpPr>
       <p:sp>
         <p:nvSpPr>
-          <p:cNvPr id="30722" name="Rectangle 2"/>
+          <p:cNvPr id="2" name="Slide Image Placeholder 1"/>
           <p:cNvSpPr>
-            <a:spLocks noGrp="1" noRot="1" noChangeAspect="1" noChangeArrowheads="1" noTextEdit="1"/>
+            <a:spLocks noGrp="1" noRot="1" noChangeAspect="1"/>
           </p:cNvSpPr>
           <p:nvPr>
             <p:ph type="sldImg"/>
@@ -6500,56 +6434,83 @@
         </p:nvSpPr>
         <p:spPr>
           <a:xfrm>
-            <a:off x="990600" y="768350"/>
-            <a:ext cx="5118100" cy="3838575"/>
+            <a:off x="992188" y="766763"/>
+            <a:ext cx="5119687" cy="3838575"/>
           </a:xfrm>
-          <a:ln/>
         </p:spPr>
       </p:sp>
       <p:sp>
         <p:nvSpPr>
-          <p:cNvPr id="30723" name="Rectangle 3"/>
+          <p:cNvPr id="3" name="Notes Placeholder 2"/>
           <p:cNvSpPr>
-            <a:spLocks noGrp="1" noChangeArrowheads="1"/>
+            <a:spLocks noGrp="1"/>
           </p:cNvSpPr>
           <p:nvPr>
             <p:ph type="body" idx="1"/>
           </p:nvPr>
         </p:nvSpPr>
-        <p:spPr>
-          <a:noFill/>
-          <a:ln/>
-        </p:spPr>
+        <p:spPr/>
         <p:txBody>
           <a:bodyPr/>
           <a:lstStyle/>
           <a:p>
+            <a:pPr marL="0" marR="0" indent="0" algn="l" defTabSz="914400" rtl="0" eaLnBrk="1" fontAlgn="base" latinLnBrk="0" hangingPunct="1">
+              <a:lnSpc>
+                <a:spcPct val="100000"/>
+              </a:lnSpc>
+              <a:spcBef>
+                <a:spcPct val="30000"/>
+              </a:spcBef>
+              <a:spcAft>
+                <a:spcPct val="0"/>
+              </a:spcAft>
+              <a:buClrTx/>
+              <a:buSzTx/>
+              <a:buFontTx/>
+              <a:buNone/>
+              <a:tabLst/>
+              <a:defRPr/>
+            </a:pPr>
+            <a:r>
+              <a:rPr lang="fr-CH" baseline="0" dirty="0"/>
+              <a:t>These problems are related to the fact that the same concepts can be expressed through many different terms (synonyms) and that the same term may have multiple meanings (homonyms). Studies show that</a:t>
+            </a:r>
             <a:r>
               <a:rPr lang="fr-CH" dirty="0"/>
-              <a:t>This figure illustrates the approach: rather than directly relating documents d and terms t, as in vector space retrieval, there exists an</a:t>
-            </a:r>
-            <a:r>
-              <a:rPr lang="fr-CH" baseline="0" dirty="0"/>
-              <a:t> intermediate </a:t>
-            </a:r>
-            <a:r>
-              <a:rPr lang="fr-CH" dirty="0"/>
-              <a:t>layer of concepts c to which both queries and documents are mapped. The concept space can be of a smaller dimension than the term space. In this small example we can</a:t>
-            </a:r>
-            <a:r>
-              <a:rPr lang="fr-CH" baseline="0" dirty="0"/>
-              <a:t> imagine that the terms t1 and t2 are synonyms and thus related to the same concept c1. If now a query t2 is posed, in the standard vector space retrieval model only the document d1 would be returned, as it contains the term t2. By using the intermediate concept layer the query t2 would also return the document d2.</a:t>
-            </a:r>
-          </a:p>
-          <a:p>
+              <a:t> different users use the same keywords for expressing the same concepts only 20% of the time. </a:t>
+            </a:r>
             <a:endParaRPr lang="en-GB" dirty="0"/>
+          </a:p>
+        </p:txBody>
+      </p:sp>
+      <p:sp>
+        <p:nvSpPr>
+          <p:cNvPr id="4" name="Slide Number Placeholder 3"/>
+          <p:cNvSpPr>
+            <a:spLocks noGrp="1"/>
+          </p:cNvSpPr>
+          <p:nvPr>
+            <p:ph type="sldNum" sz="quarter" idx="10"/>
+          </p:nvPr>
+        </p:nvSpPr>
+        <p:spPr/>
+        <p:txBody>
+          <a:bodyPr/>
+          <a:lstStyle/>
+          <a:p>
+            <a:fld id="{E6C47E0B-2958-48CC-BA4E-C350203CF107}" type="slidenum">
+              <a:rPr lang="en-US" smtClean="0"/>
+              <a:pPr/>
+              <a:t>19</a:t>
+            </a:fld>
+            <a:endParaRPr lang="en-US"/>
           </a:p>
         </p:txBody>
       </p:sp>
     </p:spTree>
     <p:extLst>
       <p:ext uri="{BB962C8B-B14F-4D97-AF65-F5344CB8AC3E}">
-        <p14:creationId xmlns:p14="http://schemas.microsoft.com/office/powerpoint/2010/main" val="1142650931"/>
+        <p14:creationId xmlns:p14="http://schemas.microsoft.com/office/powerpoint/2010/main" val="789211140"/>
       </p:ext>
     </p:extLst>
   </p:cSld>
@@ -6605,19 +6566,11 @@
           <a:p>
             <a:r>
               <a:rPr lang="en-US" dirty="0"/>
-              <a:t>The problem</a:t>
+              <a:t>One of the key drawbacks</a:t>
             </a:r>
             <a:r>
               <a:rPr lang="en-US" baseline="0" dirty="0"/>
-              <a:t> of retrieval can be understood in a probabilistic setting as the problem of determining the probability of a document d being relevant, given a query q. We observe that the probability of a document to occur in a collection is constant (which makes sense assuming all documents are different), and the probability of a query to occur is the same for all documents. Thus, using Bayes rule, the problem of determining whether a document is relevant for a query is equivalent to the problem of determining whether a query is relevant to a document. The latter probability P(</a:t>
-            </a:r>
-            <a:r>
-              <a:rPr lang="en-US" baseline="0"/>
-              <a:t>q|d) </a:t>
-            </a:r>
-            <a:r>
-              <a:rPr lang="en-US" baseline="0" dirty="0"/>
-              <a:t>is also called the query likelihood.</a:t>
+              <a:t> of the vector space retrieval model is the lack of interpretability of the similarity values. This gave rise to the development of probabilistic retrieval models, that attempt to “compute” relevance as a probability.</a:t>
             </a:r>
             <a:endParaRPr lang="en-US" dirty="0"/>
           </a:p>
@@ -6646,7 +6599,7 @@
               <a:pPr>
                 <a:defRPr/>
               </a:pPr>
-              <a:t>3</a:t>
+              <a:t>2</a:t>
             </a:fld>
             <a:endParaRPr lang="en-US"/>
           </a:p>
@@ -6655,7 +6608,7 @@
     </p:spTree>
     <p:extLst>
       <p:ext uri="{BB962C8B-B14F-4D97-AF65-F5344CB8AC3E}">
-        <p14:creationId xmlns:p14="http://schemas.microsoft.com/office/powerpoint/2010/main" val="635171255"/>
+        <p14:creationId xmlns:p14="http://schemas.microsoft.com/office/powerpoint/2010/main" val="2615335175"/>
       </p:ext>
     </p:extLst>
   </p:cSld>
@@ -6716,18 +6669,20 @@
           <a:p>
             <a:r>
               <a:rPr lang="en-GB" dirty="0"/>
-              <a:t>Applying this idea to our example before, we can imagine to</a:t>
+              <a:t>Let’s illustrate</a:t>
             </a:r>
             <a:r>
               <a:rPr lang="en-GB" baseline="0" dirty="0"/>
-              <a:t> have a concept space consisting of four concepts, two related to health, two related to mobile communication. When we consider now doc 2 and doc3 we can already recognize much better the close conceptual relationship the two documents have.</a:t>
-            </a:r>
-            <a:endParaRPr lang="en-GB" dirty="0"/>
-          </a:p>
-          <a:p>
-            <a:endParaRPr lang="en-GB" dirty="0"/>
-          </a:p>
-          <a:p>
+              <a:t> the problem resulting from </a:t>
+            </a:r>
+            <a:r>
+              <a:rPr lang="en-GB" baseline="0" dirty="0" err="1"/>
+              <a:t>synomyms</a:t>
+            </a:r>
+            <a:r>
+              <a:rPr lang="en-GB" baseline="0" dirty="0"/>
+              <a:t> and homonyms by an example. Among these three documents at the level of terms doc1 and doc2 are (seem) highly related, whereas doc3 has no similarity with the other two documents. With human background knowledge it is however easy to see that in reality doc2 and doc3 are closely related, as they talk about mobile communications, whereas doc1 is completely unrelated to the others as it is about health and nutrition.</a:t>
+            </a:r>
             <a:endParaRPr lang="en-GB" dirty="0"/>
           </a:p>
         </p:txBody>
@@ -6750,7 +6705,7 @@
             <a:fld id="{E6C47E0B-2958-48CC-BA4E-C350203CF107}" type="slidenum">
               <a:rPr lang="en-US" smtClean="0"/>
               <a:pPr/>
-              <a:t>23</a:t>
+              <a:t>20</a:t>
             </a:fld>
             <a:endParaRPr lang="en-US"/>
           </a:p>
@@ -6759,7 +6714,7 @@
     </p:spTree>
     <p:extLst>
       <p:ext uri="{BB962C8B-B14F-4D97-AF65-F5344CB8AC3E}">
-        <p14:creationId xmlns:p14="http://schemas.microsoft.com/office/powerpoint/2010/main" val="3301846900"/>
+        <p14:creationId xmlns:p14="http://schemas.microsoft.com/office/powerpoint/2010/main" val="2269152974"/>
       </p:ext>
     </p:extLst>
   </p:cSld>
@@ -6836,33 +6791,49 @@
               <a:defRPr/>
             </a:pPr>
             <a:r>
-              <a:rPr lang="en-GB" dirty="0"/>
-              <a:t>We may consider concepts as being represented by sets of terms, and documents by concept</a:t>
-            </a:r>
-            <a:r>
-              <a:rPr lang="en-GB" baseline="0" dirty="0"/>
-              <a:t> vectors that count how many concept terms occur in the document. Using this approach we would obtain the non-normalized concept vectors </a:t>
-            </a:r>
-            <a:r>
-              <a:rPr lang="en-GB" dirty="0"/>
-              <a:t>doc1 =</a:t>
-            </a:r>
-            <a:r>
-              <a:rPr lang="en-GB" baseline="0" dirty="0"/>
-              <a:t> (4,3,3,1), </a:t>
-            </a:r>
-            <a:r>
-              <a:rPr lang="en-GB" dirty="0"/>
-              <a:t>doc2=(3,1,3,3)</a:t>
-            </a:r>
-            <a:r>
-              <a:rPr lang="en-GB" baseline="0" dirty="0"/>
-              <a:t> and </a:t>
-            </a:r>
-            <a:r>
-              <a:rPr lang="en-GB" dirty="0"/>
-              <a:t>doc3=(0,0,5,2). </a:t>
-            </a:r>
+              <a:rPr lang="fr-CH" dirty="0"/>
+              <a:t>Thus it would be an interesting to</a:t>
+            </a:r>
+            <a:r>
+              <a:rPr lang="fr-CH" baseline="0" dirty="0"/>
+              <a:t> base information retrieval </a:t>
+            </a:r>
+            <a:r>
+              <a:rPr lang="fr-CH" dirty="0"/>
+              <a:t>methods on</a:t>
+            </a:r>
+            <a:r>
+              <a:rPr lang="fr-CH" baseline="0" dirty="0"/>
+              <a:t> the use of </a:t>
+            </a:r>
+            <a:r>
+              <a:rPr lang="fr-CH" dirty="0"/>
+              <a:t>concepts, instead of terms. To that end it is</a:t>
+            </a:r>
+            <a:r>
+              <a:rPr lang="fr-CH" baseline="0" dirty="0"/>
+              <a:t> first necessary to define a </a:t>
+            </a:r>
+            <a:r>
+              <a:rPr lang="fr-CH" dirty="0"/>
+              <a:t>"concept space" to which</a:t>
+            </a:r>
+            <a:r>
+              <a:rPr lang="fr-CH" baseline="0" dirty="0"/>
+              <a:t> documents and queries are mapped, and compute similarity within that concept space.</a:t>
+            </a:r>
+            <a:r>
+              <a:rPr lang="fr-CH" dirty="0"/>
+              <a:t> This idea is developed in the following. The concept space should</a:t>
+            </a:r>
+            <a:r>
+              <a:rPr lang="fr-CH" baseline="0" dirty="0"/>
+              <a:t> ideally have much lower dimension than the term space, whose dimensionality is determined by the size of the vocabulary.</a:t>
+            </a:r>
+            <a:endParaRPr lang="en-GB" dirty="0"/>
+          </a:p>
+          <a:p>
+            <a:endParaRPr lang="en-GB" dirty="0"/>
           </a:p>
         </p:txBody>
       </p:sp>
@@ -6884,7 +6855,7 @@
             <a:fld id="{E6C47E0B-2958-48CC-BA4E-C350203CF107}" type="slidenum">
               <a:rPr lang="en-US" smtClean="0"/>
               <a:pPr/>
-              <a:t>24</a:t>
+              <a:t>21</a:t>
             </a:fld>
             <a:endParaRPr lang="en-US"/>
           </a:p>
@@ -6893,7 +6864,7 @@
     </p:spTree>
     <p:extLst>
       <p:ext uri="{BB962C8B-B14F-4D97-AF65-F5344CB8AC3E}">
-        <p14:creationId xmlns:p14="http://schemas.microsoft.com/office/powerpoint/2010/main" val="731226249"/>
+        <p14:creationId xmlns:p14="http://schemas.microsoft.com/office/powerpoint/2010/main" val="636931891"/>
       </p:ext>
     </p:extLst>
   </p:cSld>
@@ -6922,9 +6893,9 @@
       </p:grpSpPr>
       <p:sp>
         <p:nvSpPr>
-          <p:cNvPr id="2" name="Slide Image Placeholder 1"/>
+          <p:cNvPr id="30722" name="Rectangle 2"/>
           <p:cNvSpPr>
-            <a:spLocks noGrp="1" noRot="1" noChangeAspect="1"/>
+            <a:spLocks noGrp="1" noRot="1" noChangeAspect="1" noChangeArrowheads="1" noTextEdit="1"/>
           </p:cNvSpPr>
           <p:nvPr>
             <p:ph type="sldImg"/>
@@ -6932,139 +6903,56 @@
         </p:nvSpPr>
         <p:spPr>
           <a:xfrm>
-            <a:off x="992188" y="766763"/>
-            <a:ext cx="5119687" cy="3838575"/>
+            <a:off x="990600" y="768350"/>
+            <a:ext cx="5118100" cy="3838575"/>
           </a:xfrm>
+          <a:ln/>
         </p:spPr>
       </p:sp>
       <p:sp>
         <p:nvSpPr>
-          <p:cNvPr id="3" name="Notes Placeholder 2"/>
+          <p:cNvPr id="30723" name="Rectangle 3"/>
           <p:cNvSpPr>
-            <a:spLocks noGrp="1"/>
+            <a:spLocks noGrp="1" noChangeArrowheads="1"/>
           </p:cNvSpPr>
           <p:nvPr>
             <p:ph type="body" idx="1"/>
           </p:nvPr>
         </p:nvSpPr>
-        <p:spPr/>
+        <p:spPr>
+          <a:noFill/>
+          <a:ln/>
+        </p:spPr>
         <p:txBody>
           <a:bodyPr/>
           <a:lstStyle/>
           <a:p>
-            <a:pPr marL="0" marR="0" indent="0" algn="l" defTabSz="914400" rtl="0" eaLnBrk="1" fontAlgn="base" latinLnBrk="0" hangingPunct="1">
-              <a:lnSpc>
-                <a:spcPct val="100000"/>
-              </a:lnSpc>
-              <a:spcBef>
-                <a:spcPct val="30000"/>
-              </a:spcBef>
-              <a:spcAft>
-                <a:spcPct val="0"/>
-              </a:spcAft>
-              <a:buClrTx/>
-              <a:buSzTx/>
-              <a:buFontTx/>
-              <a:buNone/>
-              <a:tabLst/>
-              <a:defRPr/>
-            </a:pPr>
-            <a:r>
-              <a:rPr lang="en-GB" dirty="0"/>
-              <a:t>After normalizing these vectors</a:t>
-            </a:r>
-            <a:r>
-              <a:rPr lang="en-GB" baseline="0" dirty="0"/>
-              <a:t> we compute the cosine similarities among the resulting concept vectors and obtain:</a:t>
-            </a:r>
+            <a:r>
+              <a:rPr lang="fr-CH" dirty="0"/>
+              <a:t>This figure illustrates the approach: rather than directly relating documents d and terms t, as in vector space retrieval, there exists an</a:t>
+            </a:r>
+            <a:r>
+              <a:rPr lang="fr-CH" baseline="0" dirty="0"/>
+              <a:t> intermediate </a:t>
+            </a:r>
+            <a:r>
+              <a:rPr lang="fr-CH" dirty="0"/>
+              <a:t>layer of concepts c to which both queries and documents are mapped. The concept space can be of a smaller dimension than the term space. In this small example we can</a:t>
+            </a:r>
+            <a:r>
+              <a:rPr lang="fr-CH" baseline="0" dirty="0"/>
+              <a:t> imagine that the terms t1 and t2 are synonyms and thus related to the same concept c1. If now a query t2 is posed, in the standard vector space retrieval model only the document d1 would be returned, as it contains the term t2. By using the intermediate concept layer the query t2 would also return the document d2.</a:t>
+            </a:r>
+          </a:p>
+          <a:p>
             <a:endParaRPr lang="en-GB" dirty="0"/>
-          </a:p>
-          <a:p>
-            <a:pPr marL="0" marR="0" indent="0" algn="l" defTabSz="914400" rtl="0" eaLnBrk="1" fontAlgn="base" latinLnBrk="0" hangingPunct="1">
-              <a:lnSpc>
-                <a:spcPct val="100000"/>
-              </a:lnSpc>
-              <a:spcBef>
-                <a:spcPct val="30000"/>
-              </a:spcBef>
-              <a:spcAft>
-                <a:spcPct val="0"/>
-              </a:spcAft>
-              <a:buClrTx/>
-              <a:buSzTx/>
-              <a:buFontTx/>
-              <a:buNone/>
-              <a:tabLst/>
-              <a:defRPr/>
-            </a:pPr>
-            <a:r>
-              <a:rPr lang="en-GB" baseline="0" dirty="0" err="1"/>
-              <a:t>Sim</a:t>
-            </a:r>
-            <a:r>
-              <a:rPr lang="en-GB" baseline="0" dirty="0"/>
-              <a:t> (2,3) = 0.3</a:t>
-            </a:r>
-          </a:p>
-          <a:p>
-            <a:r>
-              <a:rPr lang="en-GB" baseline="0" dirty="0" err="1"/>
-              <a:t>Sim</a:t>
-            </a:r>
-            <a:r>
-              <a:rPr lang="en-GB" baseline="0" dirty="0"/>
-              <a:t> (1,2) = 0.245</a:t>
-            </a:r>
-          </a:p>
-          <a:p>
-            <a:r>
-              <a:rPr lang="en-GB" baseline="0" dirty="0" err="1"/>
-              <a:t>Sim</a:t>
-            </a:r>
-            <a:r>
-              <a:rPr lang="en-GB" baseline="0" dirty="0"/>
-              <a:t> (1,3) = 0.22</a:t>
-            </a:r>
-          </a:p>
-          <a:p>
-            <a:r>
-              <a:rPr lang="en-GB" baseline="0" dirty="0"/>
-              <a:t>This result shows that indeed documents 2 and 3 are the more related ones, though still some confusion remains due to the high number of synonyms occurring in these documents.</a:t>
-            </a:r>
-          </a:p>
-          <a:p>
-            <a:endParaRPr lang="en-GB" dirty="0"/>
-          </a:p>
-        </p:txBody>
-      </p:sp>
-      <p:sp>
-        <p:nvSpPr>
-          <p:cNvPr id="4" name="Slide Number Placeholder 3"/>
-          <p:cNvSpPr>
-            <a:spLocks noGrp="1"/>
-          </p:cNvSpPr>
-          <p:nvPr>
-            <p:ph type="sldNum" sz="quarter" idx="10"/>
-          </p:nvPr>
-        </p:nvSpPr>
-        <p:spPr/>
-        <p:txBody>
-          <a:bodyPr/>
-          <a:lstStyle/>
-          <a:p>
-            <a:fld id="{E6C47E0B-2958-48CC-BA4E-C350203CF107}" type="slidenum">
-              <a:rPr lang="en-US" smtClean="0"/>
-              <a:pPr/>
-              <a:t>25</a:t>
-            </a:fld>
-            <a:endParaRPr lang="en-US"/>
           </a:p>
         </p:txBody>
       </p:sp>
     </p:spTree>
     <p:extLst>
       <p:ext uri="{BB962C8B-B14F-4D97-AF65-F5344CB8AC3E}">
-        <p14:creationId xmlns:p14="http://schemas.microsoft.com/office/powerpoint/2010/main" val="3484669119"/>
+        <p14:creationId xmlns:p14="http://schemas.microsoft.com/office/powerpoint/2010/main" val="1142650931"/>
       </p:ext>
     </p:extLst>
   </p:cSld>
@@ -7093,9 +6981,9 @@
       </p:grpSpPr>
       <p:sp>
         <p:nvSpPr>
-          <p:cNvPr id="31746" name="Rectangle 2"/>
+          <p:cNvPr id="2" name="Slide Image Placeholder 1"/>
           <p:cNvSpPr>
-            <a:spLocks noGrp="1" noRot="1" noChangeAspect="1" noChangeArrowheads="1" noTextEdit="1"/>
+            <a:spLocks noGrp="1" noRot="1" noChangeAspect="1"/>
           </p:cNvSpPr>
           <p:nvPr>
             <p:ph type="sldImg"/>
@@ -7103,108 +6991,72 @@
         </p:nvSpPr>
         <p:spPr>
           <a:xfrm>
-            <a:off x="1050925" y="792163"/>
-            <a:ext cx="5056188" cy="3792537"/>
+            <a:off x="992188" y="766763"/>
+            <a:ext cx="5119687" cy="3838575"/>
           </a:xfrm>
-          <a:ln/>
         </p:spPr>
       </p:sp>
       <p:sp>
         <p:nvSpPr>
-          <p:cNvPr id="31747" name="Rectangle 3"/>
+          <p:cNvPr id="3" name="Notes Placeholder 2"/>
           <p:cNvSpPr>
-            <a:spLocks noGrp="1" noChangeArrowheads="1"/>
+            <a:spLocks noGrp="1"/>
           </p:cNvSpPr>
           <p:nvPr>
             <p:ph type="body" idx="1"/>
           </p:nvPr>
         </p:nvSpPr>
-        <p:spPr>
-          <a:xfrm>
-            <a:off x="977900" y="4900613"/>
-            <a:ext cx="5208588" cy="4581525"/>
-          </a:xfrm>
-          <a:noFill/>
-          <a:ln/>
-        </p:spPr>
+        <p:spPr/>
         <p:txBody>
           <a:bodyPr/>
           <a:lstStyle/>
           <a:p>
-            <a:pPr marL="0" marR="0" indent="0" algn="l" defTabSz="914400" rtl="0" eaLnBrk="1" fontAlgn="base" latinLnBrk="0" hangingPunct="1">
-              <a:lnSpc>
-                <a:spcPct val="100000"/>
-              </a:lnSpc>
-              <a:spcBef>
-                <a:spcPct val="30000"/>
-              </a:spcBef>
-              <a:spcAft>
-                <a:spcPct val="0"/>
-              </a:spcAft>
-              <a:buClrTx/>
-              <a:buSzTx/>
-              <a:buFontTx/>
-              <a:buNone/>
-              <a:tabLst/>
-              <a:defRPr/>
-            </a:pPr>
-            <a:r>
-              <a:rPr lang="fr-CH" baseline="0" dirty="0"/>
-              <a:t>The problem is to identify a method that identifies and characterizes important concepts in document collections. One approach would be to perform this task manually, e.g. by using a predefined ontology and let users annotate documents using terms of the ontology. This is an approach that his been used in libraries, but is labor intensive. Thus we will now present a method that performs the task of concept identification and document classification by concepts automatically. Starting point for the method is the term-document matrix that we have introduced for vector space retrieval with weigths based on a tf-idf weighting scheme.</a:t>
-            </a:r>
-          </a:p>
-          <a:p>
-            <a:pPr marL="0" marR="0" indent="0" algn="l" defTabSz="914400" rtl="0" eaLnBrk="1" fontAlgn="base" latinLnBrk="0" hangingPunct="1">
-              <a:lnSpc>
-                <a:spcPct val="100000"/>
-              </a:lnSpc>
-              <a:spcBef>
-                <a:spcPct val="30000"/>
-              </a:spcBef>
-              <a:spcAft>
-                <a:spcPct val="0"/>
-              </a:spcAft>
-              <a:buClrTx/>
-              <a:buSzTx/>
-              <a:buFontTx/>
-              <a:buNone/>
-              <a:tabLst/>
-              <a:defRPr/>
-            </a:pPr>
-            <a:endParaRPr lang="fr-CH" baseline="0" dirty="0"/>
-          </a:p>
-          <a:p>
-            <a:pPr marL="0" marR="0" indent="0" algn="l" defTabSz="914400" rtl="0" eaLnBrk="1" fontAlgn="base" latinLnBrk="0" hangingPunct="1">
-              <a:lnSpc>
-                <a:spcPct val="100000"/>
-              </a:lnSpc>
-              <a:spcBef>
-                <a:spcPct val="30000"/>
-              </a:spcBef>
-              <a:spcAft>
-                <a:spcPct val="0"/>
-              </a:spcAft>
-              <a:buClrTx/>
-              <a:buSzTx/>
-              <a:buFontTx/>
-              <a:buNone/>
-              <a:tabLst/>
-              <a:defRPr/>
-            </a:pPr>
-            <a:endParaRPr lang="fr-CH" baseline="0" dirty="0"/>
-          </a:p>
-          <a:p>
-            <a:endParaRPr lang="fr-FR" dirty="0"/>
-          </a:p>
-          <a:p>
-            <a:endParaRPr lang="fr-FR" dirty="0"/>
+            <a:r>
+              <a:rPr lang="en-GB" dirty="0"/>
+              <a:t>Applying this idea to our example before, we can imagine to</a:t>
+            </a:r>
+            <a:r>
+              <a:rPr lang="en-GB" baseline="0" dirty="0"/>
+              <a:t> have a concept space consisting of four concepts, two related to health, two related to mobile communication. When we consider now doc 2 and doc3 we can already recognize much better the close conceptual relationship the two documents have.</a:t>
+            </a:r>
+            <a:endParaRPr lang="en-GB" dirty="0"/>
+          </a:p>
+          <a:p>
+            <a:endParaRPr lang="en-GB" dirty="0"/>
+          </a:p>
+          <a:p>
+            <a:endParaRPr lang="en-GB" dirty="0"/>
+          </a:p>
+        </p:txBody>
+      </p:sp>
+      <p:sp>
+        <p:nvSpPr>
+          <p:cNvPr id="4" name="Slide Number Placeholder 3"/>
+          <p:cNvSpPr>
+            <a:spLocks noGrp="1"/>
+          </p:cNvSpPr>
+          <p:nvPr>
+            <p:ph type="sldNum" sz="quarter" idx="10"/>
+          </p:nvPr>
+        </p:nvSpPr>
+        <p:spPr/>
+        <p:txBody>
+          <a:bodyPr/>
+          <a:lstStyle/>
+          <a:p>
+            <a:fld id="{E6C47E0B-2958-48CC-BA4E-C350203CF107}" type="slidenum">
+              <a:rPr lang="en-US" smtClean="0"/>
+              <a:pPr/>
+              <a:t>23</a:t>
+            </a:fld>
+            <a:endParaRPr lang="en-US"/>
           </a:p>
         </p:txBody>
       </p:sp>
     </p:spTree>
     <p:extLst>
       <p:ext uri="{BB962C8B-B14F-4D97-AF65-F5344CB8AC3E}">
-        <p14:creationId xmlns:p14="http://schemas.microsoft.com/office/powerpoint/2010/main" val="2377626768"/>
+        <p14:creationId xmlns:p14="http://schemas.microsoft.com/office/powerpoint/2010/main" val="3301846900"/>
       </p:ext>
     </p:extLst>
   </p:cSld>
@@ -7233,9 +7085,9 @@
       </p:grpSpPr>
       <p:sp>
         <p:nvSpPr>
-          <p:cNvPr id="32770" name="Rectangle 2"/>
+          <p:cNvPr id="2" name="Slide Image Placeholder 1"/>
           <p:cNvSpPr>
-            <a:spLocks noGrp="1" noRot="1" noChangeAspect="1" noChangeArrowheads="1" noTextEdit="1"/>
+            <a:spLocks noGrp="1" noRot="1" noChangeAspect="1"/>
           </p:cNvSpPr>
           <p:nvPr>
             <p:ph type="sldImg"/>
@@ -7243,56 +7095,102 @@
         </p:nvSpPr>
         <p:spPr>
           <a:xfrm>
-            <a:off x="990600" y="768350"/>
-            <a:ext cx="5118100" cy="3838575"/>
+            <a:off x="992188" y="766763"/>
+            <a:ext cx="5119687" cy="3838575"/>
           </a:xfrm>
-          <a:ln/>
         </p:spPr>
       </p:sp>
       <p:sp>
         <p:nvSpPr>
-          <p:cNvPr id="32771" name="Rectangle 3"/>
+          <p:cNvPr id="3" name="Notes Placeholder 2"/>
           <p:cNvSpPr>
-            <a:spLocks noGrp="1" noChangeArrowheads="1"/>
+            <a:spLocks noGrp="1"/>
           </p:cNvSpPr>
           <p:nvPr>
             <p:ph type="body" idx="1"/>
           </p:nvPr>
         </p:nvSpPr>
-        <p:spPr>
-          <a:noFill/>
-          <a:ln/>
-        </p:spPr>
+        <p:spPr/>
         <p:txBody>
           <a:bodyPr/>
           <a:lstStyle/>
           <a:p>
-            <a:r>
-              <a:rPr lang="fr-CH" dirty="0"/>
-              <a:t>We can understand</a:t>
-            </a:r>
-            <a:r>
-              <a:rPr lang="fr-CH" baseline="0" dirty="0"/>
-              <a:t> the process of producing a retrieval results in vector space retrieval as a matrix operation. This is illustrated in this figure. The ranking is the result of computing the product of a query vector q with the </a:t>
-            </a:r>
-            <a:r>
-              <a:rPr lang="fr-CH" baseline="0" dirty="0" err="1"/>
-              <a:t>term</a:t>
-            </a:r>
-            <a:r>
-              <a:rPr lang="fr-CH" baseline="0" dirty="0"/>
-              <a:t>-document matrix M. We assume that all columns in M and q are normalized to 1.</a:t>
-            </a:r>
-          </a:p>
-          <a:p>
-            <a:endParaRPr lang="fr-CH" dirty="0"/>
+            <a:pPr marL="0" marR="0" indent="0" algn="l" defTabSz="914400" rtl="0" eaLnBrk="1" fontAlgn="base" latinLnBrk="0" hangingPunct="1">
+              <a:lnSpc>
+                <a:spcPct val="100000"/>
+              </a:lnSpc>
+              <a:spcBef>
+                <a:spcPct val="30000"/>
+              </a:spcBef>
+              <a:spcAft>
+                <a:spcPct val="0"/>
+              </a:spcAft>
+              <a:buClrTx/>
+              <a:buSzTx/>
+              <a:buFontTx/>
+              <a:buNone/>
+              <a:tabLst/>
+              <a:defRPr/>
+            </a:pPr>
+            <a:r>
+              <a:rPr lang="en-GB" dirty="0"/>
+              <a:t>We may consider concepts as being represented by sets of terms, and documents by concept</a:t>
+            </a:r>
+            <a:r>
+              <a:rPr lang="en-GB" baseline="0" dirty="0"/>
+              <a:t> vectors that count how many concept terms occur in the document. Using this approach we would obtain the non-normalized concept vectors </a:t>
+            </a:r>
+            <a:r>
+              <a:rPr lang="en-GB" dirty="0"/>
+              <a:t>doc1 =</a:t>
+            </a:r>
+            <a:r>
+              <a:rPr lang="en-GB" baseline="0" dirty="0"/>
+              <a:t> (4,3,3,1), </a:t>
+            </a:r>
+            <a:r>
+              <a:rPr lang="en-GB" dirty="0"/>
+              <a:t>doc2=(3,1,3,3)</a:t>
+            </a:r>
+            <a:r>
+              <a:rPr lang="en-GB" baseline="0" dirty="0"/>
+              <a:t> and </a:t>
+            </a:r>
+            <a:r>
+              <a:rPr lang="en-GB" dirty="0"/>
+              <a:t>doc3=(0,0,5,2). </a:t>
+            </a:r>
+          </a:p>
+        </p:txBody>
+      </p:sp>
+      <p:sp>
+        <p:nvSpPr>
+          <p:cNvPr id="4" name="Slide Number Placeholder 3"/>
+          <p:cNvSpPr>
+            <a:spLocks noGrp="1"/>
+          </p:cNvSpPr>
+          <p:nvPr>
+            <p:ph type="sldNum" sz="quarter" idx="10"/>
+          </p:nvPr>
+        </p:nvSpPr>
+        <p:spPr/>
+        <p:txBody>
+          <a:bodyPr/>
+          <a:lstStyle/>
+          <a:p>
+            <a:fld id="{E6C47E0B-2958-48CC-BA4E-C350203CF107}" type="slidenum">
+              <a:rPr lang="en-US" smtClean="0"/>
+              <a:pPr/>
+              <a:t>24</a:t>
+            </a:fld>
+            <a:endParaRPr lang="en-US"/>
           </a:p>
         </p:txBody>
       </p:sp>
     </p:spTree>
     <p:extLst>
       <p:ext uri="{BB962C8B-B14F-4D97-AF65-F5344CB8AC3E}">
-        <p14:creationId xmlns:p14="http://schemas.microsoft.com/office/powerpoint/2010/main" val="89850811"/>
+        <p14:creationId xmlns:p14="http://schemas.microsoft.com/office/powerpoint/2010/main" val="731226249"/>
       </p:ext>
     </p:extLst>
   </p:cSld>
@@ -7321,9 +7219,9 @@
       </p:grpSpPr>
       <p:sp>
         <p:nvSpPr>
-          <p:cNvPr id="33794" name="Rectangle 2"/>
+          <p:cNvPr id="2" name="Slide Image Placeholder 1"/>
           <p:cNvSpPr>
-            <a:spLocks noGrp="1" noRot="1" noChangeAspect="1" noChangeArrowheads="1" noTextEdit="1"/>
+            <a:spLocks noGrp="1" noRot="1" noChangeAspect="1"/>
           </p:cNvSpPr>
           <p:nvPr>
             <p:ph type="sldImg"/>
@@ -7331,46 +7229,139 @@
         </p:nvSpPr>
         <p:spPr>
           <a:xfrm>
-            <a:off x="990600" y="768350"/>
-            <a:ext cx="5118100" cy="3838575"/>
+            <a:off x="992188" y="766763"/>
+            <a:ext cx="5119687" cy="3838575"/>
           </a:xfrm>
-          <a:ln/>
         </p:spPr>
       </p:sp>
       <p:sp>
         <p:nvSpPr>
-          <p:cNvPr id="33795" name="Rectangle 3"/>
+          <p:cNvPr id="3" name="Notes Placeholder 2"/>
           <p:cNvSpPr>
-            <a:spLocks noGrp="1" noChangeArrowheads="1"/>
+            <a:spLocks noGrp="1"/>
           </p:cNvSpPr>
           <p:nvPr>
             <p:ph type="body" idx="1"/>
           </p:nvPr>
         </p:nvSpPr>
-        <p:spPr>
-          <a:noFill/>
-          <a:ln/>
-        </p:spPr>
+        <p:spPr/>
         <p:txBody>
           <a:bodyPr/>
           <a:lstStyle/>
           <a:p>
+            <a:pPr marL="0" marR="0" indent="0" algn="l" defTabSz="914400" rtl="0" eaLnBrk="1" fontAlgn="base" latinLnBrk="0" hangingPunct="1">
+              <a:lnSpc>
+                <a:spcPct val="100000"/>
+              </a:lnSpc>
+              <a:spcBef>
+                <a:spcPct val="30000"/>
+              </a:spcBef>
+              <a:spcAft>
+                <a:spcPct val="0"/>
+              </a:spcAft>
+              <a:buClrTx/>
+              <a:buSzTx/>
+              <a:buFontTx/>
+              <a:buNone/>
+              <a:tabLst/>
+              <a:defRPr/>
+            </a:pPr>
             <a:r>
               <a:rPr lang="en-GB" dirty="0"/>
-              <a:t>One</a:t>
+              <a:t>After normalizing these vectors</a:t>
             </a:r>
             <a:r>
               <a:rPr lang="en-GB" baseline="0" dirty="0"/>
-              <a:t> way to understand of how concepts can be extracted from a document collection is to consider the effect of the term-document matric on data. If we apply this matrix to a (high-dimensional) unit ball it will distort this ball into an ellipsoid. This ellipsoid will have one direction with the strongest distortion. We may think of this direction as corresponding to a particularly important concept of the document collection.</a:t>
+              <a:t> we compute the cosine similarities among the resulting concept vectors and obtain:</a:t>
             </a:r>
             <a:endParaRPr lang="en-GB" dirty="0"/>
+          </a:p>
+          <a:p>
+            <a:pPr marL="0" marR="0" indent="0" algn="l" defTabSz="914400" rtl="0" eaLnBrk="1" fontAlgn="base" latinLnBrk="0" hangingPunct="1">
+              <a:lnSpc>
+                <a:spcPct val="100000"/>
+              </a:lnSpc>
+              <a:spcBef>
+                <a:spcPct val="30000"/>
+              </a:spcBef>
+              <a:spcAft>
+                <a:spcPct val="0"/>
+              </a:spcAft>
+              <a:buClrTx/>
+              <a:buSzTx/>
+              <a:buFontTx/>
+              <a:buNone/>
+              <a:tabLst/>
+              <a:defRPr/>
+            </a:pPr>
+            <a:r>
+              <a:rPr lang="en-GB" baseline="0" dirty="0" err="1"/>
+              <a:t>Sim</a:t>
+            </a:r>
+            <a:r>
+              <a:rPr lang="en-GB" baseline="0" dirty="0"/>
+              <a:t> (2,3) = 0.3</a:t>
+            </a:r>
+          </a:p>
+          <a:p>
+            <a:r>
+              <a:rPr lang="en-GB" baseline="0" dirty="0" err="1"/>
+              <a:t>Sim</a:t>
+            </a:r>
+            <a:r>
+              <a:rPr lang="en-GB" baseline="0" dirty="0"/>
+              <a:t> (1,2) = 0.245</a:t>
+            </a:r>
+          </a:p>
+          <a:p>
+            <a:r>
+              <a:rPr lang="en-GB" baseline="0" dirty="0" err="1"/>
+              <a:t>Sim</a:t>
+            </a:r>
+            <a:r>
+              <a:rPr lang="en-GB" baseline="0" dirty="0"/>
+              <a:t> (1,3) = 0.22</a:t>
+            </a:r>
+          </a:p>
+          <a:p>
+            <a:r>
+              <a:rPr lang="en-GB" baseline="0" dirty="0"/>
+              <a:t>This result shows that indeed documents 2 and 3 are the more related ones, though still some confusion remains due to the high number of synonyms occurring in these documents.</a:t>
+            </a:r>
+          </a:p>
+          <a:p>
+            <a:endParaRPr lang="en-GB" dirty="0"/>
+          </a:p>
+        </p:txBody>
+      </p:sp>
+      <p:sp>
+        <p:nvSpPr>
+          <p:cNvPr id="4" name="Slide Number Placeholder 3"/>
+          <p:cNvSpPr>
+            <a:spLocks noGrp="1"/>
+          </p:cNvSpPr>
+          <p:nvPr>
+            <p:ph type="sldNum" sz="quarter" idx="10"/>
+          </p:nvPr>
+        </p:nvSpPr>
+        <p:spPr/>
+        <p:txBody>
+          <a:bodyPr/>
+          <a:lstStyle/>
+          <a:p>
+            <a:fld id="{E6C47E0B-2958-48CC-BA4E-C350203CF107}" type="slidenum">
+              <a:rPr lang="en-US" smtClean="0"/>
+              <a:pPr/>
+              <a:t>25</a:t>
+            </a:fld>
+            <a:endParaRPr lang="en-US"/>
           </a:p>
         </p:txBody>
       </p:sp>
     </p:spTree>
     <p:extLst>
       <p:ext uri="{BB962C8B-B14F-4D97-AF65-F5344CB8AC3E}">
-        <p14:creationId xmlns:p14="http://schemas.microsoft.com/office/powerpoint/2010/main" val="4261050180"/>
+        <p14:creationId xmlns:p14="http://schemas.microsoft.com/office/powerpoint/2010/main" val="3484669119"/>
       </p:ext>
     </p:extLst>
   </p:cSld>
@@ -7399,9 +7390,9 @@
       </p:grpSpPr>
       <p:sp>
         <p:nvSpPr>
-          <p:cNvPr id="2" name="Slide Image Placeholder 1"/>
+          <p:cNvPr id="31746" name="Rectangle 2"/>
           <p:cNvSpPr>
-            <a:spLocks noGrp="1" noRot="1" noChangeAspect="1"/>
+            <a:spLocks noGrp="1" noRot="1" noChangeAspect="1" noChangeArrowheads="1" noTextEdit="1"/>
           </p:cNvSpPr>
           <p:nvPr>
             <p:ph type="sldImg"/>
@@ -7409,22 +7400,30 @@
         </p:nvSpPr>
         <p:spPr>
           <a:xfrm>
-            <a:off x="992188" y="766763"/>
-            <a:ext cx="5119687" cy="3838575"/>
+            <a:off x="1050925" y="792163"/>
+            <a:ext cx="5056188" cy="3792537"/>
           </a:xfrm>
+          <a:ln/>
         </p:spPr>
       </p:sp>
       <p:sp>
         <p:nvSpPr>
-          <p:cNvPr id="3" name="Notes Placeholder 2"/>
+          <p:cNvPr id="31747" name="Rectangle 3"/>
           <p:cNvSpPr>
-            <a:spLocks noGrp="1"/>
+            <a:spLocks noGrp="1" noChangeArrowheads="1"/>
           </p:cNvSpPr>
           <p:nvPr>
             <p:ph type="body" idx="1"/>
           </p:nvPr>
         </p:nvSpPr>
-        <p:spPr/>
+        <p:spPr>
+          <a:xfrm>
+            <a:off x="977900" y="4900613"/>
+            <a:ext cx="5208588" cy="4581525"/>
+          </a:xfrm>
+          <a:noFill/>
+          <a:ln/>
+        </p:spPr>
         <p:txBody>
           <a:bodyPr/>
           <a:lstStyle/>
@@ -7447,49 +7446,62 @@
               <a:defRPr/>
             </a:pPr>
             <a:r>
-              <a:rPr lang="fr-CH" dirty="0"/>
-              <a:t>To extract this particularly</a:t>
-            </a:r>
-            <a:r>
               <a:rPr lang="fr-CH" baseline="0" dirty="0"/>
-              <a:t> important directions of a matrix mapping, </a:t>
-            </a:r>
-            <a:r>
-              <a:rPr lang="fr-CH" dirty="0"/>
-              <a:t>a standard mathematical construction from linear algebra is used, the singular value decomposition (SVD). SVD decomposes a matrix into the product of three matrices. The middle matrix S is a diagonal matrix, where the elements of this matrix are the singular values of the matrix M. </a:t>
-            </a:r>
-            <a:endParaRPr lang="en-GB" dirty="0"/>
-          </a:p>
-        </p:txBody>
-      </p:sp>
-      <p:sp>
-        <p:nvSpPr>
-          <p:cNvPr id="4" name="Slide Number Placeholder 3"/>
-          <p:cNvSpPr>
-            <a:spLocks noGrp="1"/>
-          </p:cNvSpPr>
-          <p:nvPr>
-            <p:ph type="sldNum" sz="quarter" idx="10"/>
-          </p:nvPr>
-        </p:nvSpPr>
-        <p:spPr/>
-        <p:txBody>
-          <a:bodyPr/>
-          <a:lstStyle/>
-          <a:p>
-            <a:fld id="{E6C47E0B-2958-48CC-BA4E-C350203CF107}" type="slidenum">
-              <a:rPr lang="en-US" smtClean="0"/>
-              <a:pPr/>
-              <a:t>29</a:t>
-            </a:fld>
-            <a:endParaRPr lang="en-US"/>
+              <a:t>The problem is to identify a method that identifies and characterizes important concepts in document collections. One approach would be to perform this task manually, e.g. by using a predefined ontology and let users annotate documents using terms of the ontology. This is an approach that his been used in libraries, but is labor intensive. Thus we will now present a method that performs the task of concept identification and document classification by concepts automatically. Starting point for the method is the term-document matrix that we have introduced for vector space retrieval with weigths based on a tf-idf weighting scheme.</a:t>
+            </a:r>
+          </a:p>
+          <a:p>
+            <a:pPr marL="0" marR="0" indent="0" algn="l" defTabSz="914400" rtl="0" eaLnBrk="1" fontAlgn="base" latinLnBrk="0" hangingPunct="1">
+              <a:lnSpc>
+                <a:spcPct val="100000"/>
+              </a:lnSpc>
+              <a:spcBef>
+                <a:spcPct val="30000"/>
+              </a:spcBef>
+              <a:spcAft>
+                <a:spcPct val="0"/>
+              </a:spcAft>
+              <a:buClrTx/>
+              <a:buSzTx/>
+              <a:buFontTx/>
+              <a:buNone/>
+              <a:tabLst/>
+              <a:defRPr/>
+            </a:pPr>
+            <a:endParaRPr lang="fr-CH" baseline="0" dirty="0"/>
+          </a:p>
+          <a:p>
+            <a:pPr marL="0" marR="0" indent="0" algn="l" defTabSz="914400" rtl="0" eaLnBrk="1" fontAlgn="base" latinLnBrk="0" hangingPunct="1">
+              <a:lnSpc>
+                <a:spcPct val="100000"/>
+              </a:lnSpc>
+              <a:spcBef>
+                <a:spcPct val="30000"/>
+              </a:spcBef>
+              <a:spcAft>
+                <a:spcPct val="0"/>
+              </a:spcAft>
+              <a:buClrTx/>
+              <a:buSzTx/>
+              <a:buFontTx/>
+              <a:buNone/>
+              <a:tabLst/>
+              <a:defRPr/>
+            </a:pPr>
+            <a:endParaRPr lang="fr-CH" baseline="0" dirty="0"/>
+          </a:p>
+          <a:p>
+            <a:endParaRPr lang="fr-FR" dirty="0"/>
+          </a:p>
+          <a:p>
+            <a:endParaRPr lang="fr-FR" dirty="0"/>
           </a:p>
         </p:txBody>
       </p:sp>
     </p:spTree>
     <p:extLst>
       <p:ext uri="{BB962C8B-B14F-4D97-AF65-F5344CB8AC3E}">
-        <p14:creationId xmlns:p14="http://schemas.microsoft.com/office/powerpoint/2010/main" val="3716928337"/>
+        <p14:creationId xmlns:p14="http://schemas.microsoft.com/office/powerpoint/2010/main" val="2377626768"/>
       </p:ext>
     </p:extLst>
   </p:cSld>
@@ -7518,9 +7530,9 @@
       </p:grpSpPr>
       <p:sp>
         <p:nvSpPr>
-          <p:cNvPr id="2" name="Slide Image Placeholder 1"/>
+          <p:cNvPr id="32770" name="Rectangle 2"/>
           <p:cNvSpPr>
-            <a:spLocks noGrp="1" noRot="1" noChangeAspect="1"/>
+            <a:spLocks noGrp="1" noRot="1" noChangeAspect="1" noChangeArrowheads="1" noTextEdit="1"/>
           </p:cNvSpPr>
           <p:nvPr>
             <p:ph type="sldImg"/>
@@ -7528,81 +7540,56 @@
         </p:nvSpPr>
         <p:spPr>
           <a:xfrm>
-            <a:off x="992188" y="766763"/>
-            <a:ext cx="5119687" cy="3838575"/>
+            <a:off x="990600" y="768350"/>
+            <a:ext cx="5118100" cy="3838575"/>
           </a:xfrm>
+          <a:ln/>
         </p:spPr>
       </p:sp>
       <p:sp>
         <p:nvSpPr>
-          <p:cNvPr id="3" name="Notes Placeholder 2"/>
+          <p:cNvPr id="32771" name="Rectangle 3"/>
           <p:cNvSpPr>
-            <a:spLocks noGrp="1"/>
+            <a:spLocks noGrp="1" noChangeArrowheads="1"/>
           </p:cNvSpPr>
           <p:nvPr>
             <p:ph type="body" idx="1"/>
           </p:nvPr>
         </p:nvSpPr>
-        <p:spPr/>
+        <p:spPr>
+          <a:noFill/>
+          <a:ln/>
+        </p:spPr>
         <p:txBody>
           <a:bodyPr/>
           <a:lstStyle/>
           <a:p>
             <a:r>
-              <a:rPr lang="en-GB" dirty="0"/>
-              <a:t>Formally the SVD can be computed by</a:t>
-            </a:r>
-            <a:r>
-              <a:rPr lang="en-GB" baseline="0" dirty="0"/>
-              <a:t> constructing eigenvectors of matrices derived from the original matrix M. </a:t>
-            </a:r>
-            <a:r>
               <a:rPr lang="fr-CH" dirty="0"/>
-              <a:t>This computationg</a:t>
+              <a:t>We can understand</a:t>
             </a:r>
             <a:r>
               <a:rPr lang="fr-CH" baseline="0" dirty="0"/>
-              <a:t> can be performed </a:t>
-            </a:r>
-            <a:r>
-              <a:rPr lang="fr-CH" dirty="0"/>
-              <a:t>in O(n^3). Note that the complexity is considerable, which makes the approach computationally expensive. There exist however also approximation techniques to perform this decomposition more efficiently.</a:t>
-            </a:r>
-            <a:endParaRPr lang="en-GB" dirty="0"/>
-          </a:p>
-          <a:p>
-            <a:endParaRPr lang="en-GB" dirty="0"/>
-          </a:p>
-        </p:txBody>
-      </p:sp>
-      <p:sp>
-        <p:nvSpPr>
-          <p:cNvPr id="4" name="Slide Number Placeholder 3"/>
-          <p:cNvSpPr>
-            <a:spLocks noGrp="1"/>
-          </p:cNvSpPr>
-          <p:nvPr>
-            <p:ph type="sldNum" sz="quarter" idx="10"/>
-          </p:nvPr>
-        </p:nvSpPr>
-        <p:spPr/>
-        <p:txBody>
-          <a:bodyPr/>
-          <a:lstStyle/>
-          <a:p>
-            <a:fld id="{E6C47E0B-2958-48CC-BA4E-C350203CF107}" type="slidenum">
-              <a:rPr lang="en-US" smtClean="0"/>
-              <a:pPr/>
-              <a:t>30</a:t>
-            </a:fld>
-            <a:endParaRPr lang="en-US"/>
+              <a:t> the process of producing a retrieval results in vector space retrieval as a matrix operation. This is illustrated in this figure. The ranking is the result of computing the product of a query vector q with the </a:t>
+            </a:r>
+            <a:r>
+              <a:rPr lang="fr-CH" baseline="0" dirty="0" err="1"/>
+              <a:t>term</a:t>
+            </a:r>
+            <a:r>
+              <a:rPr lang="fr-CH" baseline="0" dirty="0"/>
+              <a:t>-document matrix M. We assume that all columns in M and q are normalized to 1.</a:t>
+            </a:r>
+          </a:p>
+          <a:p>
+            <a:endParaRPr lang="fr-CH" dirty="0"/>
           </a:p>
         </p:txBody>
       </p:sp>
     </p:spTree>
     <p:extLst>
       <p:ext uri="{BB962C8B-B14F-4D97-AF65-F5344CB8AC3E}">
-        <p14:creationId xmlns:p14="http://schemas.microsoft.com/office/powerpoint/2010/main" val="2937823841"/>
+        <p14:creationId xmlns:p14="http://schemas.microsoft.com/office/powerpoint/2010/main" val="89850811"/>
       </p:ext>
     </p:extLst>
   </p:cSld>
@@ -7631,7 +7618,7 @@
       </p:grpSpPr>
       <p:sp>
         <p:nvSpPr>
-          <p:cNvPr id="35842" name="Rectangle 2"/>
+          <p:cNvPr id="33794" name="Rectangle 2"/>
           <p:cNvSpPr>
             <a:spLocks noGrp="1" noRot="1" noChangeAspect="1" noChangeArrowheads="1" noTextEdit="1"/>
           </p:cNvSpPr>
@@ -7649,7 +7636,7 @@
       </p:sp>
       <p:sp>
         <p:nvSpPr>
-          <p:cNvPr id="35843" name="Rectangle 3"/>
+          <p:cNvPr id="33795" name="Rectangle 3"/>
           <p:cNvSpPr>
             <a:spLocks noGrp="1" noChangeArrowheads="1"/>
           </p:cNvSpPr>
@@ -7665,105 +7652,22 @@
           <a:bodyPr/>
           <a:lstStyle/>
           <a:p>
-            <a:pPr marL="228600" marR="0" lvl="0" indent="-228600" algn="l" defTabSz="914400" rtl="0" eaLnBrk="1" fontAlgn="base" latinLnBrk="0" hangingPunct="1">
-              <a:lnSpc>
-                <a:spcPct val="100000"/>
-              </a:lnSpc>
-              <a:spcBef>
-                <a:spcPct val="30000"/>
-              </a:spcBef>
-              <a:spcAft>
-                <a:spcPct val="0"/>
-              </a:spcAft>
-              <a:buClrTx/>
-              <a:buSzTx/>
-              <a:buFontTx/>
-              <a:buNone/>
-              <a:tabLst/>
-              <a:defRPr/>
-            </a:pPr>
-            <a:r>
-              <a:rPr lang="fr-CH" dirty="0"/>
-              <a:t>One way to understand of how the SVD extracts the important</a:t>
-            </a:r>
-            <a:r>
-              <a:rPr lang="fr-CH" baseline="0" dirty="0"/>
-              <a:t> concepts from the term-document matrix is the following: the decomposition can be used to rewrite the original matrix as the sum of components that are weighted by the singular values. </a:t>
-            </a:r>
-            <a:r>
-              <a:rPr lang="fr-CH" dirty="0"/>
-              <a:t>Thus we can obtain approximations of the matrix by only considering the larger singular values. The SVD after eliminating less important dimensions (smaller singular values) can be interpreted as a least square approximation to the original matrix.</a:t>
+            <a:r>
+              <a:rPr lang="en-GB" dirty="0"/>
+              <a:t>One</a:t>
             </a:r>
             <a:r>
               <a:rPr lang="en-GB" baseline="0" dirty="0"/>
-              <a:t> </a:t>
-            </a:r>
-            <a:r>
-              <a:rPr lang="fr-CH" dirty="0"/>
-              <a:t>The symbol </a:t>
-            </a:r>
-            <a:r>
-              <a:rPr lang="fr-CH" dirty="0">
-                <a:sym typeface="Symbol" pitchFamily="18" charset="2"/>
-              </a:rPr>
-              <a:t> denotes the </a:t>
-            </a:r>
-            <a:r>
-              <a:rPr lang="fr-CH" b="1" dirty="0">
-                <a:sym typeface="Symbol" pitchFamily="18" charset="2"/>
-              </a:rPr>
-              <a:t>outer product </a:t>
-            </a:r>
-            <a:r>
-              <a:rPr lang="fr-CH" dirty="0">
-                <a:sym typeface="Symbol" pitchFamily="18" charset="2"/>
-              </a:rPr>
-              <a:t>of two vectors,</a:t>
-            </a:r>
-            <a:r>
-              <a:rPr lang="fr-CH" baseline="0" dirty="0">
-                <a:sym typeface="Symbol" pitchFamily="18" charset="2"/>
-              </a:rPr>
-              <a:t> d</a:t>
-            </a:r>
-            <a:r>
-              <a:rPr lang="fr-CH" baseline="-25000" dirty="0">
-                <a:sym typeface="Symbol" pitchFamily="18" charset="2"/>
-              </a:rPr>
-              <a:t>i</a:t>
-            </a:r>
-            <a:r>
-              <a:rPr lang="fr-CH" baseline="0" dirty="0">
-                <a:sym typeface="Symbol" pitchFamily="18" charset="2"/>
-              </a:rPr>
-              <a:t> is the i-th row of D.</a:t>
-            </a:r>
-            <a:endParaRPr lang="fr-CH" dirty="0"/>
-          </a:p>
-          <a:p>
-            <a:pPr marL="0" indent="0">
-              <a:buFontTx/>
-              <a:buNone/>
-            </a:pPr>
-            <a:r>
-              <a:rPr lang="fr-CH" dirty="0"/>
-              <a:t>The singular values have also a geometrical interpretation, as they tell us how a unit ball (||x||=1) is distorted when the linear transformation defined by the</a:t>
-            </a:r>
-            <a:r>
-              <a:rPr lang="fr-CH" baseline="0" dirty="0"/>
-              <a:t> matrix </a:t>
-            </a:r>
-            <a:r>
-              <a:rPr lang="fr-CH" dirty="0"/>
-              <a:t>M is applied to it. We can interpret the axes of the hyperellipsoid E as the dimensions of the concept space.</a:t>
-            </a:r>
+              <a:t> way to understand of how concepts can be extracted from a document collection is to consider the effect of the term-document matric on data. If we apply this matrix to a (high-dimensional) unit ball it will distort this ball into an ellipsoid. This ellipsoid will have one direction with the strongest distortion. We may think of this direction as corresponding to a particularly important concept of the document collection.</a:t>
+            </a:r>
+            <a:endParaRPr lang="en-GB" dirty="0"/>
           </a:p>
         </p:txBody>
       </p:sp>
     </p:spTree>
     <p:extLst>
       <p:ext uri="{BB962C8B-B14F-4D97-AF65-F5344CB8AC3E}">
-        <p14:creationId xmlns:p14="http://schemas.microsoft.com/office/powerpoint/2010/main" val="497563595"/>
+        <p14:creationId xmlns:p14="http://schemas.microsoft.com/office/powerpoint/2010/main" val="4261050180"/>
       </p:ext>
     </p:extLst>
   </p:cSld>
@@ -7792,9 +7696,9 @@
       </p:grpSpPr>
       <p:sp>
         <p:nvSpPr>
-          <p:cNvPr id="34818" name="Rectangle 2"/>
+          <p:cNvPr id="2" name="Slide Image Placeholder 1"/>
           <p:cNvSpPr>
-            <a:spLocks noGrp="1" noRot="1" noChangeAspect="1" noChangeArrowheads="1" noTextEdit="1"/>
+            <a:spLocks noGrp="1" noRot="1" noChangeAspect="1"/>
           </p:cNvSpPr>
           <p:nvPr>
             <p:ph type="sldImg"/>
@@ -7802,50 +7706,87 @@
         </p:nvSpPr>
         <p:spPr>
           <a:xfrm>
-            <a:off x="1050925" y="792163"/>
-            <a:ext cx="5056188" cy="3792537"/>
+            <a:off x="992188" y="766763"/>
+            <a:ext cx="5119687" cy="3838575"/>
           </a:xfrm>
-          <a:ln/>
         </p:spPr>
       </p:sp>
       <p:sp>
         <p:nvSpPr>
-          <p:cNvPr id="34819" name="Rectangle 3"/>
+          <p:cNvPr id="3" name="Notes Placeholder 2"/>
           <p:cNvSpPr>
-            <a:spLocks noGrp="1" noChangeArrowheads="1"/>
+            <a:spLocks noGrp="1"/>
           </p:cNvSpPr>
           <p:nvPr>
             <p:ph type="body" idx="1"/>
           </p:nvPr>
         </p:nvSpPr>
-        <p:spPr>
-          <a:xfrm>
-            <a:off x="977900" y="4900613"/>
-            <a:ext cx="5208588" cy="4581525"/>
-          </a:xfrm>
-          <a:noFill/>
-          <a:ln/>
-        </p:spPr>
+        <p:spPr/>
         <p:txBody>
           <a:bodyPr/>
           <a:lstStyle/>
           <a:p>
-            <a:r>
-              <a:rPr lang="en-GB" noProof="0" dirty="0"/>
-              <a:t>This figure illustrates the structure of the matrices generated</a:t>
-            </a:r>
-            <a:r>
-              <a:rPr lang="en-GB" baseline="0" noProof="0" dirty="0"/>
-              <a:t> by the SVD. In general, m &lt;= n, i.e., the number of documents may be larger than the size of the vocabulary. The rows in K can then be interpreted as the representation of terms in the concept space, and the rows in D as the representation of documents in the concept space.</a:t>
-            </a:r>
-            <a:endParaRPr lang="en-GB" noProof="0" dirty="0"/>
+            <a:pPr marL="0" marR="0" indent="0" algn="l" defTabSz="914400" rtl="0" eaLnBrk="1" fontAlgn="base" latinLnBrk="0" hangingPunct="1">
+              <a:lnSpc>
+                <a:spcPct val="100000"/>
+              </a:lnSpc>
+              <a:spcBef>
+                <a:spcPct val="30000"/>
+              </a:spcBef>
+              <a:spcAft>
+                <a:spcPct val="0"/>
+              </a:spcAft>
+              <a:buClrTx/>
+              <a:buSzTx/>
+              <a:buFontTx/>
+              <a:buNone/>
+              <a:tabLst/>
+              <a:defRPr/>
+            </a:pPr>
+            <a:r>
+              <a:rPr lang="fr-CH" dirty="0"/>
+              <a:t>To extract this particularly</a:t>
+            </a:r>
+            <a:r>
+              <a:rPr lang="fr-CH" baseline="0" dirty="0"/>
+              <a:t> important directions of a matrix mapping, </a:t>
+            </a:r>
+            <a:r>
+              <a:rPr lang="fr-CH" dirty="0"/>
+              <a:t>a standard mathematical construction from linear algebra is used, the singular value decomposition (SVD). SVD decomposes a matrix into the product of three matrices. The middle matrix S is a diagonal matrix, where the elements of this matrix are the singular values of the matrix M. </a:t>
+            </a:r>
+            <a:endParaRPr lang="en-GB" dirty="0"/>
+          </a:p>
+        </p:txBody>
+      </p:sp>
+      <p:sp>
+        <p:nvSpPr>
+          <p:cNvPr id="4" name="Slide Number Placeholder 3"/>
+          <p:cNvSpPr>
+            <a:spLocks noGrp="1"/>
+          </p:cNvSpPr>
+          <p:nvPr>
+            <p:ph type="sldNum" sz="quarter" idx="10"/>
+          </p:nvPr>
+        </p:nvSpPr>
+        <p:spPr/>
+        <p:txBody>
+          <a:bodyPr/>
+          <a:lstStyle/>
+          <a:p>
+            <a:fld id="{E6C47E0B-2958-48CC-BA4E-C350203CF107}" type="slidenum">
+              <a:rPr lang="en-US" smtClean="0"/>
+              <a:pPr/>
+              <a:t>29</a:t>
+            </a:fld>
+            <a:endParaRPr lang="en-US"/>
           </a:p>
         </p:txBody>
       </p:sp>
     </p:spTree>
     <p:extLst>
       <p:ext uri="{BB962C8B-B14F-4D97-AF65-F5344CB8AC3E}">
-        <p14:creationId xmlns:p14="http://schemas.microsoft.com/office/powerpoint/2010/main" val="291628137"/>
+        <p14:creationId xmlns:p14="http://schemas.microsoft.com/office/powerpoint/2010/main" val="3716928337"/>
       </p:ext>
     </p:extLst>
   </p:cSld>
@@ -7901,28 +7842,19 @@
           <a:p>
             <a:r>
               <a:rPr lang="en-US" dirty="0"/>
-              <a:t>The notion of query likelihood gives now rise to the following approach to model relevance. We assume that documents are the result of language model.</a:t>
+              <a:t>The problem</a:t>
             </a:r>
             <a:r>
               <a:rPr lang="en-US" baseline="0" dirty="0"/>
-              <a:t> A language model is a (in general probabilistic) process that produces text, and a given document d is assumed to be produced by its specific language model M</a:t>
-            </a:r>
-            <a:r>
-              <a:rPr lang="en-US" baseline="-25000" dirty="0"/>
-              <a:t>d</a:t>
+              <a:t> of retrieval can be understood in a probabilistic setting as the problem of determining the probability of a document d being relevant, given a query q. We observe that the probability of a document to occur in a collection is constant (which makes sense assuming all documents are different), and the probability of a query to occur is the same for all documents. Thus, using Bayes rule, the problem of determining whether a document is relevant for a query is equivalent to the problem of determining whether a query is relevant to a document. The latter probability P(</a:t>
+            </a:r>
+            <a:r>
+              <a:rPr lang="en-US" baseline="0"/>
+              <a:t>q|d) </a:t>
             </a:r>
             <a:r>
               <a:rPr lang="en-US" baseline="0" dirty="0"/>
-              <a:t>. Then the problem of retrieval can be viewed in the following way: if a query is relevant to a document, it should have been produced by the same language model as the document. Using this argument, the query likelihood corresponds to the probability that the query has been produced by the same language model as the document.</a:t>
-            </a:r>
-          </a:p>
-          <a:p>
-            <a:endParaRPr lang="en-US" baseline="0" dirty="0"/>
-          </a:p>
-          <a:p>
-            <a:r>
-              <a:rPr lang="en-US" baseline="0" dirty="0"/>
-              <a:t>Let’s have now a more detailed look in what a language model is and how we use it implement this intuitive model practically.</a:t>
+              <a:t>is also called the query likelihood.</a:t>
             </a:r>
             <a:endParaRPr lang="en-US" dirty="0"/>
           </a:p>
@@ -7951,7 +7883,7 @@
               <a:pPr>
                 <a:defRPr/>
               </a:pPr>
-              <a:t>4</a:t>
+              <a:t>3</a:t>
             </a:fld>
             <a:endParaRPr lang="en-US"/>
           </a:p>
@@ -7960,7 +7892,7 @@
     </p:spTree>
     <p:extLst>
       <p:ext uri="{BB962C8B-B14F-4D97-AF65-F5344CB8AC3E}">
-        <p14:creationId xmlns:p14="http://schemas.microsoft.com/office/powerpoint/2010/main" val="2418323714"/>
+        <p14:creationId xmlns:p14="http://schemas.microsoft.com/office/powerpoint/2010/main" val="635171255"/>
       </p:ext>
     </p:extLst>
   </p:cSld>
@@ -7989,9 +7921,9 @@
       </p:grpSpPr>
       <p:sp>
         <p:nvSpPr>
-          <p:cNvPr id="34818" name="Rectangle 2"/>
+          <p:cNvPr id="2" name="Slide Image Placeholder 1"/>
           <p:cNvSpPr>
-            <a:spLocks noGrp="1" noRot="1" noChangeAspect="1" noChangeArrowheads="1" noTextEdit="1"/>
+            <a:spLocks noGrp="1" noRot="1" noChangeAspect="1"/>
           </p:cNvSpPr>
           <p:nvPr>
             <p:ph type="sldImg"/>
@@ -7999,50 +7931,81 @@
         </p:nvSpPr>
         <p:spPr>
           <a:xfrm>
-            <a:off x="1050925" y="792163"/>
-            <a:ext cx="5056188" cy="3792537"/>
+            <a:off x="992188" y="766763"/>
+            <a:ext cx="5119687" cy="3838575"/>
           </a:xfrm>
-          <a:ln/>
         </p:spPr>
       </p:sp>
       <p:sp>
         <p:nvSpPr>
-          <p:cNvPr id="34819" name="Rectangle 3"/>
+          <p:cNvPr id="3" name="Notes Placeholder 2"/>
           <p:cNvSpPr>
-            <a:spLocks noGrp="1" noChangeArrowheads="1"/>
+            <a:spLocks noGrp="1"/>
           </p:cNvSpPr>
           <p:nvPr>
             <p:ph type="body" idx="1"/>
           </p:nvPr>
         </p:nvSpPr>
-        <p:spPr>
-          <a:xfrm>
-            <a:off x="977900" y="4900613"/>
-            <a:ext cx="5208588" cy="4581525"/>
-          </a:xfrm>
-          <a:noFill/>
-          <a:ln/>
-        </p:spPr>
+        <p:spPr/>
         <p:txBody>
           <a:bodyPr/>
           <a:lstStyle/>
           <a:p>
             <a:r>
-              <a:rPr lang="en-GB" noProof="0" dirty="0"/>
-              <a:t>We can also see of how the concepts are represented</a:t>
-            </a:r>
-            <a:r>
-              <a:rPr lang="en-GB" baseline="0" noProof="0" dirty="0"/>
-              <a:t> by terms respectively documents. In particular, each concepts is now described as a weighted vector of terms.</a:t>
-            </a:r>
-            <a:endParaRPr lang="en-GB" noProof="0" dirty="0"/>
+              <a:rPr lang="en-GB" dirty="0"/>
+              <a:t>Formally the SVD can be computed by</a:t>
+            </a:r>
+            <a:r>
+              <a:rPr lang="en-GB" baseline="0" dirty="0"/>
+              <a:t> constructing eigenvectors of matrices derived from the original matrix M. </a:t>
+            </a:r>
+            <a:r>
+              <a:rPr lang="fr-CH" dirty="0"/>
+              <a:t>This computationg</a:t>
+            </a:r>
+            <a:r>
+              <a:rPr lang="fr-CH" baseline="0" dirty="0"/>
+              <a:t> can be performed </a:t>
+            </a:r>
+            <a:r>
+              <a:rPr lang="fr-CH" dirty="0"/>
+              <a:t>in O(n^3). Note that the complexity is considerable, which makes the approach computationally expensive. There exist however also approximation techniques to perform this decomposition more efficiently.</a:t>
+            </a:r>
+            <a:endParaRPr lang="en-GB" dirty="0"/>
+          </a:p>
+          <a:p>
+            <a:endParaRPr lang="en-GB" dirty="0"/>
+          </a:p>
+        </p:txBody>
+      </p:sp>
+      <p:sp>
+        <p:nvSpPr>
+          <p:cNvPr id="4" name="Slide Number Placeholder 3"/>
+          <p:cNvSpPr>
+            <a:spLocks noGrp="1"/>
+          </p:cNvSpPr>
+          <p:nvPr>
+            <p:ph type="sldNum" sz="quarter" idx="10"/>
+          </p:nvPr>
+        </p:nvSpPr>
+        <p:spPr/>
+        <p:txBody>
+          <a:bodyPr/>
+          <a:lstStyle/>
+          <a:p>
+            <a:fld id="{E6C47E0B-2958-48CC-BA4E-C350203CF107}" type="slidenum">
+              <a:rPr lang="en-US" smtClean="0"/>
+              <a:pPr/>
+              <a:t>30</a:t>
+            </a:fld>
+            <a:endParaRPr lang="en-US"/>
           </a:p>
         </p:txBody>
       </p:sp>
     </p:spTree>
     <p:extLst>
       <p:ext uri="{BB962C8B-B14F-4D97-AF65-F5344CB8AC3E}">
-        <p14:creationId xmlns:p14="http://schemas.microsoft.com/office/powerpoint/2010/main" val="3644105224"/>
+        <p14:creationId xmlns:p14="http://schemas.microsoft.com/office/powerpoint/2010/main" val="2937823841"/>
       </p:ext>
     </p:extLst>
   </p:cSld>
@@ -8071,33 +8034,7 @@
       </p:grpSpPr>
       <p:sp>
         <p:nvSpPr>
-          <p:cNvPr id="36866" name="Rectangle 7"/>
-          <p:cNvSpPr>
-            <a:spLocks noGrp="1" noChangeArrowheads="1"/>
-          </p:cNvSpPr>
-          <p:nvPr>
-            <p:ph type="sldNum" sz="quarter" idx="5"/>
-          </p:nvPr>
-        </p:nvSpPr>
-        <p:spPr>
-          <a:noFill/>
-        </p:spPr>
-        <p:txBody>
-          <a:bodyPr/>
-          <a:lstStyle/>
-          <a:p>
-            <a:fld id="{478661D8-0EC1-4452-AAF5-6EF66D247AFA}" type="slidenum">
-              <a:rPr lang="en-US" smtClean="0"/>
-              <a:pPr/>
-              <a:t>34</a:t>
-            </a:fld>
-            <a:endParaRPr lang="en-US"/>
-          </a:p>
-        </p:txBody>
-      </p:sp>
-      <p:sp>
-        <p:nvSpPr>
-          <p:cNvPr id="36867" name="Rectangle 2"/>
+          <p:cNvPr id="35842" name="Rectangle 2"/>
           <p:cNvSpPr>
             <a:spLocks noGrp="1" noRot="1" noChangeAspect="1" noChangeArrowheads="1" noTextEdit="1"/>
           </p:cNvSpPr>
@@ -8115,7 +8052,7 @@
       </p:sp>
       <p:sp>
         <p:nvSpPr>
-          <p:cNvPr id="36868" name="Rectangle 3"/>
+          <p:cNvPr id="35843" name="Rectangle 3"/>
           <p:cNvSpPr>
             <a:spLocks noGrp="1" noChangeArrowheads="1"/>
           </p:cNvSpPr>
@@ -8131,22 +8068,105 @@
           <a:bodyPr/>
           <a:lstStyle/>
           <a:p>
+            <a:pPr marL="228600" marR="0" lvl="0" indent="-228600" algn="l" defTabSz="914400" rtl="0" eaLnBrk="1" fontAlgn="base" latinLnBrk="0" hangingPunct="1">
+              <a:lnSpc>
+                <a:spcPct val="100000"/>
+              </a:lnSpc>
+              <a:spcBef>
+                <a:spcPct val="30000"/>
+              </a:spcBef>
+              <a:spcAft>
+                <a:spcPct val="0"/>
+              </a:spcAft>
+              <a:buClrTx/>
+              <a:buSzTx/>
+              <a:buFontTx/>
+              <a:buNone/>
+              <a:tabLst/>
+              <a:defRPr/>
+            </a:pPr>
             <a:r>
               <a:rPr lang="fr-CH" dirty="0"/>
-              <a:t>Using the singular value decomposition, we can now derive an "approximation" of M by taking only the s largest singular values in matrix S. The choice of s determines on how many of the "important concepts" the ranking will be based on. The assumption is that concepts with small singular value in S are rather to be considered as "noise" and thus can be neglected. The resulting method</a:t>
+              <a:t>One way to understand of how the SVD extracts the important</a:t>
             </a:r>
             <a:r>
               <a:rPr lang="fr-CH" baseline="0" dirty="0"/>
-              <a:t> is called Latent Semantic Indexing.</a:t>
-            </a:r>
-            <a:endParaRPr lang="en-GB" dirty="0"/>
+              <a:t> concepts from the term-document matrix is the following: the decomposition can be used to rewrite the original matrix as the sum of components that are weighted by the singular values. </a:t>
+            </a:r>
+            <a:r>
+              <a:rPr lang="fr-CH" dirty="0"/>
+              <a:t>Thus we can obtain approximations of the matrix by only considering the larger singular values. The SVD after eliminating less important dimensions (smaller singular values) can be interpreted as a least square approximation to the original matrix.</a:t>
+            </a:r>
+            <a:r>
+              <a:rPr lang="en-GB" baseline="0" dirty="0"/>
+              <a:t> </a:t>
+            </a:r>
+            <a:r>
+              <a:rPr lang="fr-CH" dirty="0"/>
+              <a:t>The symbol </a:t>
+            </a:r>
+            <a:r>
+              <a:rPr lang="fr-CH" dirty="0">
+                <a:sym typeface="Symbol" pitchFamily="18" charset="2"/>
+              </a:rPr>
+              <a:t> denotes the </a:t>
+            </a:r>
+            <a:r>
+              <a:rPr lang="fr-CH" b="1" dirty="0">
+                <a:sym typeface="Symbol" pitchFamily="18" charset="2"/>
+              </a:rPr>
+              <a:t>outer product </a:t>
+            </a:r>
+            <a:r>
+              <a:rPr lang="fr-CH" dirty="0">
+                <a:sym typeface="Symbol" pitchFamily="18" charset="2"/>
+              </a:rPr>
+              <a:t>of two vectors,</a:t>
+            </a:r>
+            <a:r>
+              <a:rPr lang="fr-CH" baseline="0" dirty="0">
+                <a:sym typeface="Symbol" pitchFamily="18" charset="2"/>
+              </a:rPr>
+              <a:t> d</a:t>
+            </a:r>
+            <a:r>
+              <a:rPr lang="fr-CH" baseline="-25000" dirty="0">
+                <a:sym typeface="Symbol" pitchFamily="18" charset="2"/>
+              </a:rPr>
+              <a:t>i</a:t>
+            </a:r>
+            <a:r>
+              <a:rPr lang="fr-CH" baseline="0" dirty="0">
+                <a:sym typeface="Symbol" pitchFamily="18" charset="2"/>
+              </a:rPr>
+              <a:t> is the i-th row of D.</a:t>
+            </a:r>
+            <a:endParaRPr lang="fr-CH" dirty="0"/>
+          </a:p>
+          <a:p>
+            <a:pPr marL="0" indent="0">
+              <a:buFontTx/>
+              <a:buNone/>
+            </a:pPr>
+            <a:r>
+              <a:rPr lang="fr-CH" dirty="0"/>
+              <a:t>The singular values have also a geometrical interpretation, as they tell us how a unit ball (||x||=1) is distorted when the linear transformation defined by the</a:t>
+            </a:r>
+            <a:r>
+              <a:rPr lang="fr-CH" baseline="0" dirty="0"/>
+              <a:t> matrix </a:t>
+            </a:r>
+            <a:r>
+              <a:rPr lang="fr-CH" dirty="0"/>
+              <a:t>M is applied to it. We can interpret the axes of the hyperellipsoid E as the dimensions of the concept space.</a:t>
+            </a:r>
           </a:p>
         </p:txBody>
       </p:sp>
     </p:spTree>
     <p:extLst>
       <p:ext uri="{BB962C8B-B14F-4D97-AF65-F5344CB8AC3E}">
-        <p14:creationId xmlns:p14="http://schemas.microsoft.com/office/powerpoint/2010/main" val="3404985429"/>
+        <p14:creationId xmlns:p14="http://schemas.microsoft.com/office/powerpoint/2010/main" val="497563595"/>
       </p:ext>
     </p:extLst>
   </p:cSld>
@@ -8175,33 +8195,7 @@
       </p:grpSpPr>
       <p:sp>
         <p:nvSpPr>
-          <p:cNvPr id="37890" name="Rectangle 7"/>
-          <p:cNvSpPr>
-            <a:spLocks noGrp="1" noChangeArrowheads="1"/>
-          </p:cNvSpPr>
-          <p:nvPr>
-            <p:ph type="sldNum" sz="quarter" idx="5"/>
-          </p:nvPr>
-        </p:nvSpPr>
-        <p:spPr>
-          <a:noFill/>
-        </p:spPr>
-        <p:txBody>
-          <a:bodyPr/>
-          <a:lstStyle/>
-          <a:p>
-            <a:fld id="{4C1ACD13-C303-4757-8827-4BF7D6ED1561}" type="slidenum">
-              <a:rPr lang="en-US" smtClean="0"/>
-              <a:pPr/>
-              <a:t>35</a:t>
-            </a:fld>
-            <a:endParaRPr lang="en-US"/>
-          </a:p>
-        </p:txBody>
-      </p:sp>
-      <p:sp>
-        <p:nvSpPr>
-          <p:cNvPr id="37891" name="Rectangle 2"/>
+          <p:cNvPr id="34818" name="Rectangle 2"/>
           <p:cNvSpPr>
             <a:spLocks noGrp="1" noRot="1" noChangeAspect="1" noChangeArrowheads="1" noTextEdit="1"/>
           </p:cNvSpPr>
@@ -8211,15 +8205,15 @@
         </p:nvSpPr>
         <p:spPr>
           <a:xfrm>
-            <a:off x="990600" y="768350"/>
-            <a:ext cx="5118100" cy="3838575"/>
+            <a:off x="1050925" y="792163"/>
+            <a:ext cx="5056188" cy="3792537"/>
           </a:xfrm>
           <a:ln/>
         </p:spPr>
       </p:sp>
       <p:sp>
         <p:nvSpPr>
-          <p:cNvPr id="37892" name="Rectangle 3"/>
+          <p:cNvPr id="34819" name="Rectangle 3"/>
           <p:cNvSpPr>
             <a:spLocks noGrp="1" noChangeArrowheads="1"/>
           </p:cNvSpPr>
@@ -8228,6 +8222,10 @@
           </p:nvPr>
         </p:nvSpPr>
         <p:spPr>
+          <a:xfrm>
+            <a:off x="977900" y="4900613"/>
+            <a:ext cx="5208588" cy="4581525"/>
+          </a:xfrm>
           <a:noFill/>
           <a:ln/>
         </p:spPr>
@@ -8236,57 +8234,21 @@
           <a:lstStyle/>
           <a:p>
             <a:r>
-              <a:rPr lang="fr-CH" dirty="0"/>
-              <a:t>This figure illustrates the structure of the matrices after reducing the dimensionality</a:t>
-            </a:r>
-            <a:r>
-              <a:rPr lang="fr-CH" baseline="0" dirty="0"/>
-              <a:t> of the concept space to s</a:t>
-            </a:r>
-            <a:r>
-              <a:rPr lang="fr-CH" dirty="0"/>
-              <a:t>, when only the first s singular values are kept for the computation of the ranking. The rows in matrix K</a:t>
-            </a:r>
-            <a:r>
-              <a:rPr lang="fr-CH" baseline="-25000" dirty="0"/>
-              <a:t>s</a:t>
-            </a:r>
-            <a:r>
-              <a:rPr lang="fr-CH" dirty="0"/>
-              <a:t> correspond to term vectors, whereas the columns in matrix D</a:t>
-            </a:r>
-            <a:r>
-              <a:rPr lang="fr-CH" baseline="-25000" dirty="0"/>
-              <a:t>s</a:t>
-            </a:r>
-            <a:r>
-              <a:rPr lang="fr-CH" baseline="30000" dirty="0"/>
-              <a:t>t</a:t>
-            </a:r>
-            <a:r>
-              <a:rPr lang="fr-CH" dirty="0"/>
-              <a:t> correspond to document vectors. By using the cosine similarity measure between columns of matrix D</a:t>
-            </a:r>
-            <a:r>
-              <a:rPr lang="fr-CH" baseline="-25000" dirty="0"/>
-              <a:t>s</a:t>
-            </a:r>
-            <a:r>
-              <a:rPr lang="fr-CH" baseline="30000" dirty="0"/>
-              <a:t>t</a:t>
-            </a:r>
-            <a:r>
-              <a:rPr lang="fr-CH" dirty="0"/>
-              <a:t>  the similarity of documents can be computed.</a:t>
-            </a:r>
-            <a:endParaRPr lang="en-GB" dirty="0"/>
+              <a:rPr lang="en-GB" noProof="0" dirty="0"/>
+              <a:t>This figure illustrates the structure of the matrices generated</a:t>
+            </a:r>
+            <a:r>
+              <a:rPr lang="en-GB" baseline="0" noProof="0" dirty="0"/>
+              <a:t> by the SVD. In general, m &lt;= n, i.e., the number of documents may be larger than the size of the vocabulary. The rows in K can then be interpreted as the representation of terms in the concept space, and the rows in D as the representation of documents in the concept space.</a:t>
+            </a:r>
+            <a:endParaRPr lang="en-GB" noProof="0" dirty="0"/>
           </a:p>
         </p:txBody>
       </p:sp>
     </p:spTree>
     <p:extLst>
       <p:ext uri="{BB962C8B-B14F-4D97-AF65-F5344CB8AC3E}">
-        <p14:creationId xmlns:p14="http://schemas.microsoft.com/office/powerpoint/2010/main" val="169263303"/>
+        <p14:creationId xmlns:p14="http://schemas.microsoft.com/office/powerpoint/2010/main" val="291628137"/>
       </p:ext>
     </p:extLst>
   </p:cSld>
@@ -8315,33 +8277,7 @@
       </p:grpSpPr>
       <p:sp>
         <p:nvSpPr>
-          <p:cNvPr id="38914" name="Rectangle 7"/>
-          <p:cNvSpPr>
-            <a:spLocks noGrp="1" noChangeArrowheads="1"/>
-          </p:cNvSpPr>
-          <p:nvPr>
-            <p:ph type="sldNum" sz="quarter" idx="5"/>
-          </p:nvPr>
-        </p:nvSpPr>
-        <p:spPr>
-          <a:noFill/>
-        </p:spPr>
-        <p:txBody>
-          <a:bodyPr/>
-          <a:lstStyle/>
-          <a:p>
-            <a:fld id="{9E3F0C02-3C44-4FED-848D-5E6316263F3E}" type="slidenum">
-              <a:rPr lang="en-US" smtClean="0"/>
-              <a:pPr/>
-              <a:t>36</a:t>
-            </a:fld>
-            <a:endParaRPr lang="en-US"/>
-          </a:p>
-        </p:txBody>
-      </p:sp>
-      <p:sp>
-        <p:nvSpPr>
-          <p:cNvPr id="38915" name="Rectangle 2"/>
+          <p:cNvPr id="34818" name="Rectangle 2"/>
           <p:cNvSpPr>
             <a:spLocks noGrp="1" noRot="1" noChangeAspect="1" noChangeArrowheads="1" noTextEdit="1"/>
           </p:cNvSpPr>
@@ -8351,15 +8287,15 @@
         </p:nvSpPr>
         <p:spPr>
           <a:xfrm>
-            <a:off x="990600" y="768350"/>
-            <a:ext cx="5118100" cy="3838575"/>
+            <a:off x="1050925" y="792163"/>
+            <a:ext cx="5056188" cy="3792537"/>
           </a:xfrm>
           <a:ln/>
         </p:spPr>
       </p:sp>
       <p:sp>
         <p:nvSpPr>
-          <p:cNvPr id="38916" name="Rectangle 3"/>
+          <p:cNvPr id="34819" name="Rectangle 3"/>
           <p:cNvSpPr>
             <a:spLocks noGrp="1" noChangeArrowheads="1"/>
           </p:cNvSpPr>
@@ -8368,6 +8304,10 @@
           </p:nvPr>
         </p:nvSpPr>
         <p:spPr>
+          <a:xfrm>
+            <a:off x="977900" y="4900613"/>
+            <a:ext cx="5208588" cy="4581525"/>
+          </a:xfrm>
           <a:noFill/>
           <a:ln/>
         </p:spPr>
@@ -8376,50 +8316,21 @@
           <a:lstStyle/>
           <a:p>
             <a:r>
-              <a:rPr lang="fr-CH" dirty="0">
-                <a:sym typeface="Symbol" pitchFamily="18" charset="2"/>
-              </a:rPr>
-              <a:t>After performing the SVD the</a:t>
-            </a:r>
-            <a:r>
-              <a:rPr lang="fr-CH" baseline="0" dirty="0">
-                <a:sym typeface="Symbol" pitchFamily="18" charset="2"/>
-              </a:rPr>
-              <a:t> similarity of different documents can be determined by computing the cosine similarity measure among their representation in the concept space (the columns of matrix </a:t>
-            </a:r>
-            <a:r>
-              <a:rPr lang="fr-CH" dirty="0"/>
-              <a:t>D</a:t>
-            </a:r>
-            <a:r>
-              <a:rPr lang="fr-CH" baseline="-25000" dirty="0"/>
-              <a:t>s</a:t>
-            </a:r>
-            <a:r>
-              <a:rPr lang="fr-CH" baseline="30000" dirty="0"/>
-              <a:t>t</a:t>
-            </a:r>
-            <a:r>
-              <a:rPr lang="fr-CH" baseline="0" dirty="0">
-                <a:sym typeface="Symbol" pitchFamily="18" charset="2"/>
-              </a:rPr>
-              <a:t>). Queries are considered like documents that are added to the document collection. Answering queries then corresponds then to computing the similarity between the query considered as a document and the documents in the collection.</a:t>
-            </a:r>
-          </a:p>
-          <a:p>
-            <a:endParaRPr lang="fr-CH" baseline="0" dirty="0">
-              <a:sym typeface="Symbol" pitchFamily="18" charset="2"/>
-            </a:endParaRPr>
-          </a:p>
-          <a:p>
-            <a:endParaRPr lang="pt-BR" dirty="0"/>
+              <a:rPr lang="en-GB" noProof="0" dirty="0"/>
+              <a:t>We can also see of how the concepts are represented</a:t>
+            </a:r>
+            <a:r>
+              <a:rPr lang="en-GB" baseline="0" noProof="0" dirty="0"/>
+              <a:t> by terms respectively documents. In particular, each concepts is now described as a weighted vector of terms.</a:t>
+            </a:r>
+            <a:endParaRPr lang="en-GB" noProof="0" dirty="0"/>
           </a:p>
         </p:txBody>
       </p:sp>
     </p:spTree>
     <p:extLst>
       <p:ext uri="{BB962C8B-B14F-4D97-AF65-F5344CB8AC3E}">
-        <p14:creationId xmlns:p14="http://schemas.microsoft.com/office/powerpoint/2010/main" val="2038220346"/>
+        <p14:creationId xmlns:p14="http://schemas.microsoft.com/office/powerpoint/2010/main" val="3644105224"/>
       </p:ext>
     </p:extLst>
   </p:cSld>
@@ -8448,9 +8359,35 @@
       </p:grpSpPr>
       <p:sp>
         <p:nvSpPr>
-          <p:cNvPr id="2" name="Slide Image Placeholder 1"/>
+          <p:cNvPr id="36866" name="Rectangle 7"/>
           <p:cNvSpPr>
-            <a:spLocks noGrp="1" noRot="1" noChangeAspect="1"/>
+            <a:spLocks noGrp="1" noChangeArrowheads="1"/>
+          </p:cNvSpPr>
+          <p:nvPr>
+            <p:ph type="sldNum" sz="quarter" idx="5"/>
+          </p:nvPr>
+        </p:nvSpPr>
+        <p:spPr>
+          <a:noFill/>
+        </p:spPr>
+        <p:txBody>
+          <a:bodyPr/>
+          <a:lstStyle/>
+          <a:p>
+            <a:fld id="{478661D8-0EC1-4452-AAF5-6EF66D247AFA}" type="slidenum">
+              <a:rPr lang="en-US" smtClean="0"/>
+              <a:pPr/>
+              <a:t>34</a:t>
+            </a:fld>
+            <a:endParaRPr lang="en-US"/>
+          </a:p>
+        </p:txBody>
+      </p:sp>
+      <p:sp>
+        <p:nvSpPr>
+          <p:cNvPr id="36867" name="Rectangle 2"/>
+          <p:cNvSpPr>
+            <a:spLocks noGrp="1" noRot="1" noChangeAspect="1" noChangeArrowheads="1" noTextEdit="1"/>
           </p:cNvSpPr>
           <p:nvPr>
             <p:ph type="sldImg"/>
@@ -8458,405 +8395,46 @@
         </p:nvSpPr>
         <p:spPr>
           <a:xfrm>
-            <a:off x="992188" y="766763"/>
-            <a:ext cx="5119687" cy="3838575"/>
+            <a:off x="990600" y="768350"/>
+            <a:ext cx="5118100" cy="3838575"/>
           </a:xfrm>
+          <a:ln/>
         </p:spPr>
       </p:sp>
       <p:sp>
         <p:nvSpPr>
-          <p:cNvPr id="3" name="Notes Placeholder 2"/>
+          <p:cNvPr id="36868" name="Rectangle 3"/>
           <p:cNvSpPr>
-            <a:spLocks noGrp="1"/>
+            <a:spLocks noGrp="1" noChangeArrowheads="1"/>
           </p:cNvSpPr>
           <p:nvPr>
             <p:ph type="body" idx="1"/>
           </p:nvPr>
         </p:nvSpPr>
-        <p:spPr/>
+        <p:spPr>
+          <a:noFill/>
+          <a:ln/>
+        </p:spPr>
         <p:txBody>
           <a:bodyPr/>
           <a:lstStyle/>
           <a:p>
             <a:r>
-              <a:rPr lang="en-GB" baseline="0" noProof="0" dirty="0">
-                <a:sym typeface="Symbol" pitchFamily="18" charset="2"/>
-              </a:rPr>
-              <a:t>This construction works as follows: when a new column (the query) is added to M, we have to apply the same transformation to this new column, as to the other columns of M, in order to produce the corresponding column in the matrix </a:t>
-            </a:r>
-            <a:r>
-              <a:rPr lang="en-GB" noProof="0" dirty="0" err="1"/>
-              <a:t>D</a:t>
-            </a:r>
-            <a:r>
-              <a:rPr lang="en-GB" baseline="-25000" noProof="0" dirty="0" err="1"/>
-              <a:t>s</a:t>
-            </a:r>
-            <a:r>
-              <a:rPr lang="en-GB" baseline="30000" noProof="0" dirty="0" err="1"/>
-              <a:t>t</a:t>
-            </a:r>
-            <a:r>
-              <a:rPr lang="en-GB" baseline="0" noProof="0" dirty="0">
-                <a:sym typeface="Symbol" pitchFamily="18" charset="2"/>
-              </a:rPr>
-              <a:t>, representing documents in the concept space. </a:t>
-            </a:r>
-            <a:r>
-              <a:rPr lang="en-GB" noProof="0" dirty="0">
-                <a:sym typeface="Symbol" pitchFamily="18" charset="2"/>
-              </a:rPr>
-              <a:t>We exploit</a:t>
-            </a:r>
-            <a:r>
-              <a:rPr lang="en-GB" baseline="0" noProof="0" dirty="0">
-                <a:sym typeface="Symbol" pitchFamily="18" charset="2"/>
-              </a:rPr>
-              <a:t> </a:t>
-            </a:r>
-            <a:r>
-              <a:rPr lang="en-GB" noProof="0" dirty="0">
-                <a:sym typeface="Symbol" pitchFamily="18" charset="2"/>
-              </a:rPr>
-              <a:t>the fact that </a:t>
-            </a:r>
-            <a:r>
-              <a:rPr lang="en-GB" noProof="0" dirty="0"/>
-              <a:t> K</a:t>
-            </a:r>
-            <a:r>
-              <a:rPr lang="en-GB" baseline="-25000" noProof="0" dirty="0"/>
-              <a:t>s </a:t>
-            </a:r>
-            <a:r>
-              <a:rPr lang="en-GB" baseline="30000" noProof="0" dirty="0" err="1"/>
-              <a:t>t</a:t>
-            </a:r>
-            <a:r>
-              <a:rPr lang="en-GB" noProof="0" dirty="0" err="1"/>
-              <a:t>.K</a:t>
-            </a:r>
-            <a:r>
-              <a:rPr lang="en-GB" baseline="-25000" noProof="0" dirty="0" err="1"/>
-              <a:t>s</a:t>
-            </a:r>
-            <a:r>
-              <a:rPr lang="en-GB" baseline="-25000" noProof="0" dirty="0"/>
-              <a:t> </a:t>
-            </a:r>
-            <a:r>
-              <a:rPr lang="en-GB" noProof="0" dirty="0"/>
-              <a:t>=1.</a:t>
-            </a:r>
-            <a:endParaRPr lang="en-GB" noProof="0" dirty="0">
-              <a:sym typeface="Symbol" pitchFamily="18" charset="2"/>
-            </a:endParaRPr>
-          </a:p>
-          <a:p>
-            <a:r>
-              <a:rPr lang="en-GB" noProof="0" dirty="0"/>
-              <a:t>Since M</a:t>
-            </a:r>
-            <a:r>
-              <a:rPr lang="en-GB" baseline="-25000" noProof="0" dirty="0"/>
-              <a:t>s</a:t>
-            </a:r>
-            <a:r>
-              <a:rPr lang="en-GB" noProof="0" dirty="0"/>
-              <a:t> = K</a:t>
-            </a:r>
-            <a:r>
-              <a:rPr lang="en-GB" baseline="-25000" noProof="0" dirty="0"/>
-              <a:t>s</a:t>
-            </a:r>
-            <a:r>
-              <a:rPr lang="en-GB" noProof="0" dirty="0"/>
-              <a:t> .</a:t>
-            </a:r>
-            <a:r>
-              <a:rPr lang="en-GB" noProof="0" dirty="0" err="1"/>
-              <a:t>S</a:t>
-            </a:r>
-            <a:r>
-              <a:rPr lang="en-GB" baseline="-25000" noProof="0" dirty="0" err="1"/>
-              <a:t>s</a:t>
-            </a:r>
-            <a:r>
-              <a:rPr lang="en-GB" noProof="0" dirty="0"/>
-              <a:t> .</a:t>
-            </a:r>
-            <a:r>
-              <a:rPr lang="en-GB" noProof="0" dirty="0" err="1"/>
-              <a:t>D</a:t>
-            </a:r>
-            <a:r>
-              <a:rPr lang="en-GB" baseline="-25000" noProof="0" dirty="0" err="1"/>
-              <a:t>s</a:t>
-            </a:r>
-            <a:r>
-              <a:rPr lang="en-GB" baseline="30000" noProof="0" dirty="0" err="1"/>
-              <a:t>t</a:t>
-            </a:r>
-            <a:r>
-              <a:rPr lang="en-GB" baseline="30000" noProof="0" dirty="0"/>
-              <a:t> </a:t>
-            </a:r>
-            <a:r>
-              <a:rPr lang="en-GB" noProof="0" dirty="0"/>
-              <a:t>we obtain </a:t>
-            </a:r>
-            <a:r>
-              <a:rPr lang="en-GB" noProof="0" dirty="0" err="1"/>
-              <a:t>S</a:t>
-            </a:r>
-            <a:r>
-              <a:rPr lang="en-GB" baseline="-25000" noProof="0" dirty="0" err="1"/>
-              <a:t>s</a:t>
-            </a:r>
-            <a:r>
-              <a:rPr lang="en-GB" noProof="0" dirty="0"/>
-              <a:t> </a:t>
-            </a:r>
-            <a:r>
-              <a:rPr lang="en-GB" baseline="30000" noProof="0" dirty="0"/>
-              <a:t>–1 </a:t>
-            </a:r>
-            <a:r>
-              <a:rPr lang="en-GB" noProof="0" dirty="0">
-                <a:sym typeface="Symbol" pitchFamily="18" charset="2"/>
-              </a:rPr>
-              <a:t>.</a:t>
-            </a:r>
-            <a:r>
-              <a:rPr lang="en-GB" noProof="0" dirty="0"/>
-              <a:t>K</a:t>
-            </a:r>
-            <a:r>
-              <a:rPr lang="en-GB" baseline="-25000" noProof="0" dirty="0"/>
-              <a:t>s </a:t>
-            </a:r>
-            <a:r>
-              <a:rPr lang="en-GB" baseline="30000" noProof="0" dirty="0"/>
-              <a:t>t </a:t>
-            </a:r>
-            <a:r>
-              <a:rPr lang="en-GB" noProof="0" dirty="0"/>
-              <a:t>.M</a:t>
-            </a:r>
-            <a:r>
-              <a:rPr lang="en-GB" baseline="-25000" noProof="0" dirty="0"/>
-              <a:t>s</a:t>
-            </a:r>
-            <a:r>
-              <a:rPr lang="en-GB" noProof="0" dirty="0">
-                <a:sym typeface="Symbol" pitchFamily="18" charset="2"/>
-              </a:rPr>
-              <a:t> </a:t>
-            </a:r>
-            <a:r>
-              <a:rPr lang="en-GB" noProof="0" dirty="0"/>
-              <a:t>= </a:t>
-            </a:r>
-            <a:r>
-              <a:rPr lang="en-GB" noProof="0" dirty="0" err="1"/>
-              <a:t>D</a:t>
-            </a:r>
-            <a:r>
-              <a:rPr lang="en-GB" baseline="-25000" noProof="0" dirty="0" err="1"/>
-              <a:t>s</a:t>
-            </a:r>
-            <a:r>
-              <a:rPr lang="en-GB" baseline="30000" noProof="0" dirty="0" err="1"/>
-              <a:t>t</a:t>
-            </a:r>
-            <a:r>
-              <a:rPr lang="en-GB" baseline="30000" noProof="0" dirty="0"/>
-              <a:t>  </a:t>
-            </a:r>
-            <a:r>
-              <a:rPr lang="en-GB" noProof="0" dirty="0"/>
-              <a:t>or D</a:t>
-            </a:r>
-            <a:r>
-              <a:rPr lang="en-GB" baseline="-25000" noProof="0" dirty="0"/>
-              <a:t>s</a:t>
-            </a:r>
-            <a:r>
-              <a:rPr lang="en-GB" noProof="0" dirty="0"/>
-              <a:t>= M</a:t>
-            </a:r>
-            <a:r>
-              <a:rPr lang="en-GB" baseline="-25000" noProof="0" dirty="0"/>
-              <a:t>s </a:t>
-            </a:r>
-            <a:r>
-              <a:rPr lang="en-GB" baseline="30000" noProof="0" dirty="0"/>
-              <a:t>t </a:t>
-            </a:r>
-            <a:r>
-              <a:rPr lang="en-GB" noProof="0" dirty="0"/>
-              <a:t>.K</a:t>
-            </a:r>
-            <a:r>
-              <a:rPr lang="en-GB" baseline="-25000" noProof="0" dirty="0"/>
-              <a:t>s </a:t>
-            </a:r>
-            <a:r>
-              <a:rPr lang="en-GB" noProof="0" dirty="0"/>
-              <a:t>.</a:t>
-            </a:r>
-            <a:r>
-              <a:rPr lang="en-GB" noProof="0" dirty="0" err="1"/>
-              <a:t>S</a:t>
-            </a:r>
-            <a:r>
-              <a:rPr lang="en-GB" baseline="-25000" noProof="0" dirty="0" err="1"/>
-              <a:t>s</a:t>
-            </a:r>
-            <a:r>
-              <a:rPr lang="en-GB" noProof="0" dirty="0"/>
-              <a:t> </a:t>
-            </a:r>
-            <a:r>
-              <a:rPr lang="en-GB" baseline="30000" noProof="0" dirty="0"/>
-              <a:t>–1 .</a:t>
-            </a:r>
-          </a:p>
-          <a:p>
-            <a:r>
-              <a:rPr lang="en-GB" noProof="0" dirty="0"/>
-              <a:t>This is the transformation that is applied to the query vector q to obtain a</a:t>
-            </a:r>
-            <a:r>
-              <a:rPr lang="en-GB" baseline="0" noProof="0" dirty="0"/>
-              <a:t> query vector </a:t>
-            </a:r>
-            <a:r>
-              <a:rPr lang="en-GB" noProof="0" dirty="0"/>
-              <a:t>q* in the concept space. After that step, the similarity of</a:t>
-            </a:r>
-            <a:r>
-              <a:rPr lang="en-GB" baseline="0" noProof="0" dirty="0"/>
-              <a:t> the query to the documents in the concept space can be computed. (</a:t>
-            </a:r>
-            <a:r>
-              <a:rPr lang="en-GB" noProof="0" dirty="0">
-                <a:sym typeface="Symbol" pitchFamily="18" charset="2"/>
-              </a:rPr>
-              <a:t>(</a:t>
-            </a:r>
-            <a:r>
-              <a:rPr lang="en-GB" noProof="0" dirty="0" err="1">
-                <a:sym typeface="Symbol" pitchFamily="18" charset="2"/>
-              </a:rPr>
-              <a:t>D</a:t>
-            </a:r>
-            <a:r>
-              <a:rPr lang="en-GB" baseline="-25000" noProof="0" dirty="0" err="1">
-                <a:sym typeface="Symbol" pitchFamily="18" charset="2"/>
-              </a:rPr>
-              <a:t>s</a:t>
-            </a:r>
-            <a:r>
-              <a:rPr lang="en-GB" baseline="30000" noProof="0" dirty="0" err="1">
-                <a:sym typeface="Symbol" pitchFamily="18" charset="2"/>
-              </a:rPr>
-              <a:t>t</a:t>
-            </a:r>
-            <a:r>
-              <a:rPr lang="en-GB" noProof="0" dirty="0">
-                <a:sym typeface="Symbol" pitchFamily="18" charset="2"/>
-              </a:rPr>
-              <a:t>)</a:t>
-            </a:r>
-            <a:r>
-              <a:rPr lang="en-GB" baseline="-25000" noProof="0" dirty="0" err="1">
-                <a:sym typeface="Symbol" pitchFamily="18" charset="2"/>
-              </a:rPr>
-              <a:t>i</a:t>
-            </a:r>
-            <a:r>
-              <a:rPr lang="en-GB" baseline="-25000" noProof="0" dirty="0">
-                <a:sym typeface="Symbol" pitchFamily="18" charset="2"/>
-              </a:rPr>
-              <a:t> </a:t>
-            </a:r>
-            <a:r>
-              <a:rPr lang="en-GB" noProof="0" dirty="0">
-                <a:sym typeface="Symbol" pitchFamily="18" charset="2"/>
-              </a:rPr>
-              <a:t>denotes the </a:t>
-            </a:r>
-            <a:r>
-              <a:rPr lang="en-GB" noProof="0" dirty="0" err="1">
-                <a:sym typeface="Symbol" pitchFamily="18" charset="2"/>
-              </a:rPr>
-              <a:t>i-th</a:t>
-            </a:r>
-            <a:r>
-              <a:rPr lang="en-GB" noProof="0" dirty="0">
-                <a:sym typeface="Symbol" pitchFamily="18" charset="2"/>
-              </a:rPr>
-              <a:t> column of matrix </a:t>
-            </a:r>
-            <a:r>
-              <a:rPr lang="en-GB" noProof="0" dirty="0" err="1">
-                <a:sym typeface="Symbol" pitchFamily="18" charset="2"/>
-              </a:rPr>
-              <a:t>D</a:t>
-            </a:r>
-            <a:r>
-              <a:rPr lang="en-GB" baseline="-25000" noProof="0" dirty="0" err="1">
-                <a:sym typeface="Symbol" pitchFamily="18" charset="2"/>
-              </a:rPr>
-              <a:t>s</a:t>
-            </a:r>
-            <a:r>
-              <a:rPr lang="en-GB" baseline="30000" noProof="0" dirty="0" err="1">
-                <a:sym typeface="Symbol" pitchFamily="18" charset="2"/>
-              </a:rPr>
-              <a:t>t</a:t>
-            </a:r>
-            <a:r>
-              <a:rPr lang="en-GB" baseline="0" noProof="0" dirty="0">
-                <a:sym typeface="Symbol" pitchFamily="18" charset="2"/>
-              </a:rPr>
-              <a:t>)</a:t>
-            </a:r>
-          </a:p>
-          <a:p>
-            <a:endParaRPr lang="en-GB" noProof="0" dirty="0"/>
-          </a:p>
-        </p:txBody>
-      </p:sp>
-      <p:sp>
-        <p:nvSpPr>
-          <p:cNvPr id="4" name="Slide Number Placeholder 3"/>
-          <p:cNvSpPr>
-            <a:spLocks noGrp="1"/>
-          </p:cNvSpPr>
-          <p:nvPr>
-            <p:ph type="sldNum" sz="quarter" idx="10"/>
-          </p:nvPr>
-        </p:nvSpPr>
-        <p:spPr/>
-        <p:txBody>
-          <a:bodyPr/>
-          <a:lstStyle/>
-          <a:p>
-            <a:fld id="{E6C47E0B-2958-48CC-BA4E-C350203CF107}" type="slidenum">
-              <a:rPr lang="en-US" smtClean="0"/>
-              <a:pPr/>
-              <a:t>37</a:t>
-            </a:fld>
-            <a:endParaRPr lang="en-US"/>
+              <a:rPr lang="fr-CH" dirty="0"/>
+              <a:t>Using the singular value decomposition, we can now derive an "approximation" of M by taking only the s largest singular values in matrix S. The choice of s determines on how many of the "important concepts" the ranking will be based on. The assumption is that concepts with small singular value in S are rather to be considered as "noise" and thus can be neglected. The resulting method</a:t>
+            </a:r>
+            <a:r>
+              <a:rPr lang="fr-CH" baseline="0" dirty="0"/>
+              <a:t> is called Latent Semantic Indexing.</a:t>
+            </a:r>
+            <a:endParaRPr lang="en-GB" dirty="0"/>
           </a:p>
         </p:txBody>
       </p:sp>
     </p:spTree>
     <p:extLst>
       <p:ext uri="{BB962C8B-B14F-4D97-AF65-F5344CB8AC3E}">
-        <p14:creationId xmlns:p14="http://schemas.microsoft.com/office/powerpoint/2010/main" val="1743736804"/>
+        <p14:creationId xmlns:p14="http://schemas.microsoft.com/office/powerpoint/2010/main" val="3404985429"/>
       </p:ext>
     </p:extLst>
   </p:cSld>
@@ -8903,7 +8481,7 @@
             <a:fld id="{4C1ACD13-C303-4757-8827-4BF7D6ED1561}" type="slidenum">
               <a:rPr lang="en-US" smtClean="0"/>
               <a:pPr/>
-              <a:t>38</a:t>
+              <a:t>35</a:t>
             </a:fld>
             <a:endParaRPr lang="en-US"/>
           </a:p>
@@ -8946,12 +8524,48 @@
           <a:lstStyle/>
           <a:p>
             <a:r>
-              <a:rPr lang="en-GB" dirty="0"/>
-              <a:t>This figure illustrates of how a query vector is treated like an additional document</a:t>
-            </a:r>
-            <a:r>
-              <a:rPr lang="en-GB" baseline="0" dirty="0"/>
-              <a:t> vector.</a:t>
+              <a:rPr lang="fr-CH" dirty="0"/>
+              <a:t>This figure illustrates the structure of the matrices after reducing the dimensionality</a:t>
+            </a:r>
+            <a:r>
+              <a:rPr lang="fr-CH" baseline="0" dirty="0"/>
+              <a:t> of the concept space to s</a:t>
+            </a:r>
+            <a:r>
+              <a:rPr lang="fr-CH" dirty="0"/>
+              <a:t>, when only the first s singular values are kept for the computation of the ranking. The rows in matrix K</a:t>
+            </a:r>
+            <a:r>
+              <a:rPr lang="fr-CH" baseline="-25000" dirty="0"/>
+              <a:t>s</a:t>
+            </a:r>
+            <a:r>
+              <a:rPr lang="fr-CH" dirty="0"/>
+              <a:t> correspond to term vectors, whereas the columns in matrix D</a:t>
+            </a:r>
+            <a:r>
+              <a:rPr lang="fr-CH" baseline="-25000" dirty="0"/>
+              <a:t>s</a:t>
+            </a:r>
+            <a:r>
+              <a:rPr lang="fr-CH" baseline="30000" dirty="0"/>
+              <a:t>t</a:t>
+            </a:r>
+            <a:r>
+              <a:rPr lang="fr-CH" dirty="0"/>
+              <a:t> correspond to document vectors. By using the cosine similarity measure between columns of matrix D</a:t>
+            </a:r>
+            <a:r>
+              <a:rPr lang="fr-CH" baseline="-25000" dirty="0"/>
+              <a:t>s</a:t>
+            </a:r>
+            <a:r>
+              <a:rPr lang="fr-CH" baseline="30000" dirty="0"/>
+              <a:t>t</a:t>
+            </a:r>
+            <a:r>
+              <a:rPr lang="fr-CH" dirty="0"/>
+              <a:t>  the similarity of documents can be computed.</a:t>
             </a:r>
             <a:endParaRPr lang="en-GB" dirty="0"/>
           </a:p>
@@ -8960,7 +8574,7 @@
     </p:spTree>
     <p:extLst>
       <p:ext uri="{BB962C8B-B14F-4D97-AF65-F5344CB8AC3E}">
-        <p14:creationId xmlns:p14="http://schemas.microsoft.com/office/powerpoint/2010/main" val="3264259379"/>
+        <p14:creationId xmlns:p14="http://schemas.microsoft.com/office/powerpoint/2010/main" val="169263303"/>
       </p:ext>
     </p:extLst>
   </p:cSld>
@@ -8989,7 +8603,7 @@
       </p:grpSpPr>
       <p:sp>
         <p:nvSpPr>
-          <p:cNvPr id="59393" name="Rectangle 7"/>
+          <p:cNvPr id="38914" name="Rectangle 7"/>
           <p:cNvSpPr>
             <a:spLocks noGrp="1" noChangeArrowheads="1"/>
           </p:cNvSpPr>
@@ -8999,161 +8613,23 @@
         </p:nvSpPr>
         <p:spPr>
           <a:noFill/>
-          <a:ln/>
-          <a:extLst>
-            <a:ext uri="{909E8E84-426E-40dd-AFC4-6F175D3DCCD1}">
-              <a14:hiddenFill xmlns:a14="http://schemas.microsoft.com/office/drawing/2010/main" xmlns="">
-                <a:solidFill>
-                  <a:srgbClr val="FFFFFF"/>
-                </a:solidFill>
-              </a14:hiddenFill>
-            </a:ext>
-            <a:ext uri="{91240B29-F687-4f45-9708-019B960494DF}">
-              <a14:hiddenLine xmlns:a14="http://schemas.microsoft.com/office/drawing/2010/main" xmlns="" w="9525">
-                <a:solidFill>
-                  <a:srgbClr val="000000"/>
-                </a:solidFill>
-                <a:miter lim="800000"/>
-                <a:headEnd/>
-                <a:tailEnd/>
-              </a14:hiddenLine>
-            </a:ext>
-          </a:extLst>
         </p:spPr>
         <p:txBody>
           <a:bodyPr/>
-          <a:lstStyle>
-            <a:lvl1pPr defTabSz="952500" eaLnBrk="0" hangingPunct="0">
-              <a:defRPr sz="2400">
-                <a:solidFill>
-                  <a:schemeClr val="tx1"/>
-                </a:solidFill>
-                <a:latin typeface="Comic Sans MS" charset="0"/>
-                <a:ea typeface="ＭＳ Ｐゴシック" charset="0"/>
-                <a:cs typeface="ＭＳ Ｐゴシック" charset="0"/>
-              </a:defRPr>
-            </a:lvl1pPr>
-            <a:lvl2pPr marL="742950" indent="-285750" defTabSz="952500" eaLnBrk="0" hangingPunct="0">
-              <a:defRPr sz="2400">
-                <a:solidFill>
-                  <a:schemeClr val="tx1"/>
-                </a:solidFill>
-                <a:latin typeface="Comic Sans MS" charset="0"/>
-                <a:ea typeface="ＭＳ Ｐゴシック" charset="0"/>
-              </a:defRPr>
-            </a:lvl2pPr>
-            <a:lvl3pPr marL="1143000" indent="-228600" defTabSz="952500" eaLnBrk="0" hangingPunct="0">
-              <a:defRPr sz="2400">
-                <a:solidFill>
-                  <a:schemeClr val="tx1"/>
-                </a:solidFill>
-                <a:latin typeface="Comic Sans MS" charset="0"/>
-                <a:ea typeface="ＭＳ Ｐゴシック" charset="0"/>
-              </a:defRPr>
-            </a:lvl3pPr>
-            <a:lvl4pPr marL="1600200" indent="-228600" defTabSz="952500" eaLnBrk="0" hangingPunct="0">
-              <a:defRPr sz="2400">
-                <a:solidFill>
-                  <a:schemeClr val="tx1"/>
-                </a:solidFill>
-                <a:latin typeface="Comic Sans MS" charset="0"/>
-                <a:ea typeface="ＭＳ Ｐゴシック" charset="0"/>
-              </a:defRPr>
-            </a:lvl4pPr>
-            <a:lvl5pPr marL="2057400" indent="-228600" defTabSz="952500" eaLnBrk="0" hangingPunct="0">
-              <a:defRPr sz="2400">
-                <a:solidFill>
-                  <a:schemeClr val="tx1"/>
-                </a:solidFill>
-                <a:latin typeface="Comic Sans MS" charset="0"/>
-                <a:ea typeface="ＭＳ Ｐゴシック" charset="0"/>
-              </a:defRPr>
-            </a:lvl5pPr>
-            <a:lvl6pPr marL="2514600" indent="-228600" defTabSz="952500" eaLnBrk="0" fontAlgn="base" hangingPunct="0">
-              <a:spcBef>
-                <a:spcPct val="0"/>
-              </a:spcBef>
-              <a:spcAft>
-                <a:spcPct val="0"/>
-              </a:spcAft>
-              <a:defRPr sz="2400">
-                <a:solidFill>
-                  <a:schemeClr val="tx1"/>
-                </a:solidFill>
-                <a:latin typeface="Comic Sans MS" charset="0"/>
-                <a:ea typeface="ＭＳ Ｐゴシック" charset="0"/>
-              </a:defRPr>
-            </a:lvl6pPr>
-            <a:lvl7pPr marL="2971800" indent="-228600" defTabSz="952500" eaLnBrk="0" fontAlgn="base" hangingPunct="0">
-              <a:spcBef>
-                <a:spcPct val="0"/>
-              </a:spcBef>
-              <a:spcAft>
-                <a:spcPct val="0"/>
-              </a:spcAft>
-              <a:defRPr sz="2400">
-                <a:solidFill>
-                  <a:schemeClr val="tx1"/>
-                </a:solidFill>
-                <a:latin typeface="Comic Sans MS" charset="0"/>
-                <a:ea typeface="ＭＳ Ｐゴシック" charset="0"/>
-              </a:defRPr>
-            </a:lvl7pPr>
-            <a:lvl8pPr marL="3429000" indent="-228600" defTabSz="952500" eaLnBrk="0" fontAlgn="base" hangingPunct="0">
-              <a:spcBef>
-                <a:spcPct val="0"/>
-              </a:spcBef>
-              <a:spcAft>
-                <a:spcPct val="0"/>
-              </a:spcAft>
-              <a:defRPr sz="2400">
-                <a:solidFill>
-                  <a:schemeClr val="tx1"/>
-                </a:solidFill>
-                <a:latin typeface="Comic Sans MS" charset="0"/>
-                <a:ea typeface="ＭＳ Ｐゴシック" charset="0"/>
-              </a:defRPr>
-            </a:lvl8pPr>
-            <a:lvl9pPr marL="3886200" indent="-228600" defTabSz="952500" eaLnBrk="0" fontAlgn="base" hangingPunct="0">
-              <a:spcBef>
-                <a:spcPct val="0"/>
-              </a:spcBef>
-              <a:spcAft>
-                <a:spcPct val="0"/>
-              </a:spcAft>
-              <a:defRPr sz="2400">
-                <a:solidFill>
-                  <a:schemeClr val="tx1"/>
-                </a:solidFill>
-                <a:latin typeface="Comic Sans MS" charset="0"/>
-                <a:ea typeface="ＭＳ Ｐゴシック" charset="0"/>
-              </a:defRPr>
-            </a:lvl9pPr>
-          </a:lstStyle>
-          <a:p>
-            <a:pPr eaLnBrk="1" hangingPunct="1"/>
-            <a:fld id="{5AC3DEC9-1934-AB49-B46E-BA13E1BE593C}" type="slidenum">
-              <a:rPr lang="en-US" sz="1200">
-                <a:solidFill>
-                  <a:schemeClr val="tx2"/>
-                </a:solidFill>
-                <a:latin typeface="Tempus Sans ITC" charset="0"/>
-              </a:rPr>
-              <a:pPr eaLnBrk="1" hangingPunct="1"/>
-              <a:t>39</a:t>
+          <a:lstStyle/>
+          <a:p>
+            <a:fld id="{9E3F0C02-3C44-4FED-848D-5E6316263F3E}" type="slidenum">
+              <a:rPr lang="en-US" smtClean="0"/>
+              <a:pPr/>
+              <a:t>36</a:t>
             </a:fld>
-            <a:endParaRPr lang="en-US" sz="1200">
-              <a:solidFill>
-                <a:schemeClr val="tx2"/>
-              </a:solidFill>
-              <a:latin typeface="Tempus Sans ITC" charset="0"/>
-            </a:endParaRPr>
-          </a:p>
-        </p:txBody>
-      </p:sp>
-      <p:sp>
-        <p:nvSpPr>
-          <p:cNvPr id="59394" name="Rectangle 2"/>
+            <a:endParaRPr lang="en-US"/>
+          </a:p>
+        </p:txBody>
+      </p:sp>
+      <p:sp>
+        <p:nvSpPr>
+          <p:cNvPr id="38915" name="Rectangle 2"/>
           <p:cNvSpPr>
             <a:spLocks noGrp="1" noRot="1" noChangeAspect="1" noChangeArrowheads="1" noTextEdit="1"/>
           </p:cNvSpPr>
@@ -9162,12 +8638,16 @@
           </p:nvPr>
         </p:nvSpPr>
         <p:spPr>
-          <a:ln cap="flat"/>
+          <a:xfrm>
+            <a:off x="990600" y="768350"/>
+            <a:ext cx="5118100" cy="3838575"/>
+          </a:xfrm>
+          <a:ln/>
         </p:spPr>
       </p:sp>
       <p:sp>
         <p:nvSpPr>
-          <p:cNvPr id="59395" name="Rectangle 3"/>
+          <p:cNvPr id="38916" name="Rectangle 3"/>
           <p:cNvSpPr>
             <a:spLocks noGrp="1" noChangeArrowheads="1"/>
           </p:cNvSpPr>
@@ -9176,46 +8656,58 @@
           </p:nvPr>
         </p:nvSpPr>
         <p:spPr>
-          <a:xfrm>
-            <a:off x="949325" y="4864100"/>
-            <a:ext cx="5200650" cy="4600575"/>
-          </a:xfrm>
-          <a:solidFill>
-            <a:srgbClr val="FFFFFF"/>
-          </a:solidFill>
-          <a:ln w="12700" cap="flat">
-            <a:solidFill>
-              <a:srgbClr val="000000"/>
-            </a:solidFill>
-          </a:ln>
+          <a:noFill/>
+          <a:ln/>
         </p:spPr>
         <p:txBody>
           <a:bodyPr/>
           <a:lstStyle/>
           <a:p>
             <a:r>
-              <a:rPr lang="en-US">
-                <a:latin typeface="Times New Roman" charset="0"/>
-              </a:rPr>
-              <a:t>This is an example of a (simple) document collection that we will use in the following as running example.</a:t>
-            </a:r>
-          </a:p>
-          <a:p>
-            <a:endParaRPr lang="en-US">
-              <a:latin typeface="Times New Roman" charset="0"/>
+              <a:rPr lang="fr-CH" dirty="0">
+                <a:sym typeface="Symbol" pitchFamily="18" charset="2"/>
+              </a:rPr>
+              <a:t>After performing the SVD the</a:t>
+            </a:r>
+            <a:r>
+              <a:rPr lang="fr-CH" baseline="0" dirty="0">
+                <a:sym typeface="Symbol" pitchFamily="18" charset="2"/>
+              </a:rPr>
+              <a:t> similarity of different documents can be determined by computing the cosine similarity measure among their representation in the concept space (the columns of matrix </a:t>
+            </a:r>
+            <a:r>
+              <a:rPr lang="fr-CH" dirty="0"/>
+              <a:t>D</a:t>
+            </a:r>
+            <a:r>
+              <a:rPr lang="fr-CH" baseline="-25000" dirty="0"/>
+              <a:t>s</a:t>
+            </a:r>
+            <a:r>
+              <a:rPr lang="fr-CH" baseline="30000" dirty="0"/>
+              <a:t>t</a:t>
+            </a:r>
+            <a:r>
+              <a:rPr lang="fr-CH" baseline="0" dirty="0">
+                <a:sym typeface="Symbol" pitchFamily="18" charset="2"/>
+              </a:rPr>
+              <a:t>). Queries are considered like documents that are added to the document collection. Answering queries then corresponds then to computing the similarity between the query considered as a document and the documents in the collection.</a:t>
+            </a:r>
+          </a:p>
+          <a:p>
+            <a:endParaRPr lang="fr-CH" baseline="0" dirty="0">
+              <a:sym typeface="Symbol" pitchFamily="18" charset="2"/>
             </a:endParaRPr>
           </a:p>
           <a:p>
-            <a:endParaRPr lang="en-US">
-              <a:latin typeface="Times New Roman" charset="0"/>
-            </a:endParaRPr>
+            <a:endParaRPr lang="pt-BR" dirty="0"/>
           </a:p>
         </p:txBody>
       </p:sp>
     </p:spTree>
     <p:extLst>
       <p:ext uri="{BB962C8B-B14F-4D97-AF65-F5344CB8AC3E}">
-        <p14:creationId xmlns:p14="http://schemas.microsoft.com/office/powerpoint/2010/main" val="2260550578"/>
+        <p14:creationId xmlns:p14="http://schemas.microsoft.com/office/powerpoint/2010/main" val="2038220346"/>
       </p:ext>
     </p:extLst>
   </p:cSld>
@@ -9244,35 +8736,9 @@
       </p:grpSpPr>
       <p:sp>
         <p:nvSpPr>
-          <p:cNvPr id="39938" name="Rectangle 7"/>
+          <p:cNvPr id="2" name="Slide Image Placeholder 1"/>
           <p:cNvSpPr>
-            <a:spLocks noGrp="1" noChangeArrowheads="1"/>
-          </p:cNvSpPr>
-          <p:nvPr>
-            <p:ph type="sldNum" sz="quarter" idx="5"/>
-          </p:nvPr>
-        </p:nvSpPr>
-        <p:spPr>
-          <a:noFill/>
-        </p:spPr>
-        <p:txBody>
-          <a:bodyPr/>
-          <a:lstStyle/>
-          <a:p>
-            <a:fld id="{7D8E6171-7786-4663-8990-9E6DDFC63C37}" type="slidenum">
-              <a:rPr lang="en-US" smtClean="0"/>
-              <a:pPr/>
-              <a:t>40</a:t>
-            </a:fld>
-            <a:endParaRPr lang="en-US"/>
-          </a:p>
-        </p:txBody>
-      </p:sp>
-      <p:sp>
-        <p:nvSpPr>
-          <p:cNvPr id="39939" name="Rectangle 2"/>
-          <p:cNvSpPr>
-            <a:spLocks noGrp="1" noRot="1" noChangeAspect="1" noChangeArrowheads="1" noTextEdit="1"/>
+            <a:spLocks noGrp="1" noRot="1" noChangeAspect="1"/>
           </p:cNvSpPr>
           <p:nvPr>
             <p:ph type="sldImg"/>
@@ -9280,58 +8746,405 @@
         </p:nvSpPr>
         <p:spPr>
           <a:xfrm>
-            <a:off x="990600" y="768350"/>
-            <a:ext cx="5118100" cy="3838575"/>
+            <a:off x="992188" y="766763"/>
+            <a:ext cx="5119687" cy="3838575"/>
           </a:xfrm>
-          <a:ln/>
         </p:spPr>
       </p:sp>
       <p:sp>
         <p:nvSpPr>
-          <p:cNvPr id="39940" name="Rectangle 3"/>
+          <p:cNvPr id="3" name="Notes Placeholder 2"/>
           <p:cNvSpPr>
-            <a:spLocks noGrp="1" noChangeArrowheads="1"/>
+            <a:spLocks noGrp="1"/>
           </p:cNvSpPr>
           <p:nvPr>
             <p:ph type="body" idx="1"/>
           </p:nvPr>
         </p:nvSpPr>
-        <p:spPr>
-          <a:noFill/>
-          <a:ln/>
-        </p:spPr>
+        <p:spPr/>
         <p:txBody>
           <a:bodyPr/>
           <a:lstStyle/>
           <a:p>
             <a:r>
-              <a:rPr lang="fr-CH" dirty="0"/>
-              <a:t>In the following</a:t>
-            </a:r>
-            <a:r>
-              <a:rPr lang="fr-CH" baseline="0" dirty="0"/>
+              <a:rPr lang="en-GB" baseline="0" noProof="0" dirty="0">
+                <a:sym typeface="Symbol" pitchFamily="18" charset="2"/>
+              </a:rPr>
+              <a:t>This construction works as follows: when a new column (the query) is added to M, we have to apply the same transformation to this new column, as to the other columns of M, in order to produce the corresponding column in the matrix </a:t>
+            </a:r>
+            <a:r>
+              <a:rPr lang="en-GB" noProof="0" dirty="0" err="1"/>
+              <a:t>D</a:t>
+            </a:r>
+            <a:r>
+              <a:rPr lang="en-GB" baseline="-25000" noProof="0" dirty="0" err="1"/>
+              <a:t>s</a:t>
+            </a:r>
+            <a:r>
+              <a:rPr lang="en-GB" baseline="30000" noProof="0" dirty="0" err="1"/>
+              <a:t>t</a:t>
+            </a:r>
+            <a:r>
+              <a:rPr lang="en-GB" baseline="0" noProof="0" dirty="0">
+                <a:sym typeface="Symbol" pitchFamily="18" charset="2"/>
+              </a:rPr>
+              <a:t>, representing documents in the concept space. </a:t>
+            </a:r>
+            <a:r>
+              <a:rPr lang="en-GB" noProof="0" dirty="0">
+                <a:sym typeface="Symbol" pitchFamily="18" charset="2"/>
+              </a:rPr>
+              <a:t>We exploit</a:t>
+            </a:r>
+            <a:r>
+              <a:rPr lang="en-GB" baseline="0" noProof="0" dirty="0">
+                <a:sym typeface="Symbol" pitchFamily="18" charset="2"/>
+              </a:rPr>
               <a:t> </a:t>
             </a:r>
             <a:r>
-              <a:rPr lang="fr-CH" dirty="0"/>
-              <a:t>we give a complete</a:t>
-            </a:r>
-            <a:r>
-              <a:rPr lang="fr-CH" baseline="0" dirty="0"/>
-              <a:t> illustration of computing LSI for our running example. This is </a:t>
-            </a:r>
-            <a:r>
-              <a:rPr lang="fr-CH" dirty="0"/>
-              <a:t>SVD for Term-Document Matrix from our running example.</a:t>
-            </a:r>
-            <a:endParaRPr lang="en-GB" dirty="0"/>
+              <a:rPr lang="en-GB" noProof="0" dirty="0">
+                <a:sym typeface="Symbol" pitchFamily="18" charset="2"/>
+              </a:rPr>
+              <a:t>the fact that </a:t>
+            </a:r>
+            <a:r>
+              <a:rPr lang="en-GB" noProof="0" dirty="0"/>
+              <a:t> K</a:t>
+            </a:r>
+            <a:r>
+              <a:rPr lang="en-GB" baseline="-25000" noProof="0" dirty="0"/>
+              <a:t>s </a:t>
+            </a:r>
+            <a:r>
+              <a:rPr lang="en-GB" baseline="30000" noProof="0" dirty="0" err="1"/>
+              <a:t>t</a:t>
+            </a:r>
+            <a:r>
+              <a:rPr lang="en-GB" noProof="0" dirty="0" err="1"/>
+              <a:t>.K</a:t>
+            </a:r>
+            <a:r>
+              <a:rPr lang="en-GB" baseline="-25000" noProof="0" dirty="0" err="1"/>
+              <a:t>s</a:t>
+            </a:r>
+            <a:r>
+              <a:rPr lang="en-GB" baseline="-25000" noProof="0" dirty="0"/>
+              <a:t> </a:t>
+            </a:r>
+            <a:r>
+              <a:rPr lang="en-GB" noProof="0" dirty="0"/>
+              <a:t>=1.</a:t>
+            </a:r>
+            <a:endParaRPr lang="en-GB" noProof="0" dirty="0">
+              <a:sym typeface="Symbol" pitchFamily="18" charset="2"/>
+            </a:endParaRPr>
+          </a:p>
+          <a:p>
+            <a:r>
+              <a:rPr lang="en-GB" noProof="0" dirty="0"/>
+              <a:t>Since M</a:t>
+            </a:r>
+            <a:r>
+              <a:rPr lang="en-GB" baseline="-25000" noProof="0" dirty="0"/>
+              <a:t>s</a:t>
+            </a:r>
+            <a:r>
+              <a:rPr lang="en-GB" noProof="0" dirty="0"/>
+              <a:t> = K</a:t>
+            </a:r>
+            <a:r>
+              <a:rPr lang="en-GB" baseline="-25000" noProof="0" dirty="0"/>
+              <a:t>s</a:t>
+            </a:r>
+            <a:r>
+              <a:rPr lang="en-GB" noProof="0" dirty="0"/>
+              <a:t> .</a:t>
+            </a:r>
+            <a:r>
+              <a:rPr lang="en-GB" noProof="0" dirty="0" err="1"/>
+              <a:t>S</a:t>
+            </a:r>
+            <a:r>
+              <a:rPr lang="en-GB" baseline="-25000" noProof="0" dirty="0" err="1"/>
+              <a:t>s</a:t>
+            </a:r>
+            <a:r>
+              <a:rPr lang="en-GB" noProof="0" dirty="0"/>
+              <a:t> .</a:t>
+            </a:r>
+            <a:r>
+              <a:rPr lang="en-GB" noProof="0" dirty="0" err="1"/>
+              <a:t>D</a:t>
+            </a:r>
+            <a:r>
+              <a:rPr lang="en-GB" baseline="-25000" noProof="0" dirty="0" err="1"/>
+              <a:t>s</a:t>
+            </a:r>
+            <a:r>
+              <a:rPr lang="en-GB" baseline="30000" noProof="0" dirty="0" err="1"/>
+              <a:t>t</a:t>
+            </a:r>
+            <a:r>
+              <a:rPr lang="en-GB" baseline="30000" noProof="0" dirty="0"/>
+              <a:t> </a:t>
+            </a:r>
+            <a:r>
+              <a:rPr lang="en-GB" noProof="0" dirty="0"/>
+              <a:t>we obtain </a:t>
+            </a:r>
+            <a:r>
+              <a:rPr lang="en-GB" noProof="0" dirty="0" err="1"/>
+              <a:t>S</a:t>
+            </a:r>
+            <a:r>
+              <a:rPr lang="en-GB" baseline="-25000" noProof="0" dirty="0" err="1"/>
+              <a:t>s</a:t>
+            </a:r>
+            <a:r>
+              <a:rPr lang="en-GB" noProof="0" dirty="0"/>
+              <a:t> </a:t>
+            </a:r>
+            <a:r>
+              <a:rPr lang="en-GB" baseline="30000" noProof="0" dirty="0"/>
+              <a:t>–1 </a:t>
+            </a:r>
+            <a:r>
+              <a:rPr lang="en-GB" noProof="0" dirty="0">
+                <a:sym typeface="Symbol" pitchFamily="18" charset="2"/>
+              </a:rPr>
+              <a:t>.</a:t>
+            </a:r>
+            <a:r>
+              <a:rPr lang="en-GB" noProof="0" dirty="0"/>
+              <a:t>K</a:t>
+            </a:r>
+            <a:r>
+              <a:rPr lang="en-GB" baseline="-25000" noProof="0" dirty="0"/>
+              <a:t>s </a:t>
+            </a:r>
+            <a:r>
+              <a:rPr lang="en-GB" baseline="30000" noProof="0" dirty="0"/>
+              <a:t>t </a:t>
+            </a:r>
+            <a:r>
+              <a:rPr lang="en-GB" noProof="0" dirty="0"/>
+              <a:t>.M</a:t>
+            </a:r>
+            <a:r>
+              <a:rPr lang="en-GB" baseline="-25000" noProof="0" dirty="0"/>
+              <a:t>s</a:t>
+            </a:r>
+            <a:r>
+              <a:rPr lang="en-GB" noProof="0" dirty="0">
+                <a:sym typeface="Symbol" pitchFamily="18" charset="2"/>
+              </a:rPr>
+              <a:t> </a:t>
+            </a:r>
+            <a:r>
+              <a:rPr lang="en-GB" noProof="0" dirty="0"/>
+              <a:t>= </a:t>
+            </a:r>
+            <a:r>
+              <a:rPr lang="en-GB" noProof="0" dirty="0" err="1"/>
+              <a:t>D</a:t>
+            </a:r>
+            <a:r>
+              <a:rPr lang="en-GB" baseline="-25000" noProof="0" dirty="0" err="1"/>
+              <a:t>s</a:t>
+            </a:r>
+            <a:r>
+              <a:rPr lang="en-GB" baseline="30000" noProof="0" dirty="0" err="1"/>
+              <a:t>t</a:t>
+            </a:r>
+            <a:r>
+              <a:rPr lang="en-GB" baseline="30000" noProof="0" dirty="0"/>
+              <a:t>  </a:t>
+            </a:r>
+            <a:r>
+              <a:rPr lang="en-GB" noProof="0" dirty="0"/>
+              <a:t>or D</a:t>
+            </a:r>
+            <a:r>
+              <a:rPr lang="en-GB" baseline="-25000" noProof="0" dirty="0"/>
+              <a:t>s</a:t>
+            </a:r>
+            <a:r>
+              <a:rPr lang="en-GB" noProof="0" dirty="0"/>
+              <a:t>= M</a:t>
+            </a:r>
+            <a:r>
+              <a:rPr lang="en-GB" baseline="-25000" noProof="0" dirty="0"/>
+              <a:t>s </a:t>
+            </a:r>
+            <a:r>
+              <a:rPr lang="en-GB" baseline="30000" noProof="0" dirty="0"/>
+              <a:t>t </a:t>
+            </a:r>
+            <a:r>
+              <a:rPr lang="en-GB" noProof="0" dirty="0"/>
+              <a:t>.K</a:t>
+            </a:r>
+            <a:r>
+              <a:rPr lang="en-GB" baseline="-25000" noProof="0" dirty="0"/>
+              <a:t>s </a:t>
+            </a:r>
+            <a:r>
+              <a:rPr lang="en-GB" noProof="0" dirty="0"/>
+              <a:t>.</a:t>
+            </a:r>
+            <a:r>
+              <a:rPr lang="en-GB" noProof="0" dirty="0" err="1"/>
+              <a:t>S</a:t>
+            </a:r>
+            <a:r>
+              <a:rPr lang="en-GB" baseline="-25000" noProof="0" dirty="0" err="1"/>
+              <a:t>s</a:t>
+            </a:r>
+            <a:r>
+              <a:rPr lang="en-GB" noProof="0" dirty="0"/>
+              <a:t> </a:t>
+            </a:r>
+            <a:r>
+              <a:rPr lang="en-GB" baseline="30000" noProof="0" dirty="0"/>
+              <a:t>–1 .</a:t>
+            </a:r>
+          </a:p>
+          <a:p>
+            <a:r>
+              <a:rPr lang="en-GB" noProof="0" dirty="0"/>
+              <a:t>This is the transformation that is applied to the query vector q to obtain a</a:t>
+            </a:r>
+            <a:r>
+              <a:rPr lang="en-GB" baseline="0" noProof="0" dirty="0"/>
+              <a:t> query vector </a:t>
+            </a:r>
+            <a:r>
+              <a:rPr lang="en-GB" noProof="0" dirty="0"/>
+              <a:t>q* in the concept space. After that step, the similarity of</a:t>
+            </a:r>
+            <a:r>
+              <a:rPr lang="en-GB" baseline="0" noProof="0" dirty="0"/>
+              <a:t> the query to the documents in the concept space can be computed. (</a:t>
+            </a:r>
+            <a:r>
+              <a:rPr lang="en-GB" noProof="0" dirty="0">
+                <a:sym typeface="Symbol" pitchFamily="18" charset="2"/>
+              </a:rPr>
+              <a:t>(</a:t>
+            </a:r>
+            <a:r>
+              <a:rPr lang="en-GB" noProof="0" dirty="0" err="1">
+                <a:sym typeface="Symbol" pitchFamily="18" charset="2"/>
+              </a:rPr>
+              <a:t>D</a:t>
+            </a:r>
+            <a:r>
+              <a:rPr lang="en-GB" baseline="-25000" noProof="0" dirty="0" err="1">
+                <a:sym typeface="Symbol" pitchFamily="18" charset="2"/>
+              </a:rPr>
+              <a:t>s</a:t>
+            </a:r>
+            <a:r>
+              <a:rPr lang="en-GB" baseline="30000" noProof="0" dirty="0" err="1">
+                <a:sym typeface="Symbol" pitchFamily="18" charset="2"/>
+              </a:rPr>
+              <a:t>t</a:t>
+            </a:r>
+            <a:r>
+              <a:rPr lang="en-GB" noProof="0" dirty="0">
+                <a:sym typeface="Symbol" pitchFamily="18" charset="2"/>
+              </a:rPr>
+              <a:t>)</a:t>
+            </a:r>
+            <a:r>
+              <a:rPr lang="en-GB" baseline="-25000" noProof="0" dirty="0" err="1">
+                <a:sym typeface="Symbol" pitchFamily="18" charset="2"/>
+              </a:rPr>
+              <a:t>i</a:t>
+            </a:r>
+            <a:r>
+              <a:rPr lang="en-GB" baseline="-25000" noProof="0" dirty="0">
+                <a:sym typeface="Symbol" pitchFamily="18" charset="2"/>
+              </a:rPr>
+              <a:t> </a:t>
+            </a:r>
+            <a:r>
+              <a:rPr lang="en-GB" noProof="0" dirty="0">
+                <a:sym typeface="Symbol" pitchFamily="18" charset="2"/>
+              </a:rPr>
+              <a:t>denotes the </a:t>
+            </a:r>
+            <a:r>
+              <a:rPr lang="en-GB" noProof="0" dirty="0" err="1">
+                <a:sym typeface="Symbol" pitchFamily="18" charset="2"/>
+              </a:rPr>
+              <a:t>i-th</a:t>
+            </a:r>
+            <a:r>
+              <a:rPr lang="en-GB" noProof="0" dirty="0">
+                <a:sym typeface="Symbol" pitchFamily="18" charset="2"/>
+              </a:rPr>
+              <a:t> column of matrix </a:t>
+            </a:r>
+            <a:r>
+              <a:rPr lang="en-GB" noProof="0" dirty="0" err="1">
+                <a:sym typeface="Symbol" pitchFamily="18" charset="2"/>
+              </a:rPr>
+              <a:t>D</a:t>
+            </a:r>
+            <a:r>
+              <a:rPr lang="en-GB" baseline="-25000" noProof="0" dirty="0" err="1">
+                <a:sym typeface="Symbol" pitchFamily="18" charset="2"/>
+              </a:rPr>
+              <a:t>s</a:t>
+            </a:r>
+            <a:r>
+              <a:rPr lang="en-GB" baseline="30000" noProof="0" dirty="0" err="1">
+                <a:sym typeface="Symbol" pitchFamily="18" charset="2"/>
+              </a:rPr>
+              <a:t>t</a:t>
+            </a:r>
+            <a:r>
+              <a:rPr lang="en-GB" baseline="0" noProof="0" dirty="0">
+                <a:sym typeface="Symbol" pitchFamily="18" charset="2"/>
+              </a:rPr>
+              <a:t>)</a:t>
+            </a:r>
+          </a:p>
+          <a:p>
+            <a:endParaRPr lang="en-GB" noProof="0" dirty="0"/>
+          </a:p>
+        </p:txBody>
+      </p:sp>
+      <p:sp>
+        <p:nvSpPr>
+          <p:cNvPr id="4" name="Slide Number Placeholder 3"/>
+          <p:cNvSpPr>
+            <a:spLocks noGrp="1"/>
+          </p:cNvSpPr>
+          <p:nvPr>
+            <p:ph type="sldNum" sz="quarter" idx="10"/>
+          </p:nvPr>
+        </p:nvSpPr>
+        <p:spPr/>
+        <p:txBody>
+          <a:bodyPr/>
+          <a:lstStyle/>
+          <a:p>
+            <a:fld id="{E6C47E0B-2958-48CC-BA4E-C350203CF107}" type="slidenum">
+              <a:rPr lang="en-US" smtClean="0"/>
+              <a:pPr/>
+              <a:t>37</a:t>
+            </a:fld>
+            <a:endParaRPr lang="en-US"/>
           </a:p>
         </p:txBody>
       </p:sp>
     </p:spTree>
     <p:extLst>
       <p:ext uri="{BB962C8B-B14F-4D97-AF65-F5344CB8AC3E}">
-        <p14:creationId xmlns:p14="http://schemas.microsoft.com/office/powerpoint/2010/main" val="3495816582"/>
+        <p14:creationId xmlns:p14="http://schemas.microsoft.com/office/powerpoint/2010/main" val="1743736804"/>
       </p:ext>
     </p:extLst>
   </p:cSld>
@@ -9360,7 +9173,7 @@
       </p:grpSpPr>
       <p:sp>
         <p:nvSpPr>
-          <p:cNvPr id="40962" name="Rectangle 7"/>
+          <p:cNvPr id="37890" name="Rectangle 7"/>
           <p:cNvSpPr>
             <a:spLocks noGrp="1" noChangeArrowheads="1"/>
           </p:cNvSpPr>
@@ -9375,10 +9188,10 @@
           <a:bodyPr/>
           <a:lstStyle/>
           <a:p>
-            <a:fld id="{F91057D1-1A78-4EC2-B21C-4C47DBE5402A}" type="slidenum">
+            <a:fld id="{4C1ACD13-C303-4757-8827-4BF7D6ED1561}" type="slidenum">
               <a:rPr lang="en-US" smtClean="0"/>
               <a:pPr/>
-              <a:t>41</a:t>
+              <a:t>38</a:t>
             </a:fld>
             <a:endParaRPr lang="en-US"/>
           </a:p>
@@ -9386,7 +9199,7 @@
       </p:sp>
       <p:sp>
         <p:nvSpPr>
-          <p:cNvPr id="40963" name="Rectangle 2"/>
+          <p:cNvPr id="37891" name="Rectangle 2"/>
           <p:cNvSpPr>
             <a:spLocks noGrp="1" noRot="1" noChangeAspect="1" noChangeArrowheads="1" noTextEdit="1"/>
           </p:cNvSpPr>
@@ -9396,15 +9209,15 @@
         </p:nvSpPr>
         <p:spPr>
           <a:xfrm>
-            <a:off x="1050925" y="792163"/>
-            <a:ext cx="5056188" cy="3792537"/>
+            <a:off x="990600" y="768350"/>
+            <a:ext cx="5118100" cy="3838575"/>
           </a:xfrm>
           <a:ln/>
         </p:spPr>
       </p:sp>
       <p:sp>
         <p:nvSpPr>
-          <p:cNvPr id="40964" name="Rectangle 3"/>
+          <p:cNvPr id="37892" name="Rectangle 3"/>
           <p:cNvSpPr>
             <a:spLocks noGrp="1" noChangeArrowheads="1"/>
           </p:cNvSpPr>
@@ -9413,10 +9226,6 @@
           </p:nvPr>
         </p:nvSpPr>
         <p:spPr>
-          <a:xfrm>
-            <a:off x="977900" y="4900613"/>
-            <a:ext cx="5208588" cy="4581525"/>
-          </a:xfrm>
           <a:noFill/>
           <a:ln/>
         </p:spPr>
@@ -9425,16 +9234,21 @@
           <a:lstStyle/>
           <a:p>
             <a:r>
-              <a:rPr lang="en-GB" noProof="0" dirty="0"/>
-              <a:t>In this step we compute the query vector in the concept space.</a:t>
-            </a:r>
+              <a:rPr lang="en-GB" dirty="0"/>
+              <a:t>This figure illustrates of how a query vector is treated like an additional document</a:t>
+            </a:r>
+            <a:r>
+              <a:rPr lang="en-GB" baseline="0" dirty="0"/>
+              <a:t> vector.</a:t>
+            </a:r>
+            <a:endParaRPr lang="en-GB" dirty="0"/>
           </a:p>
         </p:txBody>
       </p:sp>
     </p:spTree>
     <p:extLst>
       <p:ext uri="{BB962C8B-B14F-4D97-AF65-F5344CB8AC3E}">
-        <p14:creationId xmlns:p14="http://schemas.microsoft.com/office/powerpoint/2010/main" val="148067032"/>
+        <p14:creationId xmlns:p14="http://schemas.microsoft.com/office/powerpoint/2010/main" val="3264259379"/>
       </p:ext>
     </p:extLst>
   </p:cSld>
@@ -9463,7 +9277,7 @@
       </p:grpSpPr>
       <p:sp>
         <p:nvSpPr>
-          <p:cNvPr id="41986" name="Rectangle 7"/>
+          <p:cNvPr id="59393" name="Rectangle 7"/>
           <p:cNvSpPr>
             <a:spLocks noGrp="1" noChangeArrowheads="1"/>
           </p:cNvSpPr>
@@ -9473,23 +9287,161 @@
         </p:nvSpPr>
         <p:spPr>
           <a:noFill/>
+          <a:ln/>
+          <a:extLst>
+            <a:ext uri="{909E8E84-426E-40dd-AFC4-6F175D3DCCD1}">
+              <a14:hiddenFill xmlns="" xmlns:a14="http://schemas.microsoft.com/office/drawing/2010/main">
+                <a:solidFill>
+                  <a:srgbClr val="FFFFFF"/>
+                </a:solidFill>
+              </a14:hiddenFill>
+            </a:ext>
+            <a:ext uri="{91240B29-F687-4f45-9708-019B960494DF}">
+              <a14:hiddenLine xmlns="" xmlns:a14="http://schemas.microsoft.com/office/drawing/2010/main" w="9525">
+                <a:solidFill>
+                  <a:srgbClr val="000000"/>
+                </a:solidFill>
+                <a:miter lim="800000"/>
+                <a:headEnd/>
+                <a:tailEnd/>
+              </a14:hiddenLine>
+            </a:ext>
+          </a:extLst>
         </p:spPr>
         <p:txBody>
           <a:bodyPr/>
-          <a:lstStyle/>
-          <a:p>
-            <a:fld id="{9D88633B-7B5E-4A66-AE71-9E74862D36D0}" type="slidenum">
-              <a:rPr lang="en-US" smtClean="0"/>
-              <a:pPr/>
-              <a:t>42</a:t>
+          <a:lstStyle>
+            <a:lvl1pPr defTabSz="952500" eaLnBrk="0" hangingPunct="0">
+              <a:defRPr sz="2400">
+                <a:solidFill>
+                  <a:schemeClr val="tx1"/>
+                </a:solidFill>
+                <a:latin typeface="Comic Sans MS" charset="0"/>
+                <a:ea typeface="ＭＳ Ｐゴシック" charset="0"/>
+                <a:cs typeface="ＭＳ Ｐゴシック" charset="0"/>
+              </a:defRPr>
+            </a:lvl1pPr>
+            <a:lvl2pPr marL="742950" indent="-285750" defTabSz="952500" eaLnBrk="0" hangingPunct="0">
+              <a:defRPr sz="2400">
+                <a:solidFill>
+                  <a:schemeClr val="tx1"/>
+                </a:solidFill>
+                <a:latin typeface="Comic Sans MS" charset="0"/>
+                <a:ea typeface="ＭＳ Ｐゴシック" charset="0"/>
+              </a:defRPr>
+            </a:lvl2pPr>
+            <a:lvl3pPr marL="1143000" indent="-228600" defTabSz="952500" eaLnBrk="0" hangingPunct="0">
+              <a:defRPr sz="2400">
+                <a:solidFill>
+                  <a:schemeClr val="tx1"/>
+                </a:solidFill>
+                <a:latin typeface="Comic Sans MS" charset="0"/>
+                <a:ea typeface="ＭＳ Ｐゴシック" charset="0"/>
+              </a:defRPr>
+            </a:lvl3pPr>
+            <a:lvl4pPr marL="1600200" indent="-228600" defTabSz="952500" eaLnBrk="0" hangingPunct="0">
+              <a:defRPr sz="2400">
+                <a:solidFill>
+                  <a:schemeClr val="tx1"/>
+                </a:solidFill>
+                <a:latin typeface="Comic Sans MS" charset="0"/>
+                <a:ea typeface="ＭＳ Ｐゴシック" charset="0"/>
+              </a:defRPr>
+            </a:lvl4pPr>
+            <a:lvl5pPr marL="2057400" indent="-228600" defTabSz="952500" eaLnBrk="0" hangingPunct="0">
+              <a:defRPr sz="2400">
+                <a:solidFill>
+                  <a:schemeClr val="tx1"/>
+                </a:solidFill>
+                <a:latin typeface="Comic Sans MS" charset="0"/>
+                <a:ea typeface="ＭＳ Ｐゴシック" charset="0"/>
+              </a:defRPr>
+            </a:lvl5pPr>
+            <a:lvl6pPr marL="2514600" indent="-228600" defTabSz="952500" eaLnBrk="0" fontAlgn="base" hangingPunct="0">
+              <a:spcBef>
+                <a:spcPct val="0"/>
+              </a:spcBef>
+              <a:spcAft>
+                <a:spcPct val="0"/>
+              </a:spcAft>
+              <a:defRPr sz="2400">
+                <a:solidFill>
+                  <a:schemeClr val="tx1"/>
+                </a:solidFill>
+                <a:latin typeface="Comic Sans MS" charset="0"/>
+                <a:ea typeface="ＭＳ Ｐゴシック" charset="0"/>
+              </a:defRPr>
+            </a:lvl6pPr>
+            <a:lvl7pPr marL="2971800" indent="-228600" defTabSz="952500" eaLnBrk="0" fontAlgn="base" hangingPunct="0">
+              <a:spcBef>
+                <a:spcPct val="0"/>
+              </a:spcBef>
+              <a:spcAft>
+                <a:spcPct val="0"/>
+              </a:spcAft>
+              <a:defRPr sz="2400">
+                <a:solidFill>
+                  <a:schemeClr val="tx1"/>
+                </a:solidFill>
+                <a:latin typeface="Comic Sans MS" charset="0"/>
+                <a:ea typeface="ＭＳ Ｐゴシック" charset="0"/>
+              </a:defRPr>
+            </a:lvl7pPr>
+            <a:lvl8pPr marL="3429000" indent="-228600" defTabSz="952500" eaLnBrk="0" fontAlgn="base" hangingPunct="0">
+              <a:spcBef>
+                <a:spcPct val="0"/>
+              </a:spcBef>
+              <a:spcAft>
+                <a:spcPct val="0"/>
+              </a:spcAft>
+              <a:defRPr sz="2400">
+                <a:solidFill>
+                  <a:schemeClr val="tx1"/>
+                </a:solidFill>
+                <a:latin typeface="Comic Sans MS" charset="0"/>
+                <a:ea typeface="ＭＳ Ｐゴシック" charset="0"/>
+              </a:defRPr>
+            </a:lvl8pPr>
+            <a:lvl9pPr marL="3886200" indent="-228600" defTabSz="952500" eaLnBrk="0" fontAlgn="base" hangingPunct="0">
+              <a:spcBef>
+                <a:spcPct val="0"/>
+              </a:spcBef>
+              <a:spcAft>
+                <a:spcPct val="0"/>
+              </a:spcAft>
+              <a:defRPr sz="2400">
+                <a:solidFill>
+                  <a:schemeClr val="tx1"/>
+                </a:solidFill>
+                <a:latin typeface="Comic Sans MS" charset="0"/>
+                <a:ea typeface="ＭＳ Ｐゴシック" charset="0"/>
+              </a:defRPr>
+            </a:lvl9pPr>
+          </a:lstStyle>
+          <a:p>
+            <a:pPr eaLnBrk="1" hangingPunct="1"/>
+            <a:fld id="{5AC3DEC9-1934-AB49-B46E-BA13E1BE593C}" type="slidenum">
+              <a:rPr lang="en-US" sz="1200">
+                <a:solidFill>
+                  <a:schemeClr val="tx2"/>
+                </a:solidFill>
+                <a:latin typeface="Tempus Sans ITC" charset="0"/>
+              </a:rPr>
+              <a:pPr eaLnBrk="1" hangingPunct="1"/>
+              <a:t>39</a:t>
             </a:fld>
-            <a:endParaRPr lang="en-US"/>
-          </a:p>
-        </p:txBody>
-      </p:sp>
-      <p:sp>
-        <p:nvSpPr>
-          <p:cNvPr id="41987" name="Rectangle 2"/>
+            <a:endParaRPr lang="en-US" sz="1200">
+              <a:solidFill>
+                <a:schemeClr val="tx2"/>
+              </a:solidFill>
+              <a:latin typeface="Tempus Sans ITC" charset="0"/>
+            </a:endParaRPr>
+          </a:p>
+        </p:txBody>
+      </p:sp>
+      <p:sp>
+        <p:nvSpPr>
+          <p:cNvPr id="59394" name="Rectangle 2"/>
           <p:cNvSpPr>
             <a:spLocks noGrp="1" noRot="1" noChangeAspect="1" noChangeArrowheads="1" noTextEdit="1"/>
           </p:cNvSpPr>
@@ -9498,16 +9450,12 @@
           </p:nvPr>
         </p:nvSpPr>
         <p:spPr>
-          <a:xfrm>
-            <a:off x="990600" y="768350"/>
-            <a:ext cx="5118100" cy="3838575"/>
-          </a:xfrm>
-          <a:ln/>
+          <a:ln cap="flat"/>
         </p:spPr>
       </p:sp>
       <p:sp>
         <p:nvSpPr>
-          <p:cNvPr id="41988" name="Rectangle 3"/>
+          <p:cNvPr id="59395" name="Rectangle 3"/>
           <p:cNvSpPr>
             <a:spLocks noGrp="1" noChangeArrowheads="1"/>
           </p:cNvSpPr>
@@ -9516,25 +9464,46 @@
           </p:nvPr>
         </p:nvSpPr>
         <p:spPr>
-          <a:noFill/>
-          <a:ln/>
+          <a:xfrm>
+            <a:off x="949325" y="4864100"/>
+            <a:ext cx="5200650" cy="4600575"/>
+          </a:xfrm>
+          <a:solidFill>
+            <a:srgbClr val="FFFFFF"/>
+          </a:solidFill>
+          <a:ln w="12700" cap="flat">
+            <a:solidFill>
+              <a:srgbClr val="000000"/>
+            </a:solidFill>
+          </a:ln>
         </p:spPr>
         <p:txBody>
           <a:bodyPr/>
           <a:lstStyle/>
           <a:p>
             <a:r>
-              <a:rPr lang="fr-CH"/>
-              <a:t>This is the ranking produced for the query for different values of s.</a:t>
-            </a:r>
-            <a:endParaRPr lang="en-GB"/>
+              <a:rPr lang="en-US">
+                <a:latin typeface="Times New Roman" charset="0"/>
+              </a:rPr>
+              <a:t>This is an example of a (simple) document collection that we will use in the following as running example.</a:t>
+            </a:r>
+          </a:p>
+          <a:p>
+            <a:endParaRPr lang="en-US">
+              <a:latin typeface="Times New Roman" charset="0"/>
+            </a:endParaRPr>
+          </a:p>
+          <a:p>
+            <a:endParaRPr lang="en-US">
+              <a:latin typeface="Times New Roman" charset="0"/>
+            </a:endParaRPr>
           </a:p>
         </p:txBody>
       </p:sp>
     </p:spTree>
     <p:extLst>
       <p:ext uri="{BB962C8B-B14F-4D97-AF65-F5344CB8AC3E}">
-        <p14:creationId xmlns:p14="http://schemas.microsoft.com/office/powerpoint/2010/main" val="2896558182"/>
+        <p14:creationId xmlns:p14="http://schemas.microsoft.com/office/powerpoint/2010/main" val="2260550578"/>
       </p:ext>
     </p:extLst>
   </p:cSld>
@@ -9590,11 +9559,28 @@
           <a:p>
             <a:r>
               <a:rPr lang="en-US" dirty="0"/>
-              <a:t>In the simplest case a language</a:t>
+              <a:t>The notion of query likelihood gives now rise to the following approach to model relevance. We assume that documents are the result of language model.</a:t>
             </a:r>
             <a:r>
               <a:rPr lang="en-US" baseline="0" dirty="0"/>
-              <a:t> model is a deterministic automaton. In theoretical computer science deterministic automatons are those that can recognize or produce regular languages.</a:t>
+              <a:t> A language model is a (in general probabilistic) process that produces text, and a given document d is assumed to be produced by its specific language model M</a:t>
+            </a:r>
+            <a:r>
+              <a:rPr lang="en-US" baseline="-25000" dirty="0"/>
+              <a:t>d</a:t>
+            </a:r>
+            <a:r>
+              <a:rPr lang="en-US" baseline="0" dirty="0"/>
+              <a:t>. Then the problem of retrieval can be viewed in the following way: if a query is relevant to a document, it should have been produced by the same language model as the document. Using this argument, the query likelihood corresponds to the probability that the query has been produced by the same language model as the document.</a:t>
+            </a:r>
+          </a:p>
+          <a:p>
+            <a:endParaRPr lang="en-US" baseline="0" dirty="0"/>
+          </a:p>
+          <a:p>
+            <a:r>
+              <a:rPr lang="en-US" baseline="0" dirty="0"/>
+              <a:t>Let’s have now a more detailed look in what a language model is and how we use it implement this intuitive model practically.</a:t>
             </a:r>
             <a:endParaRPr lang="en-US" dirty="0"/>
           </a:p>
@@ -9623,7 +9609,7 @@
               <a:pPr>
                 <a:defRPr/>
               </a:pPr>
-              <a:t>5</a:t>
+              <a:t>4</a:t>
             </a:fld>
             <a:endParaRPr lang="en-US"/>
           </a:p>
@@ -9632,7 +9618,7 @@
     </p:spTree>
     <p:extLst>
       <p:ext uri="{BB962C8B-B14F-4D97-AF65-F5344CB8AC3E}">
-        <p14:creationId xmlns:p14="http://schemas.microsoft.com/office/powerpoint/2010/main" val="2848480810"/>
+        <p14:creationId xmlns:p14="http://schemas.microsoft.com/office/powerpoint/2010/main" val="2418323714"/>
       </p:ext>
     </p:extLst>
   </p:cSld>
@@ -9661,7 +9647,7 @@
       </p:grpSpPr>
       <p:sp>
         <p:nvSpPr>
-          <p:cNvPr id="43010" name="Rectangle 7"/>
+          <p:cNvPr id="39938" name="Rectangle 7"/>
           <p:cNvSpPr>
             <a:spLocks noGrp="1" noChangeArrowheads="1"/>
           </p:cNvSpPr>
@@ -9676,10 +9662,10 @@
           <a:bodyPr/>
           <a:lstStyle/>
           <a:p>
-            <a:fld id="{98436B5C-CF4B-4C50-9B7B-7B1CB342B050}" type="slidenum">
+            <a:fld id="{7D8E6171-7786-4663-8990-9E6DDFC63C37}" type="slidenum">
               <a:rPr lang="en-US" smtClean="0"/>
               <a:pPr/>
-              <a:t>43</a:t>
+              <a:t>40</a:t>
             </a:fld>
             <a:endParaRPr lang="en-US"/>
           </a:p>
@@ -9687,7 +9673,7 @@
       </p:sp>
       <p:sp>
         <p:nvSpPr>
-          <p:cNvPr id="43011" name="Rectangle 2"/>
+          <p:cNvPr id="39939" name="Rectangle 2"/>
           <p:cNvSpPr>
             <a:spLocks noGrp="1" noRot="1" noChangeAspect="1" noChangeArrowheads="1" noTextEdit="1"/>
           </p:cNvSpPr>
@@ -9705,7 +9691,7 @@
       </p:sp>
       <p:sp>
         <p:nvSpPr>
-          <p:cNvPr id="43012" name="Rectangle 3"/>
+          <p:cNvPr id="39940" name="Rectangle 3"/>
           <p:cNvSpPr>
             <a:spLocks noGrp="1" noChangeArrowheads="1"/>
           </p:cNvSpPr>
@@ -9723,15 +9709,23 @@
           <a:p>
             <a:r>
               <a:rPr lang="fr-CH" dirty="0"/>
-              <a:t>Since in our example the concept space has two dimensions, we can plot both the documents and the terms in this 2-dimensional space. It is interesting to observe of how semantically "close" terms and documents cluster in the same regions. This illustrates very well the power of latent semantic indexing in revealing the « essential</a:t>
+              <a:t>In the following</a:t>
             </a:r>
             <a:r>
               <a:rPr lang="fr-CH" baseline="0" dirty="0"/>
-              <a:t> concepts » </a:t>
+              <a:t> </a:t>
             </a:r>
             <a:r>
               <a:rPr lang="fr-CH" dirty="0"/>
-              <a:t>in document collections.</a:t>
+              <a:t>we give a complete</a:t>
+            </a:r>
+            <a:r>
+              <a:rPr lang="fr-CH" baseline="0" dirty="0"/>
+              <a:t> illustration of computing LSI for our running example. This is </a:t>
+            </a:r>
+            <a:r>
+              <a:rPr lang="fr-CH" dirty="0"/>
+              <a:t>SVD for Term-Document Matrix from our running example.</a:t>
             </a:r>
             <a:endParaRPr lang="en-GB" dirty="0"/>
           </a:p>
@@ -9740,7 +9734,7 @@
     </p:spTree>
     <p:extLst>
       <p:ext uri="{BB962C8B-B14F-4D97-AF65-F5344CB8AC3E}">
-        <p14:creationId xmlns:p14="http://schemas.microsoft.com/office/powerpoint/2010/main" val="2858492411"/>
+        <p14:creationId xmlns:p14="http://schemas.microsoft.com/office/powerpoint/2010/main" val="3495816582"/>
       </p:ext>
     </p:extLst>
   </p:cSld>
@@ -9769,7 +9763,7 @@
       </p:grpSpPr>
       <p:sp>
         <p:nvSpPr>
-          <p:cNvPr id="44034" name="Rectangle 7"/>
+          <p:cNvPr id="40962" name="Rectangle 7"/>
           <p:cNvSpPr>
             <a:spLocks noGrp="1" noChangeArrowheads="1"/>
           </p:cNvSpPr>
@@ -9784,10 +9778,10 @@
           <a:bodyPr/>
           <a:lstStyle/>
           <a:p>
-            <a:fld id="{0E214A2C-3CC9-4214-827C-538D9989ED26}" type="slidenum">
+            <a:fld id="{F91057D1-1A78-4EC2-B21C-4C47DBE5402A}" type="slidenum">
               <a:rPr lang="en-US" smtClean="0"/>
               <a:pPr/>
-              <a:t>48</a:t>
+              <a:t>41</a:t>
             </a:fld>
             <a:endParaRPr lang="en-US"/>
           </a:p>
@@ -9795,7 +9789,7 @@
       </p:sp>
       <p:sp>
         <p:nvSpPr>
-          <p:cNvPr id="44035" name="Rectangle 2"/>
+          <p:cNvPr id="40963" name="Rectangle 2"/>
           <p:cNvSpPr>
             <a:spLocks noGrp="1" noRot="1" noChangeAspect="1" noChangeArrowheads="1" noTextEdit="1"/>
           </p:cNvSpPr>
@@ -9813,7 +9807,7 @@
       </p:sp>
       <p:sp>
         <p:nvSpPr>
-          <p:cNvPr id="44036" name="Rectangle 3"/>
+          <p:cNvPr id="40964" name="Rectangle 3"/>
           <p:cNvSpPr>
             <a:spLocks noGrp="1" noChangeArrowheads="1"/>
           </p:cNvSpPr>
@@ -9833,59 +9827,17 @@
           <a:bodyPr/>
           <a:lstStyle/>
           <a:p>
-            <a:pPr marL="0" marR="0" lvl="1" indent="0" algn="l" defTabSz="914400" rtl="0" eaLnBrk="1" fontAlgn="base" latinLnBrk="0" hangingPunct="1">
-              <a:lnSpc>
-                <a:spcPct val="100000"/>
-              </a:lnSpc>
-              <a:spcBef>
-                <a:spcPct val="30000"/>
-              </a:spcBef>
-              <a:spcAft>
-                <a:spcPct val="0"/>
-              </a:spcAft>
-              <a:buClrTx/>
-              <a:buSzTx/>
-              <a:buFontTx/>
-              <a:buNone/>
-              <a:tabLst/>
-              <a:defRPr/>
-            </a:pPr>
-            <a:r>
-              <a:rPr lang="en-GB" dirty="0"/>
-              <a:t>From a modelling</a:t>
-            </a:r>
-            <a:r>
-              <a:rPr lang="en-GB" baseline="0" dirty="0"/>
-              <a:t> perspective LSI suffers from poor explanatory power. For example, the least squares approximation concept is related to the assumption that term frequencies are normally distributed, which is in contradiction with the observation that term frequencies are power law distributed.</a:t>
-            </a:r>
-            <a:endParaRPr lang="en-GB" dirty="0"/>
-          </a:p>
-          <a:p>
-            <a:pPr marL="0" marR="0" lvl="1" indent="0" algn="l" defTabSz="914400" rtl="0" eaLnBrk="1" fontAlgn="base" latinLnBrk="0" hangingPunct="1">
-              <a:lnSpc>
-                <a:spcPct val="100000"/>
-              </a:lnSpc>
-              <a:spcBef>
-                <a:spcPct val="30000"/>
-              </a:spcBef>
-              <a:spcAft>
-                <a:spcPct val="0"/>
-              </a:spcAft>
-              <a:buClrTx/>
-              <a:buSzTx/>
-              <a:buFontTx/>
-              <a:buNone/>
-              <a:tabLst/>
-              <a:defRPr/>
-            </a:pPr>
-            <a:endParaRPr lang="en-GB" dirty="0"/>
+            <a:r>
+              <a:rPr lang="en-GB" noProof="0" dirty="0"/>
+              <a:t>In this step we compute the query vector in the concept space.</a:t>
+            </a:r>
           </a:p>
         </p:txBody>
       </p:sp>
     </p:spTree>
     <p:extLst>
       <p:ext uri="{BB962C8B-B14F-4D97-AF65-F5344CB8AC3E}">
-        <p14:creationId xmlns:p14="http://schemas.microsoft.com/office/powerpoint/2010/main" val="2057155979"/>
+        <p14:creationId xmlns:p14="http://schemas.microsoft.com/office/powerpoint/2010/main" val="148067032"/>
       </p:ext>
     </p:extLst>
   </p:cSld>
@@ -9914,79 +9866,78 @@
       </p:grpSpPr>
       <p:sp>
         <p:nvSpPr>
-          <p:cNvPr id="2" name="Slide Image Placeholder 1"/>
+          <p:cNvPr id="41986" name="Rectangle 7"/>
           <p:cNvSpPr>
-            <a:spLocks noGrp="1" noRot="1" noChangeAspect="1"/>
+            <a:spLocks noGrp="1" noChangeArrowheads="1"/>
+          </p:cNvSpPr>
+          <p:nvPr>
+            <p:ph type="sldNum" sz="quarter" idx="5"/>
+          </p:nvPr>
+        </p:nvSpPr>
+        <p:spPr>
+          <a:noFill/>
+        </p:spPr>
+        <p:txBody>
+          <a:bodyPr/>
+          <a:lstStyle/>
+          <a:p>
+            <a:fld id="{9D88633B-7B5E-4A66-AE71-9E74862D36D0}" type="slidenum">
+              <a:rPr lang="en-US" smtClean="0"/>
+              <a:pPr/>
+              <a:t>42</a:t>
+            </a:fld>
+            <a:endParaRPr lang="en-US"/>
+          </a:p>
+        </p:txBody>
+      </p:sp>
+      <p:sp>
+        <p:nvSpPr>
+          <p:cNvPr id="41987" name="Rectangle 2"/>
+          <p:cNvSpPr>
+            <a:spLocks noGrp="1" noRot="1" noChangeAspect="1" noChangeArrowheads="1" noTextEdit="1"/>
           </p:cNvSpPr>
           <p:nvPr>
             <p:ph type="sldImg"/>
           </p:nvPr>
         </p:nvSpPr>
-        <p:spPr/>
-      </p:sp>
-      <p:sp>
-        <p:nvSpPr>
-          <p:cNvPr id="3" name="Notes Placeholder 2"/>
+        <p:spPr>
+          <a:xfrm>
+            <a:off x="990600" y="768350"/>
+            <a:ext cx="5118100" cy="3838575"/>
+          </a:xfrm>
+          <a:ln/>
+        </p:spPr>
+      </p:sp>
+      <p:sp>
+        <p:nvSpPr>
+          <p:cNvPr id="41988" name="Rectangle 3"/>
           <p:cNvSpPr>
-            <a:spLocks noGrp="1"/>
+            <a:spLocks noGrp="1" noChangeArrowheads="1"/>
           </p:cNvSpPr>
           <p:nvPr>
             <p:ph type="body" idx="1"/>
           </p:nvPr>
         </p:nvSpPr>
-        <p:spPr/>
+        <p:spPr>
+          <a:noFill/>
+          <a:ln/>
+        </p:spPr>
         <p:txBody>
           <a:bodyPr/>
           <a:lstStyle/>
           <a:p>
             <a:r>
-              <a:rPr lang="en-GB" dirty="0"/>
-              <a:t>The</a:t>
-            </a:r>
-            <a:r>
-              <a:rPr lang="en-GB" baseline="0" dirty="0"/>
-              <a:t> conceptual problems of LSI have triggered significant efforts in developing better suited models for concept extraction. The most recent and successful result of this has been the development of a method based on the use of </a:t>
-            </a:r>
-            <a:r>
-              <a:rPr lang="en-GB" baseline="0" dirty="0" err="1"/>
-              <a:t>Dirichlet</a:t>
-            </a:r>
-            <a:r>
-              <a:rPr lang="en-GB" baseline="0" dirty="0"/>
-              <a:t> distributions. Like LSI it produces a concept space, where concepts are represented as term vectors. The method has better theoretical foundations and empirically it produces better results, and is nowadays considered as the golden standard. The approach is mathematically more involved than LSI, and therefore we will not be able to develop this method in this course.</a:t>
-            </a:r>
-            <a:endParaRPr lang="en-GB" dirty="0"/>
-          </a:p>
-        </p:txBody>
-      </p:sp>
-      <p:sp>
-        <p:nvSpPr>
-          <p:cNvPr id="4" name="Slide Number Placeholder 3"/>
-          <p:cNvSpPr>
-            <a:spLocks noGrp="1"/>
-          </p:cNvSpPr>
-          <p:nvPr>
-            <p:ph type="sldNum" sz="quarter" idx="10"/>
-          </p:nvPr>
-        </p:nvSpPr>
-        <p:spPr/>
-        <p:txBody>
-          <a:bodyPr/>
-          <a:lstStyle/>
-          <a:p>
-            <a:fld id="{E6C47E0B-2958-48CC-BA4E-C350203CF107}" type="slidenum">
-              <a:rPr lang="en-US" smtClean="0"/>
-              <a:pPr/>
-              <a:t>49</a:t>
-            </a:fld>
-            <a:endParaRPr lang="en-US"/>
+              <a:rPr lang="fr-CH"/>
+              <a:t>This is the ranking produced for the query for different values of s.</a:t>
+            </a:r>
+            <a:endParaRPr lang="en-GB"/>
           </a:p>
         </p:txBody>
       </p:sp>
     </p:spTree>
     <p:extLst>
       <p:ext uri="{BB962C8B-B14F-4D97-AF65-F5344CB8AC3E}">
-        <p14:creationId xmlns:p14="http://schemas.microsoft.com/office/powerpoint/2010/main" val="2221506667"/>
+        <p14:creationId xmlns:p14="http://schemas.microsoft.com/office/powerpoint/2010/main" val="2896558182"/>
       </p:ext>
     </p:extLst>
   </p:cSld>
@@ -10015,80 +9966,86 @@
       </p:grpSpPr>
       <p:sp>
         <p:nvSpPr>
-          <p:cNvPr id="2" name="Slide Image Placeholder 1"/>
+          <p:cNvPr id="43010" name="Rectangle 7"/>
           <p:cNvSpPr>
-            <a:spLocks noGrp="1" noRot="1" noChangeAspect="1"/>
+            <a:spLocks noGrp="1" noChangeArrowheads="1"/>
+          </p:cNvSpPr>
+          <p:nvPr>
+            <p:ph type="sldNum" sz="quarter" idx="5"/>
+          </p:nvPr>
+        </p:nvSpPr>
+        <p:spPr>
+          <a:noFill/>
+        </p:spPr>
+        <p:txBody>
+          <a:bodyPr/>
+          <a:lstStyle/>
+          <a:p>
+            <a:fld id="{98436B5C-CF4B-4C50-9B7B-7B1CB342B050}" type="slidenum">
+              <a:rPr lang="en-US" smtClean="0"/>
+              <a:pPr/>
+              <a:t>43</a:t>
+            </a:fld>
+            <a:endParaRPr lang="en-US"/>
+          </a:p>
+        </p:txBody>
+      </p:sp>
+      <p:sp>
+        <p:nvSpPr>
+          <p:cNvPr id="43011" name="Rectangle 2"/>
+          <p:cNvSpPr>
+            <a:spLocks noGrp="1" noRot="1" noChangeAspect="1" noChangeArrowheads="1" noTextEdit="1"/>
           </p:cNvSpPr>
           <p:nvPr>
             <p:ph type="sldImg"/>
           </p:nvPr>
         </p:nvSpPr>
-        <p:spPr/>
-      </p:sp>
-      <p:sp>
-        <p:nvSpPr>
-          <p:cNvPr id="3" name="Notes Placeholder 2"/>
+        <p:spPr>
+          <a:xfrm>
+            <a:off x="990600" y="768350"/>
+            <a:ext cx="5118100" cy="3838575"/>
+          </a:xfrm>
+          <a:ln/>
+        </p:spPr>
+      </p:sp>
+      <p:sp>
+        <p:nvSpPr>
+          <p:cNvPr id="43012" name="Rectangle 3"/>
           <p:cNvSpPr>
-            <a:spLocks noGrp="1"/>
+            <a:spLocks noGrp="1" noChangeArrowheads="1"/>
           </p:cNvSpPr>
           <p:nvPr>
             <p:ph type="body" idx="1"/>
           </p:nvPr>
         </p:nvSpPr>
-        <p:spPr/>
+        <p:spPr>
+          <a:noFill/>
+          <a:ln/>
+        </p:spPr>
         <p:txBody>
           <a:bodyPr/>
           <a:lstStyle/>
           <a:p>
             <a:r>
-              <a:rPr lang="en-US" dirty="0"/>
-              <a:t>This illustration</a:t>
-            </a:r>
-            <a:r>
-              <a:rPr lang="en-US" baseline="0" dirty="0"/>
-              <a:t> shows the basic idea underlying LDA: it is assumed that there exist topics that are represented as mixtures of words. In the example we see words that are related to two meanings of “bank”, the financial institution and the river bank, and are represented by different related works. Then, documents are supposed to be generated from a mixture of topics, where the mixture is defined by some weights, as indicated in the figure. As a result each document contains terms form its associated topics in the right proportion.</a:t>
-            </a:r>
-          </a:p>
-          <a:p>
-            <a:endParaRPr lang="en-US" baseline="0" dirty="0"/>
-          </a:p>
-          <a:p>
-            <a:r>
-              <a:rPr lang="en-US" baseline="0" dirty="0"/>
-              <a:t>Similar to the probabilistic language model used in information retrieval, we have here another example of a probabilistic generative model.</a:t>
-            </a:r>
-            <a:endParaRPr lang="en-US" dirty="0"/>
-          </a:p>
-        </p:txBody>
-      </p:sp>
-      <p:sp>
-        <p:nvSpPr>
-          <p:cNvPr id="4" name="Slide Number Placeholder 3"/>
-          <p:cNvSpPr>
-            <a:spLocks noGrp="1"/>
-          </p:cNvSpPr>
-          <p:nvPr>
-            <p:ph type="sldNum" sz="quarter" idx="10"/>
-          </p:nvPr>
-        </p:nvSpPr>
-        <p:spPr/>
-        <p:txBody>
-          <a:bodyPr/>
-          <a:lstStyle/>
-          <a:p>
-            <a:fld id="{E6C47E0B-2958-48CC-BA4E-C350203CF107}" type="slidenum">
-              <a:rPr lang="en-US" smtClean="0"/>
-              <a:pPr/>
-              <a:t>50</a:t>
-            </a:fld>
-            <a:endParaRPr lang="en-US"/>
+              <a:rPr lang="fr-CH" dirty="0"/>
+              <a:t>Since in our example the concept space has two dimensions, we can plot both the documents and the terms in this 2-dimensional space. It is interesting to observe of how semantically "close" terms and documents cluster in the same regions. This illustrates very well the power of latent semantic indexing in revealing the « essential</a:t>
+            </a:r>
+            <a:r>
+              <a:rPr lang="fr-CH" baseline="0" dirty="0"/>
+              <a:t> concepts » </a:t>
+            </a:r>
+            <a:r>
+              <a:rPr lang="fr-CH" dirty="0"/>
+              <a:t>in document collections.</a:t>
+            </a:r>
+            <a:endParaRPr lang="en-GB" dirty="0"/>
           </a:p>
         </p:txBody>
       </p:sp>
     </p:spTree>
     <p:extLst>
       <p:ext uri="{BB962C8B-B14F-4D97-AF65-F5344CB8AC3E}">
-        <p14:creationId xmlns:p14="http://schemas.microsoft.com/office/powerpoint/2010/main" val="361562034"/>
+        <p14:creationId xmlns:p14="http://schemas.microsoft.com/office/powerpoint/2010/main" val="2858492411"/>
       </p:ext>
     </p:extLst>
   </p:cSld>
@@ -10142,10 +10099,7 @@
           <a:bodyPr/>
           <a:lstStyle/>
           <a:p>
-            <a:r>
-              <a:rPr lang="en-US" dirty="0"/>
-              <a:t>Given the underlying model we can define a probabilistic process for generating documents.</a:t>
-            </a:r>
+            <a:endParaRPr lang="en-GB"/>
           </a:p>
         </p:txBody>
       </p:sp>
@@ -10156,7 +10110,7 @@
             <a:spLocks noGrp="1"/>
           </p:cNvSpPr>
           <p:nvPr>
-            <p:ph type="sldNum" sz="quarter" idx="10"/>
+            <p:ph type="sldNum" sz="quarter" idx="5"/>
           </p:nvPr>
         </p:nvSpPr>
         <p:spPr/>
@@ -10167,7 +10121,7 @@
             <a:fld id="{E6C47E0B-2958-48CC-BA4E-C350203CF107}" type="slidenum">
               <a:rPr lang="en-US" smtClean="0"/>
               <a:pPr/>
-              <a:t>51</a:t>
+              <a:t>44</a:t>
             </a:fld>
             <a:endParaRPr lang="en-US"/>
           </a:p>
@@ -10176,7 +10130,7 @@
     </p:spTree>
     <p:extLst>
       <p:ext uri="{BB962C8B-B14F-4D97-AF65-F5344CB8AC3E}">
-        <p14:creationId xmlns:p14="http://schemas.microsoft.com/office/powerpoint/2010/main" val="3237366939"/>
+        <p14:creationId xmlns:p14="http://schemas.microsoft.com/office/powerpoint/2010/main" val="3148620065"/>
       </p:ext>
     </p:extLst>
   </p:cSld>
@@ -10230,15 +10184,7 @@
           <a:bodyPr/>
           <a:lstStyle/>
           <a:p>
-            <a:r>
-              <a:rPr lang="en-US" dirty="0"/>
-              <a:t>The challenge is to determine the probabilistic model. The situation we consider</a:t>
-            </a:r>
-            <a:r>
-              <a:rPr lang="en-US" baseline="0" dirty="0"/>
-              <a:t> in practice is that a set of documents is given, and we intend to reconstruct the (most likely) probabilistic process that has generated this document collection. This is a difficult problem to solve.</a:t>
-            </a:r>
-            <a:endParaRPr lang="en-US" dirty="0"/>
+            <a:endParaRPr lang="en-GB"/>
           </a:p>
         </p:txBody>
       </p:sp>
@@ -10249,7 +10195,7 @@
             <a:spLocks noGrp="1"/>
           </p:cNvSpPr>
           <p:nvPr>
-            <p:ph type="sldNum" sz="quarter" idx="10"/>
+            <p:ph type="sldNum" sz="quarter" idx="5"/>
           </p:nvPr>
         </p:nvSpPr>
         <p:spPr/>
@@ -10260,7 +10206,7 @@
             <a:fld id="{E6C47E0B-2958-48CC-BA4E-C350203CF107}" type="slidenum">
               <a:rPr lang="en-US" smtClean="0"/>
               <a:pPr/>
-              <a:t>52</a:t>
+              <a:t>45</a:t>
             </a:fld>
             <a:endParaRPr lang="en-US"/>
           </a:p>
@@ -10269,7 +10215,7 @@
     </p:spTree>
     <p:extLst>
       <p:ext uri="{BB962C8B-B14F-4D97-AF65-F5344CB8AC3E}">
-        <p14:creationId xmlns:p14="http://schemas.microsoft.com/office/powerpoint/2010/main" val="325392662"/>
+        <p14:creationId xmlns:p14="http://schemas.microsoft.com/office/powerpoint/2010/main" val="2236668588"/>
       </p:ext>
     </p:extLst>
   </p:cSld>
@@ -10323,15 +10269,7 @@
           <a:bodyPr/>
           <a:lstStyle/>
           <a:p>
-            <a:r>
-              <a:rPr lang="en-US" dirty="0"/>
-              <a:t>We do</a:t>
-            </a:r>
-            <a:r>
-              <a:rPr lang="en-US" baseline="0" dirty="0"/>
-              <a:t> not present the details of LDA here, as the method is mathematically fairly involved. However, it is important to note that it is considered today as the state-of-the-art method of topic detection.</a:t>
-            </a:r>
-            <a:endParaRPr lang="en-US" dirty="0"/>
+            <a:endParaRPr lang="en-GB"/>
           </a:p>
         </p:txBody>
       </p:sp>
@@ -10342,7 +10280,7 @@
             <a:spLocks noGrp="1"/>
           </p:cNvSpPr>
           <p:nvPr>
-            <p:ph type="sldNum" sz="quarter" idx="10"/>
+            <p:ph type="sldNum" sz="quarter" idx="5"/>
           </p:nvPr>
         </p:nvSpPr>
         <p:spPr/>
@@ -10353,7 +10291,7 @@
             <a:fld id="{E6C47E0B-2958-48CC-BA4E-C350203CF107}" type="slidenum">
               <a:rPr lang="en-US" smtClean="0"/>
               <a:pPr/>
-              <a:t>53</a:t>
+              <a:t>46</a:t>
             </a:fld>
             <a:endParaRPr lang="en-US"/>
           </a:p>
@@ -10362,7 +10300,7 @@
     </p:spTree>
     <p:extLst>
       <p:ext uri="{BB962C8B-B14F-4D97-AF65-F5344CB8AC3E}">
-        <p14:creationId xmlns:p14="http://schemas.microsoft.com/office/powerpoint/2010/main" val="145611347"/>
+        <p14:creationId xmlns:p14="http://schemas.microsoft.com/office/powerpoint/2010/main" val="1753209841"/>
       </p:ext>
     </p:extLst>
   </p:cSld>
@@ -10416,15 +10354,7 @@
           <a:bodyPr/>
           <a:lstStyle/>
           <a:p>
-            <a:r>
-              <a:rPr lang="en-US" dirty="0"/>
-              <a:t>Topic models provide a representation</a:t>
-            </a:r>
-            <a:r>
-              <a:rPr lang="en-US" baseline="0" dirty="0"/>
-              <a:t> of documents at a conceptual level. Therefore they are applied in many different contexts, including document retrieval and classification.</a:t>
-            </a:r>
-            <a:endParaRPr lang="en-US" dirty="0"/>
+            <a:endParaRPr lang="en-GB"/>
           </a:p>
         </p:txBody>
       </p:sp>
@@ -10435,7 +10365,7 @@
             <a:spLocks noGrp="1"/>
           </p:cNvSpPr>
           <p:nvPr>
-            <p:ph type="sldNum" sz="quarter" idx="10"/>
+            <p:ph type="sldNum" sz="quarter" idx="5"/>
           </p:nvPr>
         </p:nvSpPr>
         <p:spPr/>
@@ -10446,7 +10376,7 @@
             <a:fld id="{E6C47E0B-2958-48CC-BA4E-C350203CF107}" type="slidenum">
               <a:rPr lang="en-US" smtClean="0"/>
               <a:pPr/>
-              <a:t>54</a:t>
+              <a:t>47</a:t>
             </a:fld>
             <a:endParaRPr lang="en-US"/>
           </a:p>
@@ -10455,7 +10385,7 @@
     </p:spTree>
     <p:extLst>
       <p:ext uri="{BB962C8B-B14F-4D97-AF65-F5344CB8AC3E}">
-        <p14:creationId xmlns:p14="http://schemas.microsoft.com/office/powerpoint/2010/main" val="3541760909"/>
+        <p14:creationId xmlns:p14="http://schemas.microsoft.com/office/powerpoint/2010/main" val="4125503820"/>
       </p:ext>
     </p:extLst>
   </p:cSld>
@@ -10484,6 +10414,151 @@
       </p:grpSpPr>
       <p:sp>
         <p:nvSpPr>
+          <p:cNvPr id="44034" name="Rectangle 7"/>
+          <p:cNvSpPr>
+            <a:spLocks noGrp="1" noChangeArrowheads="1"/>
+          </p:cNvSpPr>
+          <p:nvPr>
+            <p:ph type="sldNum" sz="quarter" idx="5"/>
+          </p:nvPr>
+        </p:nvSpPr>
+        <p:spPr>
+          <a:noFill/>
+        </p:spPr>
+        <p:txBody>
+          <a:bodyPr/>
+          <a:lstStyle/>
+          <a:p>
+            <a:fld id="{0E214A2C-3CC9-4214-827C-538D9989ED26}" type="slidenum">
+              <a:rPr lang="en-US" smtClean="0"/>
+              <a:pPr/>
+              <a:t>48</a:t>
+            </a:fld>
+            <a:endParaRPr lang="en-US"/>
+          </a:p>
+        </p:txBody>
+      </p:sp>
+      <p:sp>
+        <p:nvSpPr>
+          <p:cNvPr id="44035" name="Rectangle 2"/>
+          <p:cNvSpPr>
+            <a:spLocks noGrp="1" noRot="1" noChangeAspect="1" noChangeArrowheads="1" noTextEdit="1"/>
+          </p:cNvSpPr>
+          <p:nvPr>
+            <p:ph type="sldImg"/>
+          </p:nvPr>
+        </p:nvSpPr>
+        <p:spPr>
+          <a:xfrm>
+            <a:off x="1050925" y="792163"/>
+            <a:ext cx="5056188" cy="3792537"/>
+          </a:xfrm>
+          <a:ln/>
+        </p:spPr>
+      </p:sp>
+      <p:sp>
+        <p:nvSpPr>
+          <p:cNvPr id="44036" name="Rectangle 3"/>
+          <p:cNvSpPr>
+            <a:spLocks noGrp="1" noChangeArrowheads="1"/>
+          </p:cNvSpPr>
+          <p:nvPr>
+            <p:ph type="body" idx="1"/>
+          </p:nvPr>
+        </p:nvSpPr>
+        <p:spPr>
+          <a:xfrm>
+            <a:off x="977900" y="4900613"/>
+            <a:ext cx="5208588" cy="4581525"/>
+          </a:xfrm>
+          <a:noFill/>
+          <a:ln/>
+        </p:spPr>
+        <p:txBody>
+          <a:bodyPr/>
+          <a:lstStyle/>
+          <a:p>
+            <a:pPr marL="0" marR="0" lvl="1" indent="0" algn="l" defTabSz="914400" rtl="0" eaLnBrk="1" fontAlgn="base" latinLnBrk="0" hangingPunct="1">
+              <a:lnSpc>
+                <a:spcPct val="100000"/>
+              </a:lnSpc>
+              <a:spcBef>
+                <a:spcPct val="30000"/>
+              </a:spcBef>
+              <a:spcAft>
+                <a:spcPct val="0"/>
+              </a:spcAft>
+              <a:buClrTx/>
+              <a:buSzTx/>
+              <a:buFontTx/>
+              <a:buNone/>
+              <a:tabLst/>
+              <a:defRPr/>
+            </a:pPr>
+            <a:r>
+              <a:rPr lang="en-GB" dirty="0"/>
+              <a:t>From a modelling</a:t>
+            </a:r>
+            <a:r>
+              <a:rPr lang="en-GB" baseline="0" dirty="0"/>
+              <a:t> perspective LSI suffers from poor explanatory power. For example, the least squares approximation concept is related to the assumption that term frequencies are normally distributed, which is in contradiction with the observation that term frequencies are power law distributed.</a:t>
+            </a:r>
+            <a:endParaRPr lang="en-GB" dirty="0"/>
+          </a:p>
+          <a:p>
+            <a:pPr marL="0" marR="0" lvl="1" indent="0" algn="l" defTabSz="914400" rtl="0" eaLnBrk="1" fontAlgn="base" latinLnBrk="0" hangingPunct="1">
+              <a:lnSpc>
+                <a:spcPct val="100000"/>
+              </a:lnSpc>
+              <a:spcBef>
+                <a:spcPct val="30000"/>
+              </a:spcBef>
+              <a:spcAft>
+                <a:spcPct val="0"/>
+              </a:spcAft>
+              <a:buClrTx/>
+              <a:buSzTx/>
+              <a:buFontTx/>
+              <a:buNone/>
+              <a:tabLst/>
+              <a:defRPr/>
+            </a:pPr>
+            <a:endParaRPr lang="en-GB" dirty="0"/>
+          </a:p>
+        </p:txBody>
+      </p:sp>
+    </p:spTree>
+    <p:extLst>
+      <p:ext uri="{BB962C8B-B14F-4D97-AF65-F5344CB8AC3E}">
+        <p14:creationId xmlns:p14="http://schemas.microsoft.com/office/powerpoint/2010/main" val="2057155979"/>
+      </p:ext>
+    </p:extLst>
+  </p:cSld>
+  <p:clrMapOvr>
+    <a:masterClrMapping/>
+  </p:clrMapOvr>
+</p:notes>
+</file>
+
+<file path=ppt/notesSlides/notesSlide49.xml><?xml version="1.0" encoding="utf-8"?>
+<p:notes xmlns:a="http://schemas.openxmlformats.org/drawingml/2006/main" xmlns:r="http://schemas.openxmlformats.org/officeDocument/2006/relationships" xmlns:p="http://schemas.openxmlformats.org/presentationml/2006/main">
+  <p:cSld>
+    <p:spTree>
+      <p:nvGrpSpPr>
+        <p:cNvPr id="1" name=""/>
+        <p:cNvGrpSpPr/>
+        <p:nvPr/>
+      </p:nvGrpSpPr>
+      <p:grpSpPr>
+        <a:xfrm>
+          <a:off x="0" y="0"/>
+          <a:ext cx="0" cy="0"/>
+          <a:chOff x="0" y="0"/>
+          <a:chExt cx="0" cy="0"/>
+        </a:xfrm>
+      </p:grpSpPr>
+      <p:sp>
+        <p:nvSpPr>
           <p:cNvPr id="2" name="Slide Image Placeholder 1"/>
           <p:cNvSpPr>
             <a:spLocks noGrp="1" noRot="1" noChangeAspect="1"/>
@@ -10510,14 +10585,22 @@
           <a:lstStyle/>
           <a:p>
             <a:r>
-              <a:rPr lang="en-US" dirty="0"/>
-              <a:t>This illustration summarizes the connection among </a:t>
-            </a:r>
-            <a:r>
-              <a:rPr lang="en-US" baseline="0" dirty="0"/>
-              <a:t>the vector space model, which was introduced for information retrieval and topic models that produce low-dimensional (dense) representation of documents.</a:t>
-            </a:r>
-            <a:endParaRPr lang="en-US" dirty="0"/>
+              <a:rPr lang="en-GB" dirty="0"/>
+              <a:t>The</a:t>
+            </a:r>
+            <a:r>
+              <a:rPr lang="en-GB" baseline="0" dirty="0"/>
+              <a:t> conceptual problems of LSI have triggered significant efforts in developing better suited models for concept extraction. The most recent and successful result of this has been the development of a method based on the use of </a:t>
+            </a:r>
+            <a:r>
+              <a:rPr lang="en-GB" baseline="0" dirty="0" err="1"/>
+              <a:t>Dirichlet</a:t>
+            </a:r>
+            <a:r>
+              <a:rPr lang="en-GB" baseline="0" dirty="0"/>
+              <a:t> distributions. Like LSI it produces a concept space, where concepts are represented as term vectors. The method has better theoretical foundations and empirically it produces better results, and is nowadays considered as the golden standard. The approach is mathematically more involved than LSI, and therefore we will not be able to develop this method in this course.</a:t>
+            </a:r>
+            <a:endParaRPr lang="en-GB" dirty="0"/>
           </a:p>
         </p:txBody>
       </p:sp>
@@ -10539,7 +10622,7 @@
             <a:fld id="{E6C47E0B-2958-48CC-BA4E-C350203CF107}" type="slidenum">
               <a:rPr lang="en-US" smtClean="0"/>
               <a:pPr/>
-              <a:t>55</a:t>
+              <a:t>49</a:t>
             </a:fld>
             <a:endParaRPr lang="en-US"/>
           </a:p>
@@ -10548,7 +10631,7 @@
     </p:spTree>
     <p:extLst>
       <p:ext uri="{BB962C8B-B14F-4D97-AF65-F5344CB8AC3E}">
-        <p14:creationId xmlns:p14="http://schemas.microsoft.com/office/powerpoint/2010/main" val="2723816474"/>
+        <p14:creationId xmlns:p14="http://schemas.microsoft.com/office/powerpoint/2010/main" val="2221506667"/>
       </p:ext>
     </p:extLst>
   </p:cSld>
@@ -10604,11 +10687,11 @@
           <a:p>
             <a:r>
               <a:rPr lang="en-US" dirty="0"/>
-              <a:t>Instead of using a</a:t>
+              <a:t>In the simplest case a language</a:t>
             </a:r>
             <a:r>
               <a:rPr lang="en-US" baseline="0" dirty="0"/>
-              <a:t> deterministic automaton, we can also use a probabilistic state automaton, in other words, a Markov process. In the simplest case the automaton has a single state, and every state transition emits with a certain probability one term out of a vocabulary. In addition, the automaton can stop with a certain probability. The table captures the transition probabilities of two possible models M1 and  M2. In the two models, the probability to stop is given as P(STOP|Q) = 0.2.</a:t>
+              <a:t> model is a deterministic automaton. In theoretical computer science deterministic automatons are those that can recognize or produce regular languages.</a:t>
             </a:r>
             <a:endParaRPr lang="en-US" dirty="0"/>
           </a:p>
@@ -10637,7 +10720,7 @@
               <a:pPr>
                 <a:defRPr/>
               </a:pPr>
-              <a:t>6</a:t>
+              <a:t>5</a:t>
             </a:fld>
             <a:endParaRPr lang="en-US"/>
           </a:p>
@@ -10646,7 +10729,569 @@
     </p:spTree>
     <p:extLst>
       <p:ext uri="{BB962C8B-B14F-4D97-AF65-F5344CB8AC3E}">
-        <p14:creationId xmlns:p14="http://schemas.microsoft.com/office/powerpoint/2010/main" val="2680550786"/>
+        <p14:creationId xmlns:p14="http://schemas.microsoft.com/office/powerpoint/2010/main" val="2848480810"/>
+      </p:ext>
+    </p:extLst>
+  </p:cSld>
+  <p:clrMapOvr>
+    <a:masterClrMapping/>
+  </p:clrMapOvr>
+</p:notes>
+</file>
+
+<file path=ppt/notesSlides/notesSlide50.xml><?xml version="1.0" encoding="utf-8"?>
+<p:notes xmlns:a="http://schemas.openxmlformats.org/drawingml/2006/main" xmlns:r="http://schemas.openxmlformats.org/officeDocument/2006/relationships" xmlns:p="http://schemas.openxmlformats.org/presentationml/2006/main">
+  <p:cSld>
+    <p:spTree>
+      <p:nvGrpSpPr>
+        <p:cNvPr id="1" name=""/>
+        <p:cNvGrpSpPr/>
+        <p:nvPr/>
+      </p:nvGrpSpPr>
+      <p:grpSpPr>
+        <a:xfrm>
+          <a:off x="0" y="0"/>
+          <a:ext cx="0" cy="0"/>
+          <a:chOff x="0" y="0"/>
+          <a:chExt cx="0" cy="0"/>
+        </a:xfrm>
+      </p:grpSpPr>
+      <p:sp>
+        <p:nvSpPr>
+          <p:cNvPr id="2" name="Slide Image Placeholder 1"/>
+          <p:cNvSpPr>
+            <a:spLocks noGrp="1" noRot="1" noChangeAspect="1"/>
+          </p:cNvSpPr>
+          <p:nvPr>
+            <p:ph type="sldImg"/>
+          </p:nvPr>
+        </p:nvSpPr>
+        <p:spPr/>
+      </p:sp>
+      <p:sp>
+        <p:nvSpPr>
+          <p:cNvPr id="3" name="Notes Placeholder 2"/>
+          <p:cNvSpPr>
+            <a:spLocks noGrp="1"/>
+          </p:cNvSpPr>
+          <p:nvPr>
+            <p:ph type="body" idx="1"/>
+          </p:nvPr>
+        </p:nvSpPr>
+        <p:spPr/>
+        <p:txBody>
+          <a:bodyPr/>
+          <a:lstStyle/>
+          <a:p>
+            <a:r>
+              <a:rPr lang="en-US" dirty="0"/>
+              <a:t>This illustration</a:t>
+            </a:r>
+            <a:r>
+              <a:rPr lang="en-US" baseline="0" dirty="0"/>
+              <a:t> shows the basic idea underlying LDA: it is assumed that there exist topics that are represented as mixtures of words. In the example we see words that are related to two meanings of “bank”, the financial institution and the river bank, and are represented by different related works. Then, documents are supposed to be generated from a mixture of topics, where the mixture is defined by some weights, as indicated in the figure. As a result each document contains terms form its associated topics in the right proportion.</a:t>
+            </a:r>
+          </a:p>
+          <a:p>
+            <a:endParaRPr lang="en-US" baseline="0" dirty="0"/>
+          </a:p>
+          <a:p>
+            <a:r>
+              <a:rPr lang="en-US" baseline="0" dirty="0"/>
+              <a:t>Similar to the probabilistic language model used in information retrieval, we have here another example of a probabilistic generative model.</a:t>
+            </a:r>
+            <a:endParaRPr lang="en-US" dirty="0"/>
+          </a:p>
+        </p:txBody>
+      </p:sp>
+      <p:sp>
+        <p:nvSpPr>
+          <p:cNvPr id="4" name="Slide Number Placeholder 3"/>
+          <p:cNvSpPr>
+            <a:spLocks noGrp="1"/>
+          </p:cNvSpPr>
+          <p:nvPr>
+            <p:ph type="sldNum" sz="quarter" idx="10"/>
+          </p:nvPr>
+        </p:nvSpPr>
+        <p:spPr/>
+        <p:txBody>
+          <a:bodyPr/>
+          <a:lstStyle/>
+          <a:p>
+            <a:fld id="{E6C47E0B-2958-48CC-BA4E-C350203CF107}" type="slidenum">
+              <a:rPr lang="en-US" smtClean="0"/>
+              <a:pPr/>
+              <a:t>50</a:t>
+            </a:fld>
+            <a:endParaRPr lang="en-US"/>
+          </a:p>
+        </p:txBody>
+      </p:sp>
+    </p:spTree>
+    <p:extLst>
+      <p:ext uri="{BB962C8B-B14F-4D97-AF65-F5344CB8AC3E}">
+        <p14:creationId xmlns:p14="http://schemas.microsoft.com/office/powerpoint/2010/main" val="361562034"/>
+      </p:ext>
+    </p:extLst>
+  </p:cSld>
+  <p:clrMapOvr>
+    <a:masterClrMapping/>
+  </p:clrMapOvr>
+</p:notes>
+</file>
+
+<file path=ppt/notesSlides/notesSlide51.xml><?xml version="1.0" encoding="utf-8"?>
+<p:notes xmlns:a="http://schemas.openxmlformats.org/drawingml/2006/main" xmlns:r="http://schemas.openxmlformats.org/officeDocument/2006/relationships" xmlns:p="http://schemas.openxmlformats.org/presentationml/2006/main">
+  <p:cSld>
+    <p:spTree>
+      <p:nvGrpSpPr>
+        <p:cNvPr id="1" name=""/>
+        <p:cNvGrpSpPr/>
+        <p:nvPr/>
+      </p:nvGrpSpPr>
+      <p:grpSpPr>
+        <a:xfrm>
+          <a:off x="0" y="0"/>
+          <a:ext cx="0" cy="0"/>
+          <a:chOff x="0" y="0"/>
+          <a:chExt cx="0" cy="0"/>
+        </a:xfrm>
+      </p:grpSpPr>
+      <p:sp>
+        <p:nvSpPr>
+          <p:cNvPr id="2" name="Slide Image Placeholder 1"/>
+          <p:cNvSpPr>
+            <a:spLocks noGrp="1" noRot="1" noChangeAspect="1"/>
+          </p:cNvSpPr>
+          <p:nvPr>
+            <p:ph type="sldImg"/>
+          </p:nvPr>
+        </p:nvSpPr>
+        <p:spPr/>
+      </p:sp>
+      <p:sp>
+        <p:nvSpPr>
+          <p:cNvPr id="3" name="Notes Placeholder 2"/>
+          <p:cNvSpPr>
+            <a:spLocks noGrp="1"/>
+          </p:cNvSpPr>
+          <p:nvPr>
+            <p:ph type="body" idx="1"/>
+          </p:nvPr>
+        </p:nvSpPr>
+        <p:spPr/>
+        <p:txBody>
+          <a:bodyPr/>
+          <a:lstStyle/>
+          <a:p>
+            <a:r>
+              <a:rPr lang="en-US" dirty="0"/>
+              <a:t>Given the underlying model we can define a probabilistic process for generating documents.</a:t>
+            </a:r>
+          </a:p>
+        </p:txBody>
+      </p:sp>
+      <p:sp>
+        <p:nvSpPr>
+          <p:cNvPr id="4" name="Slide Number Placeholder 3"/>
+          <p:cNvSpPr>
+            <a:spLocks noGrp="1"/>
+          </p:cNvSpPr>
+          <p:nvPr>
+            <p:ph type="sldNum" sz="quarter" idx="10"/>
+          </p:nvPr>
+        </p:nvSpPr>
+        <p:spPr/>
+        <p:txBody>
+          <a:bodyPr/>
+          <a:lstStyle/>
+          <a:p>
+            <a:fld id="{E6C47E0B-2958-48CC-BA4E-C350203CF107}" type="slidenum">
+              <a:rPr lang="en-US" smtClean="0"/>
+              <a:pPr/>
+              <a:t>51</a:t>
+            </a:fld>
+            <a:endParaRPr lang="en-US"/>
+          </a:p>
+        </p:txBody>
+      </p:sp>
+    </p:spTree>
+    <p:extLst>
+      <p:ext uri="{BB962C8B-B14F-4D97-AF65-F5344CB8AC3E}">
+        <p14:creationId xmlns:p14="http://schemas.microsoft.com/office/powerpoint/2010/main" val="3237366939"/>
+      </p:ext>
+    </p:extLst>
+  </p:cSld>
+  <p:clrMapOvr>
+    <a:masterClrMapping/>
+  </p:clrMapOvr>
+</p:notes>
+</file>
+
+<file path=ppt/notesSlides/notesSlide52.xml><?xml version="1.0" encoding="utf-8"?>
+<p:notes xmlns:a="http://schemas.openxmlformats.org/drawingml/2006/main" xmlns:r="http://schemas.openxmlformats.org/officeDocument/2006/relationships" xmlns:p="http://schemas.openxmlformats.org/presentationml/2006/main">
+  <p:cSld>
+    <p:spTree>
+      <p:nvGrpSpPr>
+        <p:cNvPr id="1" name=""/>
+        <p:cNvGrpSpPr/>
+        <p:nvPr/>
+      </p:nvGrpSpPr>
+      <p:grpSpPr>
+        <a:xfrm>
+          <a:off x="0" y="0"/>
+          <a:ext cx="0" cy="0"/>
+          <a:chOff x="0" y="0"/>
+          <a:chExt cx="0" cy="0"/>
+        </a:xfrm>
+      </p:grpSpPr>
+      <p:sp>
+        <p:nvSpPr>
+          <p:cNvPr id="2" name="Slide Image Placeholder 1"/>
+          <p:cNvSpPr>
+            <a:spLocks noGrp="1" noRot="1" noChangeAspect="1"/>
+          </p:cNvSpPr>
+          <p:nvPr>
+            <p:ph type="sldImg"/>
+          </p:nvPr>
+        </p:nvSpPr>
+        <p:spPr/>
+      </p:sp>
+      <p:sp>
+        <p:nvSpPr>
+          <p:cNvPr id="3" name="Notes Placeholder 2"/>
+          <p:cNvSpPr>
+            <a:spLocks noGrp="1"/>
+          </p:cNvSpPr>
+          <p:nvPr>
+            <p:ph type="body" idx="1"/>
+          </p:nvPr>
+        </p:nvSpPr>
+        <p:spPr/>
+        <p:txBody>
+          <a:bodyPr/>
+          <a:lstStyle/>
+          <a:p>
+            <a:r>
+              <a:rPr lang="en-US" dirty="0"/>
+              <a:t>The challenge is to determine the probabilistic model. The situation we consider</a:t>
+            </a:r>
+            <a:r>
+              <a:rPr lang="en-US" baseline="0" dirty="0"/>
+              <a:t> in practice is that a set of documents is given, and we intend to reconstruct the (most likely) probabilistic process that has generated this document collection. This is a difficult problem to solve.</a:t>
+            </a:r>
+            <a:endParaRPr lang="en-US" dirty="0"/>
+          </a:p>
+        </p:txBody>
+      </p:sp>
+      <p:sp>
+        <p:nvSpPr>
+          <p:cNvPr id="4" name="Slide Number Placeholder 3"/>
+          <p:cNvSpPr>
+            <a:spLocks noGrp="1"/>
+          </p:cNvSpPr>
+          <p:nvPr>
+            <p:ph type="sldNum" sz="quarter" idx="10"/>
+          </p:nvPr>
+        </p:nvSpPr>
+        <p:spPr/>
+        <p:txBody>
+          <a:bodyPr/>
+          <a:lstStyle/>
+          <a:p>
+            <a:fld id="{E6C47E0B-2958-48CC-BA4E-C350203CF107}" type="slidenum">
+              <a:rPr lang="en-US" smtClean="0"/>
+              <a:pPr/>
+              <a:t>52</a:t>
+            </a:fld>
+            <a:endParaRPr lang="en-US"/>
+          </a:p>
+        </p:txBody>
+      </p:sp>
+    </p:spTree>
+    <p:extLst>
+      <p:ext uri="{BB962C8B-B14F-4D97-AF65-F5344CB8AC3E}">
+        <p14:creationId xmlns:p14="http://schemas.microsoft.com/office/powerpoint/2010/main" val="325392662"/>
+      </p:ext>
+    </p:extLst>
+  </p:cSld>
+  <p:clrMapOvr>
+    <a:masterClrMapping/>
+  </p:clrMapOvr>
+</p:notes>
+</file>
+
+<file path=ppt/notesSlides/notesSlide53.xml><?xml version="1.0" encoding="utf-8"?>
+<p:notes xmlns:a="http://schemas.openxmlformats.org/drawingml/2006/main" xmlns:r="http://schemas.openxmlformats.org/officeDocument/2006/relationships" xmlns:p="http://schemas.openxmlformats.org/presentationml/2006/main">
+  <p:cSld>
+    <p:spTree>
+      <p:nvGrpSpPr>
+        <p:cNvPr id="1" name=""/>
+        <p:cNvGrpSpPr/>
+        <p:nvPr/>
+      </p:nvGrpSpPr>
+      <p:grpSpPr>
+        <a:xfrm>
+          <a:off x="0" y="0"/>
+          <a:ext cx="0" cy="0"/>
+          <a:chOff x="0" y="0"/>
+          <a:chExt cx="0" cy="0"/>
+        </a:xfrm>
+      </p:grpSpPr>
+      <p:sp>
+        <p:nvSpPr>
+          <p:cNvPr id="2" name="Slide Image Placeholder 1"/>
+          <p:cNvSpPr>
+            <a:spLocks noGrp="1" noRot="1" noChangeAspect="1"/>
+          </p:cNvSpPr>
+          <p:nvPr>
+            <p:ph type="sldImg"/>
+          </p:nvPr>
+        </p:nvSpPr>
+        <p:spPr/>
+      </p:sp>
+      <p:sp>
+        <p:nvSpPr>
+          <p:cNvPr id="3" name="Notes Placeholder 2"/>
+          <p:cNvSpPr>
+            <a:spLocks noGrp="1"/>
+          </p:cNvSpPr>
+          <p:nvPr>
+            <p:ph type="body" idx="1"/>
+          </p:nvPr>
+        </p:nvSpPr>
+        <p:spPr/>
+        <p:txBody>
+          <a:bodyPr/>
+          <a:lstStyle/>
+          <a:p>
+            <a:r>
+              <a:rPr lang="en-US" dirty="0"/>
+              <a:t>We do</a:t>
+            </a:r>
+            <a:r>
+              <a:rPr lang="en-US" baseline="0" dirty="0"/>
+              <a:t> not present the details of LDA here, as the method is mathematically fairly involved. However, it is important to note that it is considered today as the state-of-the-art method of topic detection.</a:t>
+            </a:r>
+            <a:endParaRPr lang="en-US" dirty="0"/>
+          </a:p>
+        </p:txBody>
+      </p:sp>
+      <p:sp>
+        <p:nvSpPr>
+          <p:cNvPr id="4" name="Slide Number Placeholder 3"/>
+          <p:cNvSpPr>
+            <a:spLocks noGrp="1"/>
+          </p:cNvSpPr>
+          <p:nvPr>
+            <p:ph type="sldNum" sz="quarter" idx="10"/>
+          </p:nvPr>
+        </p:nvSpPr>
+        <p:spPr/>
+        <p:txBody>
+          <a:bodyPr/>
+          <a:lstStyle/>
+          <a:p>
+            <a:fld id="{E6C47E0B-2958-48CC-BA4E-C350203CF107}" type="slidenum">
+              <a:rPr lang="en-US" smtClean="0"/>
+              <a:pPr/>
+              <a:t>53</a:t>
+            </a:fld>
+            <a:endParaRPr lang="en-US"/>
+          </a:p>
+        </p:txBody>
+      </p:sp>
+    </p:spTree>
+    <p:extLst>
+      <p:ext uri="{BB962C8B-B14F-4D97-AF65-F5344CB8AC3E}">
+        <p14:creationId xmlns:p14="http://schemas.microsoft.com/office/powerpoint/2010/main" val="145611347"/>
+      </p:ext>
+    </p:extLst>
+  </p:cSld>
+  <p:clrMapOvr>
+    <a:masterClrMapping/>
+  </p:clrMapOvr>
+</p:notes>
+</file>
+
+<file path=ppt/notesSlides/notesSlide54.xml><?xml version="1.0" encoding="utf-8"?>
+<p:notes xmlns:a="http://schemas.openxmlformats.org/drawingml/2006/main" xmlns:r="http://schemas.openxmlformats.org/officeDocument/2006/relationships" xmlns:p="http://schemas.openxmlformats.org/presentationml/2006/main">
+  <p:cSld>
+    <p:spTree>
+      <p:nvGrpSpPr>
+        <p:cNvPr id="1" name=""/>
+        <p:cNvGrpSpPr/>
+        <p:nvPr/>
+      </p:nvGrpSpPr>
+      <p:grpSpPr>
+        <a:xfrm>
+          <a:off x="0" y="0"/>
+          <a:ext cx="0" cy="0"/>
+          <a:chOff x="0" y="0"/>
+          <a:chExt cx="0" cy="0"/>
+        </a:xfrm>
+      </p:grpSpPr>
+      <p:sp>
+        <p:nvSpPr>
+          <p:cNvPr id="2" name="Slide Image Placeholder 1"/>
+          <p:cNvSpPr>
+            <a:spLocks noGrp="1" noRot="1" noChangeAspect="1"/>
+          </p:cNvSpPr>
+          <p:nvPr>
+            <p:ph type="sldImg"/>
+          </p:nvPr>
+        </p:nvSpPr>
+        <p:spPr/>
+      </p:sp>
+      <p:sp>
+        <p:nvSpPr>
+          <p:cNvPr id="3" name="Notes Placeholder 2"/>
+          <p:cNvSpPr>
+            <a:spLocks noGrp="1"/>
+          </p:cNvSpPr>
+          <p:nvPr>
+            <p:ph type="body" idx="1"/>
+          </p:nvPr>
+        </p:nvSpPr>
+        <p:spPr/>
+        <p:txBody>
+          <a:bodyPr/>
+          <a:lstStyle/>
+          <a:p>
+            <a:r>
+              <a:rPr lang="en-US" dirty="0"/>
+              <a:t>Topic models provide a representation</a:t>
+            </a:r>
+            <a:r>
+              <a:rPr lang="en-US" baseline="0" dirty="0"/>
+              <a:t> of documents at a conceptual level. Therefore they are applied in many different contexts, including document retrieval and classification.</a:t>
+            </a:r>
+            <a:endParaRPr lang="en-US" dirty="0"/>
+          </a:p>
+        </p:txBody>
+      </p:sp>
+      <p:sp>
+        <p:nvSpPr>
+          <p:cNvPr id="4" name="Slide Number Placeholder 3"/>
+          <p:cNvSpPr>
+            <a:spLocks noGrp="1"/>
+          </p:cNvSpPr>
+          <p:nvPr>
+            <p:ph type="sldNum" sz="quarter" idx="10"/>
+          </p:nvPr>
+        </p:nvSpPr>
+        <p:spPr/>
+        <p:txBody>
+          <a:bodyPr/>
+          <a:lstStyle/>
+          <a:p>
+            <a:fld id="{E6C47E0B-2958-48CC-BA4E-C350203CF107}" type="slidenum">
+              <a:rPr lang="en-US" smtClean="0"/>
+              <a:pPr/>
+              <a:t>54</a:t>
+            </a:fld>
+            <a:endParaRPr lang="en-US"/>
+          </a:p>
+        </p:txBody>
+      </p:sp>
+    </p:spTree>
+    <p:extLst>
+      <p:ext uri="{BB962C8B-B14F-4D97-AF65-F5344CB8AC3E}">
+        <p14:creationId xmlns:p14="http://schemas.microsoft.com/office/powerpoint/2010/main" val="3541760909"/>
+      </p:ext>
+    </p:extLst>
+  </p:cSld>
+  <p:clrMapOvr>
+    <a:masterClrMapping/>
+  </p:clrMapOvr>
+</p:notes>
+</file>
+
+<file path=ppt/notesSlides/notesSlide55.xml><?xml version="1.0" encoding="utf-8"?>
+<p:notes xmlns:a="http://schemas.openxmlformats.org/drawingml/2006/main" xmlns:r="http://schemas.openxmlformats.org/officeDocument/2006/relationships" xmlns:p="http://schemas.openxmlformats.org/presentationml/2006/main">
+  <p:cSld>
+    <p:spTree>
+      <p:nvGrpSpPr>
+        <p:cNvPr id="1" name=""/>
+        <p:cNvGrpSpPr/>
+        <p:nvPr/>
+      </p:nvGrpSpPr>
+      <p:grpSpPr>
+        <a:xfrm>
+          <a:off x="0" y="0"/>
+          <a:ext cx="0" cy="0"/>
+          <a:chOff x="0" y="0"/>
+          <a:chExt cx="0" cy="0"/>
+        </a:xfrm>
+      </p:grpSpPr>
+      <p:sp>
+        <p:nvSpPr>
+          <p:cNvPr id="2" name="Slide Image Placeholder 1"/>
+          <p:cNvSpPr>
+            <a:spLocks noGrp="1" noRot="1" noChangeAspect="1"/>
+          </p:cNvSpPr>
+          <p:nvPr>
+            <p:ph type="sldImg"/>
+          </p:nvPr>
+        </p:nvSpPr>
+        <p:spPr/>
+      </p:sp>
+      <p:sp>
+        <p:nvSpPr>
+          <p:cNvPr id="3" name="Notes Placeholder 2"/>
+          <p:cNvSpPr>
+            <a:spLocks noGrp="1"/>
+          </p:cNvSpPr>
+          <p:nvPr>
+            <p:ph type="body" idx="1"/>
+          </p:nvPr>
+        </p:nvSpPr>
+        <p:spPr/>
+        <p:txBody>
+          <a:bodyPr/>
+          <a:lstStyle/>
+          <a:p>
+            <a:r>
+              <a:rPr lang="en-US" dirty="0"/>
+              <a:t>This illustration summarizes the connection among </a:t>
+            </a:r>
+            <a:r>
+              <a:rPr lang="en-US" baseline="0" dirty="0"/>
+              <a:t>the vector space model, which was introduced for information retrieval and topic models that produce low-dimensional (dense) representation of documents.</a:t>
+            </a:r>
+            <a:endParaRPr lang="en-US" dirty="0"/>
+          </a:p>
+        </p:txBody>
+      </p:sp>
+      <p:sp>
+        <p:nvSpPr>
+          <p:cNvPr id="4" name="Slide Number Placeholder 3"/>
+          <p:cNvSpPr>
+            <a:spLocks noGrp="1"/>
+          </p:cNvSpPr>
+          <p:nvPr>
+            <p:ph type="sldNum" sz="quarter" idx="10"/>
+          </p:nvPr>
+        </p:nvSpPr>
+        <p:spPr/>
+        <p:txBody>
+          <a:bodyPr/>
+          <a:lstStyle/>
+          <a:p>
+            <a:fld id="{E6C47E0B-2958-48CC-BA4E-C350203CF107}" type="slidenum">
+              <a:rPr lang="en-US" smtClean="0"/>
+              <a:pPr/>
+              <a:t>55</a:t>
+            </a:fld>
+            <a:endParaRPr lang="en-US"/>
+          </a:p>
+        </p:txBody>
+      </p:sp>
+    </p:spTree>
+    <p:extLst>
+      <p:ext uri="{BB962C8B-B14F-4D97-AF65-F5344CB8AC3E}">
+        <p14:creationId xmlns:p14="http://schemas.microsoft.com/office/powerpoint/2010/main" val="2723816474"/>
       </p:ext>
     </p:extLst>
   </p:cSld>
@@ -10702,11 +11347,11 @@
           <a:p>
             <a:r>
               <a:rPr lang="en-US" dirty="0"/>
-              <a:t>Given a language model for the generation</a:t>
+              <a:t>Instead of using a</a:t>
             </a:r>
             <a:r>
               <a:rPr lang="en-US" baseline="0" dirty="0"/>
-              <a:t> of documents, we can now compute within that model the probability that a given query q has been generated by the model of a document d. We give one example showing such a computation. With this approach we are now ready to compute query likelihood for all documents of a document collection.</a:t>
+              <a:t> deterministic automaton, we can also use a probabilistic state automaton, in other words, a Markov process. In the simplest case the automaton has a single state, and every state transition emits with a certain probability one term out of a vocabulary. In addition, the automaton can stop with a certain probability. The table captures the transition probabilities of two possible models M1 and  M2. In the two models, the probability to stop is given as P(STOP|Q) = 0.2.</a:t>
             </a:r>
             <a:endParaRPr lang="en-US" dirty="0"/>
           </a:p>
@@ -10735,7 +11380,7 @@
               <a:pPr>
                 <a:defRPr/>
               </a:pPr>
-              <a:t>7</a:t>
+              <a:t>6</a:t>
             </a:fld>
             <a:endParaRPr lang="en-US"/>
           </a:p>
@@ -10744,7 +11389,7 @@
     </p:spTree>
     <p:extLst>
       <p:ext uri="{BB962C8B-B14F-4D97-AF65-F5344CB8AC3E}">
-        <p14:creationId xmlns:p14="http://schemas.microsoft.com/office/powerpoint/2010/main" val="704982951"/>
+        <p14:creationId xmlns:p14="http://schemas.microsoft.com/office/powerpoint/2010/main" val="2680550786"/>
       </p:ext>
     </p:extLst>
   </p:cSld>
@@ -10800,11 +11445,11 @@
           <a:p>
             <a:r>
               <a:rPr lang="en-US" dirty="0"/>
-              <a:t>For applying the probabilistic retrieval method described before, we need first to learn the language</a:t>
+              <a:t>Given a language model for the generation</a:t>
             </a:r>
             <a:r>
               <a:rPr lang="en-US" baseline="0" dirty="0"/>
-              <a:t> model of each document. The learning is performed using Maximum Likelihood Estimation (MLE). In the case of the unigram model, this is a straightforward task. We just estimate the term probabilities by counting the document frequencies and normalizing by document length. When using the model for a query q, we then use those estimates, to estimate the relevance of a query for the document, as illustrated before.</a:t>
+              <a:t> of documents, we can now compute within that model the probability that a given query q has been generated by the model of a document d. We give one example showing such a computation. With this approach we are now ready to compute query likelihood for all documents of a document collection.</a:t>
             </a:r>
             <a:endParaRPr lang="en-US" dirty="0"/>
           </a:p>
@@ -10833,7 +11478,7 @@
               <a:pPr>
                 <a:defRPr/>
               </a:pPr>
-              <a:t>8</a:t>
+              <a:t>7</a:t>
             </a:fld>
             <a:endParaRPr lang="en-US"/>
           </a:p>
@@ -10842,7 +11487,7 @@
     </p:spTree>
     <p:extLst>
       <p:ext uri="{BB962C8B-B14F-4D97-AF65-F5344CB8AC3E}">
-        <p14:creationId xmlns:p14="http://schemas.microsoft.com/office/powerpoint/2010/main" val="1907227342"/>
+        <p14:creationId xmlns:p14="http://schemas.microsoft.com/office/powerpoint/2010/main" val="704982951"/>
       </p:ext>
     </p:extLst>
   </p:cSld>
@@ -10898,11 +11543,11 @@
           <a:p>
             <a:r>
               <a:rPr lang="en-US" dirty="0"/>
-              <a:t>Applying the afore mentioned</a:t>
+              <a:t>For applying the probabilistic retrieval method described before, we need first to learn the language</a:t>
             </a:r>
             <a:r>
               <a:rPr lang="en-US" baseline="0" dirty="0"/>
-              <a:t> approach to estimate relevance of a document to a query has a practical problem: if  the query contains a term not occurring in the document the estimated probability will be unavoidably zero, since one of the factors of the product computing that probability will be zero. In other words, the query cannot be generated by the document model, thus the document is not relevant to the query. This is not only impractical, but also not meaningful from a more theoretical perspective. Since we used MLE to generate the model, we were using the statistics of one specific document, that has been generated by a potentially complex model, that may contain other terms that just were not generated for this document.</a:t>
+              <a:t> model of each document. The learning is performed using Maximum Likelihood Estimation (MLE). In the case of the unigram model, this is a straightforward task. We just estimate the term probabilities by counting the document frequencies and normalizing by document length. When using the model for a query q, we then use those estimates, to estimate the relevance of a query for the document, as illustrated before.</a:t>
             </a:r>
             <a:endParaRPr lang="en-US" dirty="0"/>
           </a:p>
@@ -10931,7 +11576,7 @@
               <a:pPr>
                 <a:defRPr/>
               </a:pPr>
-              <a:t>11</a:t>
+              <a:t>8</a:t>
             </a:fld>
             <a:endParaRPr lang="en-US"/>
           </a:p>
@@ -10940,7 +11585,7 @@
     </p:spTree>
     <p:extLst>
       <p:ext uri="{BB962C8B-B14F-4D97-AF65-F5344CB8AC3E}">
-        <p14:creationId xmlns:p14="http://schemas.microsoft.com/office/powerpoint/2010/main" val="1813711000"/>
+        <p14:creationId xmlns:p14="http://schemas.microsoft.com/office/powerpoint/2010/main" val="1907227342"/>
       </p:ext>
     </p:extLst>
   </p:cSld>
@@ -10994,52 +11639,7 @@
           <a:bodyPr/>
           <a:lstStyle/>
           <a:p>
-            <a:r>
-              <a:rPr lang="en-US" sz="1400" kern="1200" dirty="0">
-                <a:solidFill>
-                  <a:schemeClr val="tx1"/>
-                </a:solidFill>
-                <a:effectLst/>
-                <a:latin typeface="Times New Roman" pitchFamily="18" charset="0"/>
-                <a:ea typeface="ＭＳ Ｐゴシック" pitchFamily="34" charset="-128"/>
-                <a:cs typeface="ＭＳ Ｐゴシック" charset="0"/>
-              </a:rPr>
-              <a:t>To fix the aforementioned</a:t>
-            </a:r>
-            <a:r>
-              <a:rPr lang="en-US" sz="1400" kern="1200" baseline="0" dirty="0">
-                <a:solidFill>
-                  <a:schemeClr val="tx1"/>
-                </a:solidFill>
-                <a:effectLst/>
-                <a:latin typeface="Times New Roman" pitchFamily="18" charset="0"/>
-                <a:ea typeface="ＭＳ Ｐゴシック" pitchFamily="34" charset="-128"/>
-                <a:cs typeface="ＭＳ Ｐゴシック" charset="0"/>
-              </a:rPr>
-              <a:t> problem an approach called smoothing is applied. The basic idea is to assume that in fact every term potentially could occur in the document generated by its document model, including those that are not part of the actual document; only that the probability of terms not seen in the document is presumably less likely to occur as it would be expected to occur in the overall document collection. The smoothed estimate then combines the estimated likelihood to occur in the document according to the model generated from the document, with the estimated likelihood of a term occurring in the general document collection, modeled as a generic language model using the statistics from the document collection.</a:t>
-            </a:r>
-          </a:p>
-          <a:p>
-            <a:endParaRPr lang="en-US" sz="1400" kern="1200" baseline="0" dirty="0">
-              <a:solidFill>
-                <a:schemeClr val="tx1"/>
-              </a:solidFill>
-              <a:effectLst/>
-              <a:latin typeface="Times New Roman" pitchFamily="18" charset="0"/>
-              <a:ea typeface="ＭＳ Ｐゴシック" pitchFamily="34" charset="-128"/>
-              <a:cs typeface="ＭＳ Ｐゴシック" charset="0"/>
-            </a:endParaRPr>
-          </a:p>
-          <a:p>
-            <a:endParaRPr lang="en-US" sz="1400" kern="1200" dirty="0">
-              <a:solidFill>
-                <a:schemeClr val="tx1"/>
-              </a:solidFill>
-              <a:effectLst/>
-              <a:latin typeface="Times New Roman" pitchFamily="18" charset="0"/>
-              <a:ea typeface="ＭＳ Ｐゴシック" pitchFamily="34" charset="-128"/>
-              <a:cs typeface="ＭＳ Ｐゴシック" charset="0"/>
-            </a:endParaRPr>
+            <a:endParaRPr lang="en-GB"/>
           </a:p>
         </p:txBody>
       </p:sp>
@@ -11050,7 +11650,7 @@
             <a:spLocks noGrp="1"/>
           </p:cNvSpPr>
           <p:nvPr>
-            <p:ph type="sldNum" sz="quarter" idx="10"/>
+            <p:ph type="sldNum" sz="quarter" idx="5"/>
           </p:nvPr>
         </p:nvSpPr>
         <p:spPr/>
@@ -11058,15 +11658,10 @@
           <a:bodyPr/>
           <a:lstStyle/>
           <a:p>
-            <a:pPr>
-              <a:defRPr/>
-            </a:pPr>
-            <a:fld id="{14727734-ABCF-234D-B636-C5B0C95204C2}" type="slidenum">
+            <a:fld id="{E6C47E0B-2958-48CC-BA4E-C350203CF107}" type="slidenum">
               <a:rPr lang="en-US" smtClean="0"/>
-              <a:pPr>
-                <a:defRPr/>
-              </a:pPr>
-              <a:t>12</a:t>
+              <a:pPr/>
+              <a:t>9</a:t>
             </a:fld>
             <a:endParaRPr lang="en-US"/>
           </a:p>
@@ -11075,7 +11670,7 @@
     </p:spTree>
     <p:extLst>
       <p:ext uri="{BB962C8B-B14F-4D97-AF65-F5344CB8AC3E}">
-        <p14:creationId xmlns:p14="http://schemas.microsoft.com/office/powerpoint/2010/main" val="3507213165"/>
+        <p14:creationId xmlns:p14="http://schemas.microsoft.com/office/powerpoint/2010/main" val="1745490673"/>
       </p:ext>
     </p:extLst>
   </p:cSld>
@@ -14421,7 +15016,19 @@
             </a:pPr>
             <a:r>
               <a:rPr lang="en-US" sz="2386" dirty="0"/>
-              <a:t>P(information search | d) &lt; P(information | </a:t>
+              <a:t>P(information search | </a:t>
+            </a:r>
+            <a:r>
+              <a:rPr lang="en-US" sz="2386" dirty="0" err="1"/>
+              <a:t> M</a:t>
+            </a:r>
+            <a:r>
+              <a:rPr lang="en-US" sz="2386" baseline="-25000" dirty="0" err="1"/>
+              <a:t>d</a:t>
+            </a:r>
+            <a:r>
+              <a:rPr lang="en-US" sz="2386" dirty="0"/>
+              <a:t>) &lt; P(information | </a:t>
             </a:r>
             <a:r>
               <a:rPr lang="en-US" sz="2386" dirty="0" err="1"/>
@@ -16507,7 +17114,6 @@
           </p:cNvGraphicFramePr>
           <p:nvPr>
             <p:ph idx="1"/>
-            <p:extLst/>
           </p:nvPr>
         </p:nvGraphicFramePr>
         <p:xfrm>
@@ -25483,9 +26089,7 @@
           <p:cNvGraphicFramePr>
             <a:graphicFrameLocks noChangeAspect="1"/>
           </p:cNvGraphicFramePr>
-          <p:nvPr>
-            <p:extLst/>
-          </p:nvPr>
+          <p:nvPr/>
         </p:nvGraphicFramePr>
         <p:xfrm>
           <a:off x="2627784" y="1998739"/>
@@ -25495,7 +26099,7 @@
           <a:graphicData uri="http://schemas.openxmlformats.org/presentationml/2006/ole">
             <mc:AlternateContent xmlns:mc="http://schemas.openxmlformats.org/markup-compatibility/2006">
               <mc:Choice xmlns:v="urn:schemas-microsoft-com:vml" Requires="v">
-                <p:oleObj spid="_x0000_s16455" name="Equation" r:id="rId4" imgW="1168200" imgH="291960" progId="Equation.DSMT4">
+                <p:oleObj spid="_x0000_s16461" name="Equation" r:id="rId4" imgW="1168200" imgH="291960" progId="Equation.DSMT4">
                   <p:embed/>
                 </p:oleObj>
               </mc:Choice>
@@ -25534,7 +26138,7 @@
                       <a:noFill/>
                       <a:extLst>
                         <a:ext uri="{909E8E84-426E-40dd-AFC4-6F175D3DCCD1}">
-                          <a14:hiddenFill xmlns:a14="http://schemas.microsoft.com/office/drawing/2010/main" xmlns="">
+                          <a14:hiddenFill xmlns="" xmlns:a14="http://schemas.microsoft.com/office/drawing/2010/main">
                             <a:solidFill>
                               <a:srgbClr val="FFFFFF"/>
                             </a:solidFill>
@@ -25555,9 +26159,7 @@
           <p:cNvGraphicFramePr>
             <a:graphicFrameLocks noChangeAspect="1"/>
           </p:cNvGraphicFramePr>
-          <p:nvPr>
-            <p:extLst/>
-          </p:nvPr>
+          <p:nvPr/>
         </p:nvGraphicFramePr>
         <p:xfrm>
           <a:off x="2771801" y="5517232"/>
@@ -25567,7 +26169,7 @@
           <a:graphicData uri="http://schemas.openxmlformats.org/presentationml/2006/ole">
             <mc:AlternateContent xmlns:mc="http://schemas.openxmlformats.org/markup-compatibility/2006">
               <mc:Choice xmlns:v="urn:schemas-microsoft-com:vml" Requires="v">
-                <p:oleObj spid="_x0000_s16456" name="Equation" r:id="rId6" imgW="1143000" imgH="279360" progId="Equation.3">
+                <p:oleObj spid="_x0000_s16462" name="Equation" r:id="rId6" imgW="1143000" imgH="279360" progId="Equation.3">
                   <p:embed/>
                 </p:oleObj>
               </mc:Choice>
@@ -25606,7 +26208,7 @@
                       <a:noFill/>
                       <a:extLst>
                         <a:ext uri="{909E8E84-426E-40dd-AFC4-6F175D3DCCD1}">
-                          <a14:hiddenFill xmlns:a14="http://schemas.microsoft.com/office/drawing/2010/main" xmlns="">
+                          <a14:hiddenFill xmlns="" xmlns:a14="http://schemas.microsoft.com/office/drawing/2010/main">
                             <a:solidFill>
                               <a:srgbClr val="FFFFFF"/>
                             </a:solidFill>
@@ -33627,9 +34229,7 @@
           <p:cNvGraphicFramePr>
             <a:graphicFrameLocks noChangeAspect="1"/>
           </p:cNvGraphicFramePr>
-          <p:nvPr>
-            <p:extLst/>
-          </p:nvPr>
+          <p:nvPr/>
         </p:nvGraphicFramePr>
         <p:xfrm>
           <a:off x="2484441" y="5291139"/>
@@ -33639,7 +34239,7 @@
           <a:graphicData uri="http://schemas.openxmlformats.org/presentationml/2006/ole">
             <mc:AlternateContent xmlns:mc="http://schemas.openxmlformats.org/markup-compatibility/2006">
               <mc:Choice xmlns:v="urn:schemas-microsoft-com:vml" Requires="v">
-                <p:oleObj spid="_x0000_s17444" name="Equation" r:id="rId4" imgW="1473120" imgH="495000" progId="Equation.3">
+                <p:oleObj spid="_x0000_s17447" name="Equation" r:id="rId4" imgW="1473120" imgH="495000" progId="Equation.3">
                   <p:embed/>
                 </p:oleObj>
               </mc:Choice>
@@ -33678,7 +34278,7 @@
                       <a:noFill/>
                       <a:extLst>
                         <a:ext uri="{909E8E84-426E-40dd-AFC4-6F175D3DCCD1}">
-                          <a14:hiddenFill xmlns:a14="http://schemas.microsoft.com/office/drawing/2010/main" xmlns="">
+                          <a14:hiddenFill xmlns="" xmlns:a14="http://schemas.microsoft.com/office/drawing/2010/main">
                             <a:solidFill>
                               <a:srgbClr val="FFFFFF"/>
                             </a:solidFill>
@@ -36567,14 +37167,14 @@
           <a:ln/>
           <a:extLst>
             <a:ext uri="{909E8E84-426E-40dd-AFC4-6F175D3DCCD1}">
-              <a14:hiddenFill xmlns:a14="http://schemas.microsoft.com/office/drawing/2010/main" xmlns="">
+              <a14:hiddenFill xmlns="" xmlns:a14="http://schemas.microsoft.com/office/drawing/2010/main">
                 <a:solidFill>
                   <a:srgbClr val="FFFFFF"/>
                 </a:solidFill>
               </a14:hiddenFill>
             </a:ext>
             <a:ext uri="{91240B29-F687-4f45-9708-019B960494DF}">
-              <a14:hiddenLine xmlns:a14="http://schemas.microsoft.com/office/drawing/2010/main" xmlns="" w="9525">
+              <a14:hiddenLine xmlns="" xmlns:a14="http://schemas.microsoft.com/office/drawing/2010/main" w="9525">
                 <a:solidFill>
                   <a:srgbClr val="000000"/>
                 </a:solidFill>
@@ -40005,7 +40605,7 @@
           </a:ln>
           <a:extLst>
             <a:ext uri="{909E8E84-426E-40dd-AFC4-6F175D3DCCD1}">
-              <a14:hiddenFill xmlns:a14="http://schemas.microsoft.com/office/drawing/2010/main" xmlns="">
+              <a14:hiddenFill xmlns="" xmlns:a14="http://schemas.microsoft.com/office/drawing/2010/main">
                 <a:noFill/>
               </a14:hiddenFill>
             </a:ext>
@@ -40045,14 +40645,14 @@
           </a:ln>
           <a:extLst>
             <a:ext uri="{909E8E84-426E-40dd-AFC4-6F175D3DCCD1}">
-              <a14:hiddenFill xmlns:a14="http://schemas.microsoft.com/office/drawing/2010/main" xmlns="">
+              <a14:hiddenFill xmlns="" xmlns:a14="http://schemas.microsoft.com/office/drawing/2010/main">
                 <a:solidFill>
                   <a:srgbClr val="FFFFFF"/>
                 </a:solidFill>
               </a14:hiddenFill>
             </a:ext>
             <a:ext uri="{91240B29-F687-4f45-9708-019B960494DF}">
-              <a14:hiddenLine xmlns:a14="http://schemas.microsoft.com/office/drawing/2010/main" xmlns="" w="9525">
+              <a14:hiddenLine xmlns="" xmlns:a14="http://schemas.microsoft.com/office/drawing/2010/main" w="9525">
                 <a:solidFill>
                   <a:srgbClr val="000000"/>
                 </a:solidFill>
@@ -40219,7 +40819,7 @@
           </a:ln>
           <a:extLst>
             <a:ext uri="{909E8E84-426E-40dd-AFC4-6F175D3DCCD1}">
-              <a14:hiddenFill xmlns:a14="http://schemas.microsoft.com/office/drawing/2010/main" xmlns="">
+              <a14:hiddenFill xmlns="" xmlns:a14="http://schemas.microsoft.com/office/drawing/2010/main">
                 <a:solidFill>
                   <a:srgbClr val="FFFFFF"/>
                 </a:solidFill>
@@ -40371,14 +40971,14 @@
           </a:ln>
           <a:extLst>
             <a:ext uri="{909E8E84-426E-40dd-AFC4-6F175D3DCCD1}">
-              <a14:hiddenFill xmlns:a14="http://schemas.microsoft.com/office/drawing/2010/main" xmlns="">
+              <a14:hiddenFill xmlns="" xmlns:a14="http://schemas.microsoft.com/office/drawing/2010/main">
                 <a:solidFill>
                   <a:srgbClr val="FFFFFF"/>
                 </a:solidFill>
               </a14:hiddenFill>
             </a:ext>
             <a:ext uri="{91240B29-F687-4f45-9708-019B960494DF}">
-              <a14:hiddenLine xmlns:a14="http://schemas.microsoft.com/office/drawing/2010/main" xmlns="" w="9525">
+              <a14:hiddenLine xmlns="" xmlns:a14="http://schemas.microsoft.com/office/drawing/2010/main" w="9525">
                 <a:solidFill>
                   <a:srgbClr val="000000"/>
                 </a:solidFill>
@@ -40538,14 +41138,14 @@
           </a:ln>
           <a:extLst>
             <a:ext uri="{909E8E84-426E-40dd-AFC4-6F175D3DCCD1}">
-              <a14:hiddenFill xmlns:a14="http://schemas.microsoft.com/office/drawing/2010/main" xmlns="">
+              <a14:hiddenFill xmlns="" xmlns:a14="http://schemas.microsoft.com/office/drawing/2010/main">
                 <a:solidFill>
                   <a:srgbClr val="FFFFFF"/>
                 </a:solidFill>
               </a14:hiddenFill>
             </a:ext>
             <a:ext uri="{91240B29-F687-4f45-9708-019B960494DF}">
-              <a14:hiddenLine xmlns:a14="http://schemas.microsoft.com/office/drawing/2010/main" xmlns="" w="9525">
+              <a14:hiddenLine xmlns="" xmlns:a14="http://schemas.microsoft.com/office/drawing/2010/main" w="9525">
                 <a:solidFill>
                   <a:srgbClr val="000000"/>
                 </a:solidFill>
@@ -40705,14 +41305,14 @@
           </a:ln>
           <a:extLst>
             <a:ext uri="{909E8E84-426E-40dd-AFC4-6F175D3DCCD1}">
-              <a14:hiddenFill xmlns:a14="http://schemas.microsoft.com/office/drawing/2010/main" xmlns="">
+              <a14:hiddenFill xmlns="" xmlns:a14="http://schemas.microsoft.com/office/drawing/2010/main">
                 <a:solidFill>
                   <a:srgbClr val="FFFFFF"/>
                 </a:solidFill>
               </a14:hiddenFill>
             </a:ext>
             <a:ext uri="{91240B29-F687-4f45-9708-019B960494DF}">
-              <a14:hiddenLine xmlns:a14="http://schemas.microsoft.com/office/drawing/2010/main" xmlns="" w="9525">
+              <a14:hiddenLine xmlns="" xmlns:a14="http://schemas.microsoft.com/office/drawing/2010/main" w="9525">
                 <a:solidFill>
                   <a:srgbClr val="000000"/>
                 </a:solidFill>
@@ -40872,14 +41472,14 @@
           </a:ln>
           <a:extLst>
             <a:ext uri="{909E8E84-426E-40dd-AFC4-6F175D3DCCD1}">
-              <a14:hiddenFill xmlns:a14="http://schemas.microsoft.com/office/drawing/2010/main" xmlns="">
+              <a14:hiddenFill xmlns="" xmlns:a14="http://schemas.microsoft.com/office/drawing/2010/main">
                 <a:solidFill>
                   <a:srgbClr val="FFFFFF"/>
                 </a:solidFill>
               </a14:hiddenFill>
             </a:ext>
             <a:ext uri="{91240B29-F687-4f45-9708-019B960494DF}">
-              <a14:hiddenLine xmlns:a14="http://schemas.microsoft.com/office/drawing/2010/main" xmlns="" w="9525">
+              <a14:hiddenLine xmlns="" xmlns:a14="http://schemas.microsoft.com/office/drawing/2010/main" w="9525">
                 <a:solidFill>
                   <a:srgbClr val="000000"/>
                 </a:solidFill>
@@ -41039,14 +41639,14 @@
           </a:ln>
           <a:extLst>
             <a:ext uri="{909E8E84-426E-40dd-AFC4-6F175D3DCCD1}">
-              <a14:hiddenFill xmlns:a14="http://schemas.microsoft.com/office/drawing/2010/main" xmlns="">
+              <a14:hiddenFill xmlns="" xmlns:a14="http://schemas.microsoft.com/office/drawing/2010/main">
                 <a:solidFill>
                   <a:srgbClr val="FFFFFF"/>
                 </a:solidFill>
               </a14:hiddenFill>
             </a:ext>
             <a:ext uri="{91240B29-F687-4f45-9708-019B960494DF}">
-              <a14:hiddenLine xmlns:a14="http://schemas.microsoft.com/office/drawing/2010/main" xmlns="" w="9525">
+              <a14:hiddenLine xmlns="" xmlns:a14="http://schemas.microsoft.com/office/drawing/2010/main" w="9525">
                 <a:solidFill>
                   <a:srgbClr val="000000"/>
                 </a:solidFill>
@@ -41206,14 +41806,14 @@
           </a:ln>
           <a:extLst>
             <a:ext uri="{909E8E84-426E-40dd-AFC4-6F175D3DCCD1}">
-              <a14:hiddenFill xmlns:a14="http://schemas.microsoft.com/office/drawing/2010/main" xmlns="">
+              <a14:hiddenFill xmlns="" xmlns:a14="http://schemas.microsoft.com/office/drawing/2010/main">
                 <a:solidFill>
                   <a:srgbClr val="FFFFFF"/>
                 </a:solidFill>
               </a14:hiddenFill>
             </a:ext>
             <a:ext uri="{91240B29-F687-4f45-9708-019B960494DF}">
-              <a14:hiddenLine xmlns:a14="http://schemas.microsoft.com/office/drawing/2010/main" xmlns="" w="9525">
+              <a14:hiddenLine xmlns="" xmlns:a14="http://schemas.microsoft.com/office/drawing/2010/main" w="9525">
                 <a:solidFill>
                   <a:srgbClr val="000000"/>
                 </a:solidFill>
@@ -41373,14 +41973,14 @@
           </a:ln>
           <a:extLst>
             <a:ext uri="{909E8E84-426E-40dd-AFC4-6F175D3DCCD1}">
-              <a14:hiddenFill xmlns:a14="http://schemas.microsoft.com/office/drawing/2010/main" xmlns="">
+              <a14:hiddenFill xmlns="" xmlns:a14="http://schemas.microsoft.com/office/drawing/2010/main">
                 <a:solidFill>
                   <a:srgbClr val="FFFFFF"/>
                 </a:solidFill>
               </a14:hiddenFill>
             </a:ext>
             <a:ext uri="{91240B29-F687-4f45-9708-019B960494DF}">
-              <a14:hiddenLine xmlns:a14="http://schemas.microsoft.com/office/drawing/2010/main" xmlns="" w="9525">
+              <a14:hiddenLine xmlns="" xmlns:a14="http://schemas.microsoft.com/office/drawing/2010/main" w="9525">
                 <a:solidFill>
                   <a:srgbClr val="000000"/>
                 </a:solidFill>
@@ -41547,7 +42147,7 @@
           </a:ln>
           <a:extLst>
             <a:ext uri="{909E8E84-426E-40dd-AFC4-6F175D3DCCD1}">
-              <a14:hiddenFill xmlns:a14="http://schemas.microsoft.com/office/drawing/2010/main" xmlns="">
+              <a14:hiddenFill xmlns="" xmlns:a14="http://schemas.microsoft.com/office/drawing/2010/main">
                 <a:solidFill>
                   <a:srgbClr val="FFFFFF"/>
                 </a:solidFill>
@@ -41696,14 +42296,14 @@
           </a:ln>
           <a:extLst>
             <a:ext uri="{909E8E84-426E-40dd-AFC4-6F175D3DCCD1}">
-              <a14:hiddenFill xmlns:a14="http://schemas.microsoft.com/office/drawing/2010/main" xmlns="">
+              <a14:hiddenFill xmlns="" xmlns:a14="http://schemas.microsoft.com/office/drawing/2010/main">
                 <a:solidFill>
                   <a:srgbClr val="FFFFFF"/>
                 </a:solidFill>
               </a14:hiddenFill>
             </a:ext>
             <a:ext uri="{91240B29-F687-4f45-9708-019B960494DF}">
-              <a14:hiddenLine xmlns:a14="http://schemas.microsoft.com/office/drawing/2010/main" xmlns="" w="9525">
+              <a14:hiddenLine xmlns="" xmlns:a14="http://schemas.microsoft.com/office/drawing/2010/main" w="9525">
                 <a:solidFill>
                   <a:srgbClr val="000000"/>
                 </a:solidFill>
@@ -41860,14 +42460,14 @@
           </a:ln>
           <a:extLst>
             <a:ext uri="{909E8E84-426E-40dd-AFC4-6F175D3DCCD1}">
-              <a14:hiddenFill xmlns:a14="http://schemas.microsoft.com/office/drawing/2010/main" xmlns="">
+              <a14:hiddenFill xmlns="" xmlns:a14="http://schemas.microsoft.com/office/drawing/2010/main">
                 <a:solidFill>
                   <a:srgbClr val="FFFFFF"/>
                 </a:solidFill>
               </a14:hiddenFill>
             </a:ext>
             <a:ext uri="{91240B29-F687-4f45-9708-019B960494DF}">
-              <a14:hiddenLine xmlns:a14="http://schemas.microsoft.com/office/drawing/2010/main" xmlns="" w="9525">
+              <a14:hiddenLine xmlns="" xmlns:a14="http://schemas.microsoft.com/office/drawing/2010/main" w="9525">
                 <a:solidFill>
                   <a:srgbClr val="000000"/>
                 </a:solidFill>
@@ -42027,14 +42627,14 @@
           </a:ln>
           <a:extLst>
             <a:ext uri="{909E8E84-426E-40dd-AFC4-6F175D3DCCD1}">
-              <a14:hiddenFill xmlns:a14="http://schemas.microsoft.com/office/drawing/2010/main" xmlns="">
+              <a14:hiddenFill xmlns="" xmlns:a14="http://schemas.microsoft.com/office/drawing/2010/main">
                 <a:solidFill>
                   <a:srgbClr val="FFFFFF"/>
                 </a:solidFill>
               </a14:hiddenFill>
             </a:ext>
             <a:ext uri="{91240B29-F687-4f45-9708-019B960494DF}">
-              <a14:hiddenLine xmlns:a14="http://schemas.microsoft.com/office/drawing/2010/main" xmlns="" w="9525">
+              <a14:hiddenLine xmlns="" xmlns:a14="http://schemas.microsoft.com/office/drawing/2010/main" w="9525">
                 <a:solidFill>
                   <a:srgbClr val="000000"/>
                 </a:solidFill>
@@ -42194,14 +42794,14 @@
           </a:ln>
           <a:extLst>
             <a:ext uri="{909E8E84-426E-40dd-AFC4-6F175D3DCCD1}">
-              <a14:hiddenFill xmlns:a14="http://schemas.microsoft.com/office/drawing/2010/main" xmlns="">
+              <a14:hiddenFill xmlns="" xmlns:a14="http://schemas.microsoft.com/office/drawing/2010/main">
                 <a:solidFill>
                   <a:srgbClr val="FFFFFF"/>
                 </a:solidFill>
               </a14:hiddenFill>
             </a:ext>
             <a:ext uri="{91240B29-F687-4f45-9708-019B960494DF}">
-              <a14:hiddenLine xmlns:a14="http://schemas.microsoft.com/office/drawing/2010/main" xmlns="" w="9525">
+              <a14:hiddenLine xmlns="" xmlns:a14="http://schemas.microsoft.com/office/drawing/2010/main" w="9525">
                 <a:solidFill>
                   <a:srgbClr val="000000"/>
                 </a:solidFill>
@@ -42361,14 +42961,14 @@
           </a:ln>
           <a:extLst>
             <a:ext uri="{909E8E84-426E-40dd-AFC4-6F175D3DCCD1}">
-              <a14:hiddenFill xmlns:a14="http://schemas.microsoft.com/office/drawing/2010/main" xmlns="">
+              <a14:hiddenFill xmlns="" xmlns:a14="http://schemas.microsoft.com/office/drawing/2010/main">
                 <a:solidFill>
                   <a:srgbClr val="FFFFFF"/>
                 </a:solidFill>
               </a14:hiddenFill>
             </a:ext>
             <a:ext uri="{91240B29-F687-4f45-9708-019B960494DF}">
-              <a14:hiddenLine xmlns:a14="http://schemas.microsoft.com/office/drawing/2010/main" xmlns="" w="9525">
+              <a14:hiddenLine xmlns="" xmlns:a14="http://schemas.microsoft.com/office/drawing/2010/main" w="9525">
                 <a:solidFill>
                   <a:srgbClr val="000000"/>
                 </a:solidFill>
@@ -42528,14 +43128,14 @@
           </a:ln>
           <a:extLst>
             <a:ext uri="{909E8E84-426E-40dd-AFC4-6F175D3DCCD1}">
-              <a14:hiddenFill xmlns:a14="http://schemas.microsoft.com/office/drawing/2010/main" xmlns="">
+              <a14:hiddenFill xmlns="" xmlns:a14="http://schemas.microsoft.com/office/drawing/2010/main">
                 <a:solidFill>
                   <a:srgbClr val="FFFFFF"/>
                 </a:solidFill>
               </a14:hiddenFill>
             </a:ext>
             <a:ext uri="{91240B29-F687-4f45-9708-019B960494DF}">
-              <a14:hiddenLine xmlns:a14="http://schemas.microsoft.com/office/drawing/2010/main" xmlns="" w="9525">
+              <a14:hiddenLine xmlns="" xmlns:a14="http://schemas.microsoft.com/office/drawing/2010/main" w="9525">
                 <a:solidFill>
                   <a:srgbClr val="000000"/>
                 </a:solidFill>
@@ -42695,14 +43295,14 @@
           </a:ln>
           <a:extLst>
             <a:ext uri="{909E8E84-426E-40dd-AFC4-6F175D3DCCD1}">
-              <a14:hiddenFill xmlns:a14="http://schemas.microsoft.com/office/drawing/2010/main" xmlns="">
+              <a14:hiddenFill xmlns="" xmlns:a14="http://schemas.microsoft.com/office/drawing/2010/main">
                 <a:solidFill>
                   <a:srgbClr val="FFFFFF"/>
                 </a:solidFill>
               </a14:hiddenFill>
             </a:ext>
             <a:ext uri="{91240B29-F687-4f45-9708-019B960494DF}">
-              <a14:hiddenLine xmlns:a14="http://schemas.microsoft.com/office/drawing/2010/main" xmlns="" w="9525">
+              <a14:hiddenLine xmlns="" xmlns:a14="http://schemas.microsoft.com/office/drawing/2010/main" w="9525">
                 <a:solidFill>
                   <a:srgbClr val="000000"/>
                 </a:solidFill>
@@ -42862,14 +43462,14 @@
           </a:ln>
           <a:extLst>
             <a:ext uri="{909E8E84-426E-40dd-AFC4-6F175D3DCCD1}">
-              <a14:hiddenFill xmlns:a14="http://schemas.microsoft.com/office/drawing/2010/main" xmlns="">
+              <a14:hiddenFill xmlns="" xmlns:a14="http://schemas.microsoft.com/office/drawing/2010/main">
                 <a:solidFill>
                   <a:srgbClr val="FFFFFF"/>
                 </a:solidFill>
               </a14:hiddenFill>
             </a:ext>
             <a:ext uri="{91240B29-F687-4f45-9708-019B960494DF}">
-              <a14:hiddenLine xmlns:a14="http://schemas.microsoft.com/office/drawing/2010/main" xmlns="" w="9525">
+              <a14:hiddenLine xmlns="" xmlns:a14="http://schemas.microsoft.com/office/drawing/2010/main" w="9525">
                 <a:solidFill>
                   <a:srgbClr val="000000"/>
                 </a:solidFill>
@@ -43029,14 +43629,14 @@
           </a:ln>
           <a:extLst>
             <a:ext uri="{909E8E84-426E-40dd-AFC4-6F175D3DCCD1}">
-              <a14:hiddenFill xmlns:a14="http://schemas.microsoft.com/office/drawing/2010/main" xmlns="">
+              <a14:hiddenFill xmlns="" xmlns:a14="http://schemas.microsoft.com/office/drawing/2010/main">
                 <a:solidFill>
                   <a:srgbClr val="FFFFFF"/>
                 </a:solidFill>
               </a14:hiddenFill>
             </a:ext>
             <a:ext uri="{91240B29-F687-4f45-9708-019B960494DF}">
-              <a14:hiddenLine xmlns:a14="http://schemas.microsoft.com/office/drawing/2010/main" xmlns="" w="9525">
+              <a14:hiddenLine xmlns="" xmlns:a14="http://schemas.microsoft.com/office/drawing/2010/main" w="9525">
                 <a:solidFill>
                   <a:srgbClr val="000000"/>
                 </a:solidFill>
@@ -43196,14 +43796,14 @@
           </a:ln>
           <a:extLst>
             <a:ext uri="{909E8E84-426E-40dd-AFC4-6F175D3DCCD1}">
-              <a14:hiddenFill xmlns:a14="http://schemas.microsoft.com/office/drawing/2010/main" xmlns="">
+              <a14:hiddenFill xmlns="" xmlns:a14="http://schemas.microsoft.com/office/drawing/2010/main">
                 <a:solidFill>
                   <a:srgbClr val="FFFFFF"/>
                 </a:solidFill>
               </a14:hiddenFill>
             </a:ext>
             <a:ext uri="{91240B29-F687-4f45-9708-019B960494DF}">
-              <a14:hiddenLine xmlns:a14="http://schemas.microsoft.com/office/drawing/2010/main" xmlns="" w="9525">
+              <a14:hiddenLine xmlns="" xmlns:a14="http://schemas.microsoft.com/office/drawing/2010/main" w="9525">
                 <a:solidFill>
                   <a:srgbClr val="000000"/>
                 </a:solidFill>
@@ -44584,14 +45184,14 @@
           </a:ln>
           <a:extLst>
             <a:ext uri="{909E8E84-426E-40dd-AFC4-6F175D3DCCD1}">
-              <a14:hiddenFill xmlns:a14="http://schemas.microsoft.com/office/drawing/2010/main" xmlns="">
+              <a14:hiddenFill xmlns="" xmlns:a14="http://schemas.microsoft.com/office/drawing/2010/main">
                 <a:solidFill>
                   <a:srgbClr val="FFFFFF"/>
                 </a:solidFill>
               </a14:hiddenFill>
             </a:ext>
             <a:ext uri="{91240B29-F687-4f45-9708-019B960494DF}">
-              <a14:hiddenLine xmlns:a14="http://schemas.microsoft.com/office/drawing/2010/main" xmlns="" w="9525">
+              <a14:hiddenLine xmlns="" xmlns:a14="http://schemas.microsoft.com/office/drawing/2010/main" w="9525">
                 <a:solidFill>
                   <a:srgbClr val="000000"/>
                 </a:solidFill>
@@ -45533,14 +46133,14 @@
           </a:ln>
           <a:extLst>
             <a:ext uri="{909E8E84-426E-40dd-AFC4-6F175D3DCCD1}">
-              <a14:hiddenFill xmlns:a14="http://schemas.microsoft.com/office/drawing/2010/main" xmlns="">
+              <a14:hiddenFill xmlns="" xmlns:a14="http://schemas.microsoft.com/office/drawing/2010/main">
                 <a:solidFill>
                   <a:srgbClr val="FFFFFF"/>
                 </a:solidFill>
               </a14:hiddenFill>
             </a:ext>
             <a:ext uri="{91240B29-F687-4f45-9708-019B960494DF}">
-              <a14:hiddenLine xmlns:a14="http://schemas.microsoft.com/office/drawing/2010/main" xmlns="" w="9525">
+              <a14:hiddenLine xmlns="" xmlns:a14="http://schemas.microsoft.com/office/drawing/2010/main" w="9525">
                 <a:solidFill>
                   <a:srgbClr val="000000"/>
                 </a:solidFill>
@@ -45705,7 +46305,7 @@
           </a:ln>
           <a:extLst>
             <a:ext uri="{909E8E84-426E-40dd-AFC4-6F175D3DCCD1}">
-              <a14:hiddenFill xmlns:a14="http://schemas.microsoft.com/office/drawing/2010/main" xmlns="">
+              <a14:hiddenFill xmlns="" xmlns:a14="http://schemas.microsoft.com/office/drawing/2010/main">
                 <a:noFill/>
               </a14:hiddenFill>
             </a:ext>
@@ -45750,7 +46350,7 @@
           </a:ln>
           <a:extLst>
             <a:ext uri="{909E8E84-426E-40dd-AFC4-6F175D3DCCD1}">
-              <a14:hiddenFill xmlns:a14="http://schemas.microsoft.com/office/drawing/2010/main" xmlns="">
+              <a14:hiddenFill xmlns="" xmlns:a14="http://schemas.microsoft.com/office/drawing/2010/main">
                 <a:noFill/>
               </a14:hiddenFill>
             </a:ext>
@@ -45795,7 +46395,7 @@
           </a:ln>
           <a:extLst>
             <a:ext uri="{909E8E84-426E-40dd-AFC4-6F175D3DCCD1}">
-              <a14:hiddenFill xmlns:a14="http://schemas.microsoft.com/office/drawing/2010/main" xmlns="">
+              <a14:hiddenFill xmlns="" xmlns:a14="http://schemas.microsoft.com/office/drawing/2010/main">
                 <a:noFill/>
               </a14:hiddenFill>
             </a:ext>
@@ -45835,14 +46435,14 @@
           </a:ln>
           <a:extLst>
             <a:ext uri="{909E8E84-426E-40dd-AFC4-6F175D3DCCD1}">
-              <a14:hiddenFill xmlns:a14="http://schemas.microsoft.com/office/drawing/2010/main" xmlns="">
+              <a14:hiddenFill xmlns="" xmlns:a14="http://schemas.microsoft.com/office/drawing/2010/main">
                 <a:solidFill>
                   <a:srgbClr val="FFFFFF"/>
                 </a:solidFill>
               </a14:hiddenFill>
             </a:ext>
             <a:ext uri="{91240B29-F687-4f45-9708-019B960494DF}">
-              <a14:hiddenLine xmlns:a14="http://schemas.microsoft.com/office/drawing/2010/main" xmlns="" w="9525">
+              <a14:hiddenLine xmlns="" xmlns:a14="http://schemas.microsoft.com/office/drawing/2010/main" w="9525">
                 <a:solidFill>
                   <a:srgbClr val="000000"/>
                 </a:solidFill>
@@ -46002,14 +46602,14 @@
           </a:ln>
           <a:extLst>
             <a:ext uri="{909E8E84-426E-40dd-AFC4-6F175D3DCCD1}">
-              <a14:hiddenFill xmlns:a14="http://schemas.microsoft.com/office/drawing/2010/main" xmlns="">
+              <a14:hiddenFill xmlns="" xmlns:a14="http://schemas.microsoft.com/office/drawing/2010/main">
                 <a:solidFill>
                   <a:srgbClr val="FFFFFF"/>
                 </a:solidFill>
               </a14:hiddenFill>
             </a:ext>
             <a:ext uri="{91240B29-F687-4f45-9708-019B960494DF}">
-              <a14:hiddenLine xmlns:a14="http://schemas.microsoft.com/office/drawing/2010/main" xmlns="" w="9525">
+              <a14:hiddenLine xmlns="" xmlns:a14="http://schemas.microsoft.com/office/drawing/2010/main" w="9525">
                 <a:solidFill>
                   <a:srgbClr val="000000"/>
                 </a:solidFill>
@@ -46169,14 +46769,14 @@
           </a:ln>
           <a:extLst>
             <a:ext uri="{909E8E84-426E-40dd-AFC4-6F175D3DCCD1}">
-              <a14:hiddenFill xmlns:a14="http://schemas.microsoft.com/office/drawing/2010/main" xmlns="">
+              <a14:hiddenFill xmlns="" xmlns:a14="http://schemas.microsoft.com/office/drawing/2010/main">
                 <a:solidFill>
                   <a:srgbClr val="FFFFFF"/>
                 </a:solidFill>
               </a14:hiddenFill>
             </a:ext>
             <a:ext uri="{91240B29-F687-4f45-9708-019B960494DF}">
-              <a14:hiddenLine xmlns:a14="http://schemas.microsoft.com/office/drawing/2010/main" xmlns="" w="9525">
+              <a14:hiddenLine xmlns="" xmlns:a14="http://schemas.microsoft.com/office/drawing/2010/main" w="9525">
                 <a:solidFill>
                   <a:srgbClr val="000000"/>
                 </a:solidFill>
@@ -46899,9 +47499,7 @@
         <p:nvGraphicFramePr>
           <p:cNvPr id="6" name="Diagram 5"/>
           <p:cNvGraphicFramePr/>
-          <p:nvPr>
-            <p:extLst/>
-          </p:nvPr>
+          <p:nvPr/>
         </p:nvGraphicFramePr>
         <p:xfrm>
           <a:off x="4343399" y="2226469"/>
@@ -47041,14 +47639,14 @@
           </a:ln>
           <a:extLst>
             <a:ext uri="{909E8E84-426E-40dd-AFC4-6F175D3DCCD1}">
-              <a14:hiddenFill xmlns:a14="http://schemas.microsoft.com/office/drawing/2010/main" xmlns="">
+              <a14:hiddenFill xmlns="" xmlns:a14="http://schemas.microsoft.com/office/drawing/2010/main">
                 <a:solidFill>
                   <a:srgbClr val="FFFFFF"/>
                 </a:solidFill>
               </a14:hiddenFill>
             </a:ext>
             <a:ext uri="{91240B29-F687-4f45-9708-019B960494DF}">
-              <a14:hiddenLine xmlns:a14="http://schemas.microsoft.com/office/drawing/2010/main" xmlns="" w="9525">
+              <a14:hiddenLine xmlns="" xmlns:a14="http://schemas.microsoft.com/office/drawing/2010/main" w="9525">
                 <a:solidFill>
                   <a:srgbClr val="000000"/>
                 </a:solidFill>
@@ -48005,14 +48603,14 @@
           </a:ln>
           <a:extLst>
             <a:ext uri="{909E8E84-426E-40dd-AFC4-6F175D3DCCD1}">
-              <a14:hiddenFill xmlns:a14="http://schemas.microsoft.com/office/drawing/2010/main" xmlns="">
+              <a14:hiddenFill xmlns="" xmlns:a14="http://schemas.microsoft.com/office/drawing/2010/main">
                 <a:solidFill>
                   <a:srgbClr val="FFFFFF"/>
                 </a:solidFill>
               </a14:hiddenFill>
             </a:ext>
             <a:ext uri="{91240B29-F687-4f45-9708-019B960494DF}">
-              <a14:hiddenLine xmlns:a14="http://schemas.microsoft.com/office/drawing/2010/main" xmlns="" w="9525">
+              <a14:hiddenLine xmlns="" xmlns:a14="http://schemas.microsoft.com/office/drawing/2010/main" w="9525">
                 <a:solidFill>
                   <a:srgbClr val="000000"/>
                 </a:solidFill>
@@ -48707,7 +49305,7 @@
           </a:ln>
           <a:extLst>
             <a:ext uri="{909E8E84-426E-40dd-AFC4-6F175D3DCCD1}">
-              <a14:hiddenFill xmlns:a14="http://schemas.microsoft.com/office/drawing/2010/main" xmlns="">
+              <a14:hiddenFill xmlns="" xmlns:a14="http://schemas.microsoft.com/office/drawing/2010/main">
                 <a:noFill/>
               </a14:hiddenFill>
             </a:ext>
@@ -48754,7 +49352,7 @@
           </a:ln>
           <a:extLst>
             <a:ext uri="{909E8E84-426E-40dd-AFC4-6F175D3DCCD1}">
-              <a14:hiddenFill xmlns:a14="http://schemas.microsoft.com/office/drawing/2010/main" xmlns="">
+              <a14:hiddenFill xmlns="" xmlns:a14="http://schemas.microsoft.com/office/drawing/2010/main">
                 <a:solidFill>
                   <a:srgbClr val="FFFFFF"/>
                 </a:solidFill>
@@ -48903,14 +49501,14 @@
           </a:ln>
           <a:extLst>
             <a:ext uri="{909E8E84-426E-40dd-AFC4-6F175D3DCCD1}">
-              <a14:hiddenFill xmlns:a14="http://schemas.microsoft.com/office/drawing/2010/main" xmlns="">
+              <a14:hiddenFill xmlns="" xmlns:a14="http://schemas.microsoft.com/office/drawing/2010/main">
                 <a:solidFill>
                   <a:srgbClr val="FFFFFF"/>
                 </a:solidFill>
               </a14:hiddenFill>
             </a:ext>
             <a:ext uri="{91240B29-F687-4f45-9708-019B960494DF}">
-              <a14:hiddenLine xmlns:a14="http://schemas.microsoft.com/office/drawing/2010/main" xmlns="" w="9525">
+              <a14:hiddenLine xmlns="" xmlns:a14="http://schemas.microsoft.com/office/drawing/2010/main" w="9525">
                 <a:solidFill>
                   <a:srgbClr val="000000"/>
                 </a:solidFill>
@@ -49074,7 +49672,7 @@
           </a:ln>
           <a:extLst>
             <a:ext uri="{909E8E84-426E-40dd-AFC4-6F175D3DCCD1}">
-              <a14:hiddenFill xmlns:a14="http://schemas.microsoft.com/office/drawing/2010/main" xmlns="">
+              <a14:hiddenFill xmlns="" xmlns:a14="http://schemas.microsoft.com/office/drawing/2010/main">
                 <a:solidFill>
                   <a:srgbClr val="FFFFFF"/>
                 </a:solidFill>
@@ -49228,7 +49826,7 @@
           </a:ln>
           <a:extLst>
             <a:ext uri="{909E8E84-426E-40dd-AFC4-6F175D3DCCD1}">
-              <a14:hiddenFill xmlns:a14="http://schemas.microsoft.com/office/drawing/2010/main" xmlns="">
+              <a14:hiddenFill xmlns="" xmlns:a14="http://schemas.microsoft.com/office/drawing/2010/main">
                 <a:noFill/>
               </a14:hiddenFill>
             </a:ext>
@@ -49268,14 +49866,14 @@
           </a:ln>
           <a:extLst>
             <a:ext uri="{909E8E84-426E-40dd-AFC4-6F175D3DCCD1}">
-              <a14:hiddenFill xmlns:a14="http://schemas.microsoft.com/office/drawing/2010/main" xmlns="">
+              <a14:hiddenFill xmlns="" xmlns:a14="http://schemas.microsoft.com/office/drawing/2010/main">
                 <a:solidFill>
                   <a:srgbClr val="FFFFFF"/>
                 </a:solidFill>
               </a14:hiddenFill>
             </a:ext>
             <a:ext uri="{91240B29-F687-4f45-9708-019B960494DF}">
-              <a14:hiddenLine xmlns:a14="http://schemas.microsoft.com/office/drawing/2010/main" xmlns="" w="9525">
+              <a14:hiddenLine xmlns="" xmlns:a14="http://schemas.microsoft.com/office/drawing/2010/main" w="9525">
                 <a:solidFill>
                   <a:srgbClr val="000000"/>
                 </a:solidFill>
@@ -49432,14 +50030,14 @@
           </a:ln>
           <a:extLst>
             <a:ext uri="{909E8E84-426E-40dd-AFC4-6F175D3DCCD1}">
-              <a14:hiddenFill xmlns:a14="http://schemas.microsoft.com/office/drawing/2010/main" xmlns="">
+              <a14:hiddenFill xmlns="" xmlns:a14="http://schemas.microsoft.com/office/drawing/2010/main">
                 <a:solidFill>
                   <a:srgbClr val="FFFFFF"/>
                 </a:solidFill>
               </a14:hiddenFill>
             </a:ext>
             <a:ext uri="{91240B29-F687-4f45-9708-019B960494DF}">
-              <a14:hiddenLine xmlns:a14="http://schemas.microsoft.com/office/drawing/2010/main" xmlns="" w="9525">
+              <a14:hiddenLine xmlns="" xmlns:a14="http://schemas.microsoft.com/office/drawing/2010/main" w="9525">
                 <a:solidFill>
                   <a:srgbClr val="000000"/>
                 </a:solidFill>
@@ -49601,7 +50199,7 @@
           </a:ln>
           <a:extLst>
             <a:ext uri="{909E8E84-426E-40dd-AFC4-6F175D3DCCD1}">
-              <a14:hiddenFill xmlns:a14="http://schemas.microsoft.com/office/drawing/2010/main" xmlns="">
+              <a14:hiddenFill xmlns="" xmlns:a14="http://schemas.microsoft.com/office/drawing/2010/main">
                 <a:noFill/>
               </a14:hiddenFill>
             </a:ext>
@@ -49646,7 +50244,7 @@
           </a:ln>
           <a:extLst>
             <a:ext uri="{909E8E84-426E-40dd-AFC4-6F175D3DCCD1}">
-              <a14:hiddenFill xmlns:a14="http://schemas.microsoft.com/office/drawing/2010/main" xmlns="">
+              <a14:hiddenFill xmlns="" xmlns:a14="http://schemas.microsoft.com/office/drawing/2010/main">
                 <a:noFill/>
               </a14:hiddenFill>
             </a:ext>
@@ -49686,7 +50284,6 @@
           <a:ln>
             <a:noFill/>
           </a:ln>
-          <a:extLst/>
         </p:spPr>
         <p:txBody>
           <a:bodyPr wrap="none">
@@ -49834,14 +50431,14 @@
           </a:ln>
           <a:extLst>
             <a:ext uri="{909E8E84-426E-40dd-AFC4-6F175D3DCCD1}">
-              <a14:hiddenFill xmlns:a14="http://schemas.microsoft.com/office/drawing/2010/main" xmlns="">
+              <a14:hiddenFill xmlns="" xmlns:a14="http://schemas.microsoft.com/office/drawing/2010/main">
                 <a:solidFill>
                   <a:srgbClr val="FFFFFF"/>
                 </a:solidFill>
               </a14:hiddenFill>
             </a:ext>
             <a:ext uri="{91240B29-F687-4f45-9708-019B960494DF}">
-              <a14:hiddenLine xmlns:a14="http://schemas.microsoft.com/office/drawing/2010/main" xmlns="" w="9525">
+              <a14:hiddenLine xmlns="" xmlns:a14="http://schemas.microsoft.com/office/drawing/2010/main" w="9525">
                 <a:solidFill>
                   <a:srgbClr val="000000"/>
                 </a:solidFill>
@@ -51952,9 +52549,7 @@
           <p:cNvGraphicFramePr>
             <a:graphicFrameLocks noGrp="1"/>
           </p:cNvGraphicFramePr>
-          <p:nvPr>
-            <p:extLst/>
-          </p:nvPr>
+          <p:nvPr/>
         </p:nvGraphicFramePr>
         <p:xfrm>
           <a:off x="5037283" y="2477188"/>
